--- a/O3656-6 Deep Dive into Search Scenarios in Office 365/O3656-6 Deep Dive into Search Scenarios in Office 365.pptx
+++ b/O3656-6 Deep Dive into Search Scenarios in Office 365/O3656-6 Deep Dive into Search Scenarios in Office 365.pptx
@@ -12855,7 +12855,7 @@
         <p:spPr>
           <a:xfrm>
             <a:off x="519112" y="1447799"/>
-            <a:ext cx="11149013" cy="4467226"/>
+            <a:ext cx="5810251" cy="4467226"/>
           </a:xfrm>
         </p:spPr>
         <p:txBody>
@@ -12945,6 +12945,41 @@
           </a:p>
         </p:txBody>
       </p:sp>
+      <p:pic>
+        <p:nvPicPr>
+          <p:cNvPr id="5" name="Picture 4"/>
+          <p:cNvPicPr>
+            <a:picLocks noChangeAspect="1"/>
+          </p:cNvPicPr>
+          <p:nvPr/>
+        </p:nvPicPr>
+        <p:blipFill>
+          <a:blip r:embed="rId3">
+            <a:extLst>
+              <a:ext uri="{28A0092B-C50C-407E-A947-70E740481C1C}">
+                <a14:useLocalDpi xmlns:a14="http://schemas.microsoft.com/office/drawing/2010/main" val="0"/>
+              </a:ext>
+            </a:extLst>
+          </a:blip>
+          <a:stretch>
+            <a:fillRect/>
+          </a:stretch>
+        </p:blipFill>
+        <p:spPr>
+          <a:xfrm>
+            <a:off x="6707981" y="1290992"/>
+            <a:ext cx="4817337" cy="4323995"/>
+          </a:xfrm>
+          <a:prstGeom prst="rect">
+            <a:avLst/>
+          </a:prstGeom>
+          <a:ln>
+            <a:solidFill>
+              <a:schemeClr val="tx1"/>
+            </a:solidFill>
+          </a:ln>
+        </p:spPr>
+      </p:pic>
     </p:spTree>
     <p:extLst>
       <p:ext uri="{BB962C8B-B14F-4D97-AF65-F5344CB8AC3E}">
@@ -13057,6 +13092,36 @@
           </a:p>
         </p:txBody>
       </p:sp>
+      <p:pic>
+        <p:nvPicPr>
+          <p:cNvPr id="5" name="Picture 4"/>
+          <p:cNvPicPr>
+            <a:picLocks noChangeAspect="1"/>
+          </p:cNvPicPr>
+          <p:nvPr/>
+        </p:nvPicPr>
+        <p:blipFill>
+          <a:blip r:embed="rId2">
+            <a:extLst>
+              <a:ext uri="{28A0092B-C50C-407E-A947-70E740481C1C}">
+                <a14:useLocalDpi xmlns:a14="http://schemas.microsoft.com/office/drawing/2010/main" val="0"/>
+              </a:ext>
+            </a:extLst>
+          </a:blip>
+          <a:stretch>
+            <a:fillRect/>
+          </a:stretch>
+        </p:blipFill>
+        <p:spPr>
+          <a:xfrm>
+            <a:off x="1081386" y="2628998"/>
+            <a:ext cx="6410326" cy="2573489"/>
+          </a:xfrm>
+          <a:prstGeom prst="rect">
+            <a:avLst/>
+          </a:prstGeom>
+        </p:spPr>
+      </p:pic>
     </p:spTree>
     <p:extLst>
       <p:ext uri="{BB962C8B-B14F-4D97-AF65-F5344CB8AC3E}">
@@ -13574,27 +13639,7 @@
                 <a:latin typeface="Consolas" pitchFamily="49" charset="0"/>
                 <a:cs typeface="Consolas" pitchFamily="49" charset="0"/>
               </a:rPr>
-              <a:t>https://</a:t>
-            </a:r>
-            <a:r>
-              <a:rPr lang="en-US" b="1" dirty="0" smtClean="0">
-                <a:solidFill>
-                  <a:sysClr val="windowText" lastClr="000000"/>
-                </a:solidFill>
-                <a:latin typeface="Consolas" pitchFamily="49" charset="0"/>
-                <a:cs typeface="Consolas" pitchFamily="49" charset="0"/>
-              </a:rPr>
-              <a:t>tenant</a:t>
-            </a:r>
-            <a:r>
-              <a:rPr lang="en-US" b="1" dirty="0" smtClean="0">
-                <a:solidFill>
-                  <a:sysClr val="windowText" lastClr="000000"/>
-                </a:solidFill>
-                <a:latin typeface="Consolas" pitchFamily="49" charset="0"/>
-                <a:cs typeface="Consolas" pitchFamily="49" charset="0"/>
-              </a:rPr>
-              <a:t>/site</a:t>
+              <a:t>https://tenant/site</a:t>
             </a:r>
             <a:r>
               <a:rPr lang="en-US" b="1" dirty="0">
@@ -15942,7 +15987,7 @@
                 <a:gridCol w="11225057">
                   <a:extLst>
                     <a:ext uri="{9D8B030D-6E8A-4147-A177-3AD203B41FA5}">
-                      <a16:colId xmlns="" xmlns:a16="http://schemas.microsoft.com/office/drawing/2014/main" val="1253488153"/>
+                      <a16:colId xmlns:a16="http://schemas.microsoft.com/office/drawing/2014/main" xmlns="" val="1253488153"/>
                     </a:ext>
                   </a:extLst>
                 </a:gridCol>
@@ -15964,7 +16009,7 @@
                 </a:tc>
                 <a:extLst>
                   <a:ext uri="{0D108BD9-81ED-4DB2-BD59-A6C34878D82A}">
-                    <a16:rowId xmlns="" xmlns:a16="http://schemas.microsoft.com/office/drawing/2014/main" val="829859176"/>
+                    <a16:rowId xmlns:a16="http://schemas.microsoft.com/office/drawing/2014/main" xmlns="" val="829859176"/>
                   </a:ext>
                 </a:extLst>
               </a:tr>
@@ -15976,11 +16021,7 @@
                     <a:p>
                       <a:r>
                         <a:rPr lang="en-US" sz="1800" b="0" dirty="0" smtClean="0"/>
-                        <a:t>Module 1: </a:t>
-                      </a:r>
-                      <a:r>
-                        <a:rPr lang="en-US" sz="1800" b="0" dirty="0" smtClean="0"/>
-                        <a:t>Developing Advanced Workflow Scenarios in Office 365</a:t>
+                        <a:t>Module 1: Developing Advanced Workflow Scenarios in Office 365</a:t>
                       </a:r>
                       <a:endParaRPr lang="en-US" sz="1800" b="0" baseline="0" dirty="0" smtClean="0"/>
                     </a:p>
@@ -15989,7 +16030,7 @@
                 </a:tc>
                 <a:extLst>
                   <a:ext uri="{0D108BD9-81ED-4DB2-BD59-A6C34878D82A}">
-                    <a16:rowId xmlns="" xmlns:a16="http://schemas.microsoft.com/office/drawing/2014/main" val="1946132611"/>
+                    <a16:rowId xmlns:a16="http://schemas.microsoft.com/office/drawing/2014/main" xmlns="" val="1946132611"/>
                   </a:ext>
                 </a:extLst>
               </a:tr>
@@ -16018,20 +16059,15 @@
                       </a:pPr>
                       <a:r>
                         <a:rPr lang="en-US" sz="1800" b="0" dirty="0" smtClean="0"/>
-                        <a:t>Module 2: Deep Dive </a:t>
+                        <a:t>Module 2: Deep Dive into SharePoint Lists for Data Storage</a:t>
                       </a:r>
-                      <a:r>
-                        <a:rPr lang="en-US" sz="1800" b="0" dirty="0" smtClean="0"/>
-                        <a:t>into SharePoint Lists for Data Storage</a:t>
-                      </a:r>
-                      <a:endParaRPr lang="en-US" sz="1800" b="0" dirty="0" smtClean="0"/>
                     </a:p>
                   </a:txBody>
                   <a:tcPr marL="91403" marR="91403" marT="45701" marB="45701" anchor="ctr"/>
                 </a:tc>
                 <a:extLst>
                   <a:ext uri="{0D108BD9-81ED-4DB2-BD59-A6C34878D82A}">
-                    <a16:rowId xmlns="" xmlns:a16="http://schemas.microsoft.com/office/drawing/2014/main" val="3204002662"/>
+                    <a16:rowId xmlns:a16="http://schemas.microsoft.com/office/drawing/2014/main" xmlns="" val="3204002662"/>
                   </a:ext>
                 </a:extLst>
               </a:tr>
@@ -16066,14 +16102,13 @@
                         <a:rPr lang="en-US" sz="1800" b="0" dirty="0" smtClean="0"/>
                         <a:t>Deep Dive into SharePoint Lists with REST APIs</a:t>
                       </a:r>
-                      <a:endParaRPr lang="en-US" sz="1800" b="0" dirty="0" smtClean="0"/>
                     </a:p>
                   </a:txBody>
                   <a:tcPr marL="91403" marR="91403" marT="45701" marB="45701" anchor="ctr"/>
                 </a:tc>
                 <a:extLst>
                   <a:ext uri="{0D108BD9-81ED-4DB2-BD59-A6C34878D82A}">
-                    <a16:rowId xmlns="" xmlns:a16="http://schemas.microsoft.com/office/drawing/2014/main" val="4266278162"/>
+                    <a16:rowId xmlns:a16="http://schemas.microsoft.com/office/drawing/2014/main" xmlns="" val="4266278162"/>
                   </a:ext>
                 </a:extLst>
               </a:tr>
@@ -16102,11 +16137,7 @@
                       </a:pPr>
                       <a:r>
                         <a:rPr lang="en-US" sz="1800" b="0" dirty="0" smtClean="0"/>
-                        <a:t>Module 4: </a:t>
-                      </a:r>
-                      <a:r>
-                        <a:rPr lang="en-US" sz="1800" b="0" dirty="0" smtClean="0"/>
-                        <a:t>Deep Dive into SharePoint Lists with CSOM APIs</a:t>
+                        <a:t>Module 4: Deep Dive into SharePoint Lists with CSOM APIs</a:t>
                       </a:r>
                       <a:endParaRPr lang="en-US" sz="1800" b="1" dirty="0" smtClean="0"/>
                     </a:p>
@@ -16143,11 +16174,7 @@
                       </a:r>
                       <a:r>
                         <a:rPr lang="en-US" sz="1800" b="0" baseline="0" dirty="0" smtClean="0"/>
-                        <a:t> </a:t>
-                      </a:r>
-                      <a:r>
-                        <a:rPr lang="en-US" sz="1800" b="0" baseline="0" dirty="0" smtClean="0"/>
-                        <a:t>SharePoint 2013 Remote Event Receivers</a:t>
+                        <a:t> SharePoint 2013 Remote Event Receivers</a:t>
                       </a:r>
                       <a:endParaRPr lang="en-US" sz="1800" b="0" dirty="0" smtClean="0"/>
                     </a:p>
@@ -16180,13 +16207,8 @@
                       </a:pPr>
                       <a:r>
                         <a:rPr lang="en-US" sz="1800" b="1" dirty="0" smtClean="0"/>
-                        <a:t>Module 6: Deep Dive into </a:t>
+                        <a:t>Module 6: Deep Dive into Search Scenarios in Office 365</a:t>
                       </a:r>
-                      <a:r>
-                        <a:rPr lang="en-US" sz="1800" b="1" dirty="0" smtClean="0"/>
-                        <a:t>Search Scenarios in Office 365</a:t>
-                      </a:r>
-                      <a:endParaRPr lang="en-US" sz="1800" b="1" dirty="0" smtClean="0"/>
                     </a:p>
                   </a:txBody>
                   <a:tcPr marL="91403" marR="91403" marT="45701" marB="45701" anchor="ctr"/>
@@ -16217,13 +16239,8 @@
                       </a:pPr>
                       <a:r>
                         <a:rPr lang="en-US" sz="1800" b="0" dirty="0" smtClean="0"/>
-                        <a:t>Module 7: Deep Dive into </a:t>
+                        <a:t>Module 7: Deep Dive into Business Connectivity Services in Office 365</a:t>
                       </a:r>
-                      <a:r>
-                        <a:rPr lang="en-US" sz="1800" b="0" dirty="0" smtClean="0"/>
-                        <a:t>Business Connectivity Services in Office 365</a:t>
-                      </a:r>
-                      <a:endParaRPr lang="en-US" sz="1800" b="0" dirty="0" smtClean="0"/>
                     </a:p>
                   </a:txBody>
                   <a:tcPr marL="91403" marR="91403" marT="45701" marB="45701" anchor="ctr"/>
@@ -16254,13 +16271,8 @@
                       </a:pPr>
                       <a:r>
                         <a:rPr lang="en-US" sz="1800" b="0" dirty="0" smtClean="0"/>
-                        <a:t>Module 8: </a:t>
+                        <a:t>Module 8: Developing Advanced Taxonomy Scenarios in Office 365</a:t>
                       </a:r>
-                      <a:r>
-                        <a:rPr lang="en-US" sz="1800" b="0" dirty="0" smtClean="0"/>
-                        <a:t>Developing Advanced Taxonomy Scenarios in Office 365</a:t>
-                      </a:r>
-                      <a:endParaRPr lang="en-US" sz="1800" b="0" dirty="0" smtClean="0"/>
                     </a:p>
                   </a:txBody>
                   <a:tcPr marL="91403" marR="91403" marT="45701" marB="45701" anchor="ctr"/>
@@ -18139,7 +18151,6 @@
               <a:rPr lang="en-US" dirty="0" smtClean="0"/>
               <a:t>Search-Based Apps</a:t>
             </a:r>
-            <a:endParaRPr lang="en-US" dirty="0" smtClean="0"/>
           </a:p>
         </p:txBody>
       </p:sp>
@@ -19100,8 +19111,8 @@
         </p:nvSpPr>
         <p:spPr>
           <a:xfrm>
-            <a:off x="519112" y="1447799"/>
-            <a:ext cx="11149013" cy="4595814"/>
+            <a:off x="519113" y="1447799"/>
+            <a:ext cx="4067176" cy="4595814"/>
           </a:xfrm>
         </p:spPr>
         <p:txBody>
@@ -19206,6 +19217,41 @@
           </a:p>
         </p:txBody>
       </p:sp>
+      <p:pic>
+        <p:nvPicPr>
+          <p:cNvPr id="6" name="Picture 5"/>
+          <p:cNvPicPr>
+            <a:picLocks noChangeAspect="1"/>
+          </p:cNvPicPr>
+          <p:nvPr/>
+        </p:nvPicPr>
+        <p:blipFill>
+          <a:blip r:embed="rId2">
+            <a:extLst>
+              <a:ext uri="{28A0092B-C50C-407E-A947-70E740481C1C}">
+                <a14:useLocalDpi xmlns:a14="http://schemas.microsoft.com/office/drawing/2010/main" val="0"/>
+              </a:ext>
+            </a:extLst>
+          </a:blip>
+          <a:stretch>
+            <a:fillRect/>
+          </a:stretch>
+        </p:blipFill>
+        <p:spPr>
+          <a:xfrm>
+            <a:off x="4586289" y="1845561"/>
+            <a:ext cx="6925642" cy="3030799"/>
+          </a:xfrm>
+          <a:prstGeom prst="rect">
+            <a:avLst/>
+          </a:prstGeom>
+          <a:ln>
+            <a:solidFill>
+              <a:schemeClr val="tx1"/>
+            </a:solidFill>
+          </a:ln>
+        </p:spPr>
+      </p:pic>
     </p:spTree>
     <p:extLst>
       <p:ext uri="{BB962C8B-B14F-4D97-AF65-F5344CB8AC3E}">
@@ -20375,21 +20421,6 @@
 </file>
 
 <file path=customXml/item1.xml><?xml version="1.0" encoding="utf-8"?>
-<?mso-contentType ?>
-<FormTemplates xmlns="http://schemas.microsoft.com/sharepoint/v3/contenttype/forms">
-  <Display>DocumentLibraryForm</Display>
-  <Edit>DocumentLibraryForm</Edit>
-  <New>DocumentLibraryForm</New>
-</FormTemplates>
-</file>
-
-<file path=customXml/item2.xml><?xml version="1.0" encoding="utf-8"?>
-<p:properties xmlns:p="http://schemas.microsoft.com/office/2006/metadata/properties" xmlns:xsi="http://www.w3.org/2001/XMLSchema-instance" xmlns:pc="http://schemas.microsoft.com/office/infopath/2007/PartnerControls">
-  <documentManagement/>
-</p:properties>
-</file>
-
-<file path=customXml/item3.xml><?xml version="1.0" encoding="utf-8"?>
 <ct:contentTypeSchema xmlns:ct="http://schemas.microsoft.com/office/2006/metadata/contentType" xmlns:ma="http://schemas.microsoft.com/office/2006/metadata/properties/metaAttributes" ct:_="" ma:_="" ma:contentTypeName="Document" ma:contentTypeID="0x010100A2E4C90AA7333249A7DBC8CC6F49919B" ma:contentTypeVersion="1" ma:contentTypeDescription="Create a new document." ma:contentTypeScope="" ma:versionID="e7b09f0f38d7ed30c7da14951e97abcc">
   <xsd:schema xmlns:xsd="http://www.w3.org/2001/XMLSchema" xmlns:xs="http://www.w3.org/2001/XMLSchema" xmlns:p="http://schemas.microsoft.com/office/2006/metadata/properties" xmlns:ns2="5fad15d0-477e-40da-a20d-40d4ca777cbd" targetNamespace="http://schemas.microsoft.com/office/2006/metadata/properties" ma:root="true" ma:fieldsID="0cee24db179c30c5ebec40b677cadf70" ns2:_="">
     <xsd:import namespace="5fad15d0-477e-40da-a20d-40d4ca777cbd"/>
@@ -20529,10 +20560,35 @@
 </ct:contentTypeSchema>
 </file>
 
+<file path=customXml/item2.xml><?xml version="1.0" encoding="utf-8"?>
+<p:properties xmlns:p="http://schemas.microsoft.com/office/2006/metadata/properties" xmlns:xsi="http://www.w3.org/2001/XMLSchema-instance" xmlns:pc="http://schemas.microsoft.com/office/infopath/2007/PartnerControls">
+  <documentManagement/>
+</p:properties>
+</file>
+
+<file path=customXml/item3.xml><?xml version="1.0" encoding="utf-8"?>
+<?mso-contentType ?>
+<FormTemplates xmlns="http://schemas.microsoft.com/sharepoint/v3/contenttype/forms">
+  <Display>DocumentLibraryForm</Display>
+  <Edit>DocumentLibraryForm</Edit>
+  <New>DocumentLibraryForm</New>
+</FormTemplates>
+</file>
+
 <file path=customXml/itemProps1.xml><?xml version="1.0" encoding="utf-8"?>
-<ds:datastoreItem xmlns:ds="http://schemas.openxmlformats.org/officeDocument/2006/customXml" ds:itemID="{E1E0CE18-CA03-4891-9CD8-3448778E3D53}">
+<ds:datastoreItem xmlns:ds="http://schemas.openxmlformats.org/officeDocument/2006/customXml" ds:itemID="{F17DCE38-6787-497B-B958-75817420EB1E}">
   <ds:schemaRefs>
-    <ds:schemaRef ds:uri="http://schemas.microsoft.com/sharepoint/v3/contenttype/forms"/>
+    <ds:schemaRef ds:uri="http://schemas.microsoft.com/office/2006/metadata/contentType"/>
+    <ds:schemaRef ds:uri="http://schemas.microsoft.com/office/2006/metadata/properties/metaAttributes"/>
+    <ds:schemaRef ds:uri="http://www.w3.org/2001/XMLSchema"/>
+    <ds:schemaRef ds:uri="http://schemas.microsoft.com/office/2006/metadata/properties"/>
+    <ds:schemaRef ds:uri="5fad15d0-477e-40da-a20d-40d4ca777cbd"/>
+    <ds:schemaRef ds:uri="http://schemas.microsoft.com/office/2006/documentManagement/types"/>
+    <ds:schemaRef ds:uri="http://schemas.microsoft.com/office/infopath/2007/PartnerControls"/>
+    <ds:schemaRef ds:uri="http://schemas.openxmlformats.org/package/2006/metadata/core-properties"/>
+    <ds:schemaRef ds:uri="http://purl.org/dc/elements/1.1/"/>
+    <ds:schemaRef ds:uri="http://purl.org/dc/terms/"/>
+    <ds:schemaRef ds:uri="http://schemas.microsoft.com/internal/obd"/>
   </ds:schemaRefs>
 </ds:datastoreItem>
 </file>
@@ -20554,19 +20610,9 @@
 </file>
 
 <file path=customXml/itemProps3.xml><?xml version="1.0" encoding="utf-8"?>
-<ds:datastoreItem xmlns:ds="http://schemas.openxmlformats.org/officeDocument/2006/customXml" ds:itemID="{F17DCE38-6787-497B-B958-75817420EB1E}">
+<ds:datastoreItem xmlns:ds="http://schemas.openxmlformats.org/officeDocument/2006/customXml" ds:itemID="{E1E0CE18-CA03-4891-9CD8-3448778E3D53}">
   <ds:schemaRefs>
-    <ds:schemaRef ds:uri="http://schemas.microsoft.com/office/2006/metadata/contentType"/>
-    <ds:schemaRef ds:uri="http://schemas.microsoft.com/office/2006/metadata/properties/metaAttributes"/>
-    <ds:schemaRef ds:uri="http://www.w3.org/2001/XMLSchema"/>
-    <ds:schemaRef ds:uri="http://schemas.microsoft.com/office/2006/metadata/properties"/>
-    <ds:schemaRef ds:uri="5fad15d0-477e-40da-a20d-40d4ca777cbd"/>
-    <ds:schemaRef ds:uri="http://schemas.microsoft.com/office/2006/documentManagement/types"/>
-    <ds:schemaRef ds:uri="http://schemas.microsoft.com/office/infopath/2007/PartnerControls"/>
-    <ds:schemaRef ds:uri="http://schemas.openxmlformats.org/package/2006/metadata/core-properties"/>
-    <ds:schemaRef ds:uri="http://purl.org/dc/elements/1.1/"/>
-    <ds:schemaRef ds:uri="http://purl.org/dc/terms/"/>
-    <ds:schemaRef ds:uri="http://schemas.microsoft.com/internal/obd"/>
+    <ds:schemaRef ds:uri="http://schemas.microsoft.com/sharepoint/v3/contenttype/forms"/>
   </ds:schemaRefs>
 </ds:datastoreItem>
 </file>
--- a/O3656-6 Deep Dive into Search Scenarios in Office 365/O3656-6 Deep Dive into Search Scenarios in Office 365.pptx
+++ b/O3656-6 Deep Dive into Search Scenarios in Office 365/O3656-6 Deep Dive into Search Scenarios in Office 365.pptx
@@ -6,10 +6,10 @@
     <p:sldMasterId id="2147484046" r:id="rId5"/>
   </p:sldMasterIdLst>
   <p:notesMasterIdLst>
-    <p:notesMasterId r:id="rId30"/>
+    <p:notesMasterId r:id="rId33"/>
   </p:notesMasterIdLst>
   <p:handoutMasterIdLst>
-    <p:handoutMasterId r:id="rId31"/>
+    <p:handoutMasterId r:id="rId34"/>
   </p:handoutMasterIdLst>
   <p:sldIdLst>
     <p:sldId id="778" r:id="rId6"/>
@@ -23,19 +23,22 @@
     <p:sldId id="857" r:id="rId14"/>
     <p:sldId id="858" r:id="rId15"/>
     <p:sldId id="859" r:id="rId16"/>
-    <p:sldId id="860" r:id="rId17"/>
-    <p:sldId id="861" r:id="rId18"/>
-    <p:sldId id="852" r:id="rId19"/>
-    <p:sldId id="862" r:id="rId20"/>
-    <p:sldId id="864" r:id="rId21"/>
-    <p:sldId id="865" r:id="rId22"/>
-    <p:sldId id="866" r:id="rId23"/>
-    <p:sldId id="867" r:id="rId24"/>
-    <p:sldId id="868" r:id="rId25"/>
-    <p:sldId id="869" r:id="rId26"/>
-    <p:sldId id="863" r:id="rId27"/>
-    <p:sldId id="853" r:id="rId28"/>
-    <p:sldId id="654" r:id="rId29"/>
+    <p:sldId id="872" r:id="rId17"/>
+    <p:sldId id="860" r:id="rId18"/>
+    <p:sldId id="861" r:id="rId19"/>
+    <p:sldId id="870" r:id="rId20"/>
+    <p:sldId id="871" r:id="rId21"/>
+    <p:sldId id="852" r:id="rId22"/>
+    <p:sldId id="862" r:id="rId23"/>
+    <p:sldId id="864" r:id="rId24"/>
+    <p:sldId id="865" r:id="rId25"/>
+    <p:sldId id="866" r:id="rId26"/>
+    <p:sldId id="867" r:id="rId27"/>
+    <p:sldId id="868" r:id="rId28"/>
+    <p:sldId id="869" r:id="rId29"/>
+    <p:sldId id="863" r:id="rId30"/>
+    <p:sldId id="853" r:id="rId31"/>
+    <p:sldId id="654" r:id="rId32"/>
   </p:sldIdLst>
   <p:sldSz cx="12188825" cy="6858000"/>
   <p:notesSz cx="6858000" cy="9144000"/>
@@ -338,7 +341,7 @@
           <a:p>
             <a:fld id="{DE219B1A-AE41-483B-A766-69B9363DDA6A}" type="datetimeFigureOut">
               <a:rPr lang="en-US" smtClean="0"/>
-              <a:t>11/6/2014</a:t>
+              <a:t>11/7/2014</a:t>
             </a:fld>
             <a:endParaRPr lang="en-US"/>
           </a:p>
@@ -620,7 +623,7 @@
           <a:p>
             <a:fld id="{D51B1278-D92B-4AF3-A9C1-71DD298190CE}" type="datetimeFigureOut">
               <a:rPr lang="en-US" smtClean="0"/>
-              <a:t>11/6/2014</a:t>
+              <a:t>11/7/2014</a:t>
             </a:fld>
             <a:endParaRPr lang="en-US"/>
           </a:p>
@@ -1255,7 +1258,7 @@
           <a:p>
             <a:fld id="{B079C3B8-7366-4A44-A34B-3977080C19E7}" type="datetime1">
               <a:rPr lang="en-US" smtClean="0"/>
-              <a:t>11/6/2014</a:t>
+              <a:t>11/7/2014</a:t>
             </a:fld>
             <a:endParaRPr lang="en-US" dirty="0"/>
           </a:p>
@@ -1386,7 +1389,7 @@
           <a:p>
             <a:fld id="{AF7E60F4-189A-4BBA-9241-67BC4E24C198}" type="datetime1">
               <a:rPr lang="en-US" smtClean="0"/>
-              <a:t>11/6/2014</a:t>
+              <a:t>11/7/2014</a:t>
             </a:fld>
             <a:endParaRPr lang="en-US"/>
           </a:p>
@@ -1719,7 +1722,7 @@
           <a:p>
             <a:fld id="{C2B674C9-7F3C-4582-A04B-09475544A7E6}" type="datetime1">
               <a:rPr lang="en-US" smtClean="0"/>
-              <a:t>11/6/2014</a:t>
+              <a:t>11/7/2014</a:t>
             </a:fld>
             <a:endParaRPr lang="en-US" dirty="0"/>
           </a:p>
@@ -1827,7 +1830,7 @@
           <a:p>
             <a:fld id="{7DECEBFE-EDEC-4F0D-A312-443A340CC100}" type="datetime1">
               <a:rPr lang="en-US" smtClean="0"/>
-              <a:t>11/6/2014</a:t>
+              <a:t>11/7/2014</a:t>
             </a:fld>
             <a:endParaRPr lang="en-US"/>
           </a:p>
@@ -2033,7 +2036,7 @@
           <a:p>
             <a:fld id="{19692CF6-E80F-4A9D-B5F7-2A8E0A97B798}" type="datetime1">
               <a:rPr lang="en-US" smtClean="0"/>
-              <a:t>11/6/2014</a:t>
+              <a:t>11/7/2014</a:t>
             </a:fld>
             <a:endParaRPr lang="en-US"/>
           </a:p>
@@ -2056,7 +2059,7 @@
           <a:p>
             <a:fld id="{B4008EB6-D09E-4580-8CD6-DDB14511944F}" type="slidenum">
               <a:rPr lang="en-US" smtClean="0"/>
-              <a:t>20</a:t>
+              <a:t>23</a:t>
             </a:fld>
             <a:endParaRPr lang="en-US" dirty="0"/>
           </a:p>
@@ -2350,7 +2353,7 @@
           <a:p>
             <a:fld id="{0BB6559B-C68D-49B4-97AE-9BB74C417927}" type="datetime1">
               <a:rPr lang="en-US" smtClean="0"/>
-              <a:t>11/6/2014</a:t>
+              <a:t>11/7/2014</a:t>
             </a:fld>
             <a:endParaRPr lang="en-US"/>
           </a:p>
@@ -2373,7 +2376,7 @@
           <a:p>
             <a:fld id="{B4008EB6-D09E-4580-8CD6-DDB14511944F}" type="slidenum">
               <a:rPr lang="en-US" smtClean="0"/>
-              <a:t>24</a:t>
+              <a:t>27</a:t>
             </a:fld>
             <a:endParaRPr lang="en-US" dirty="0"/>
           </a:p>
@@ -13015,6 +13018,220 @@
       </p:grpSpPr>
       <p:sp>
         <p:nvSpPr>
+          <p:cNvPr id="2" name="Title 1"/>
+          <p:cNvSpPr>
+            <a:spLocks noGrp="1"/>
+          </p:cNvSpPr>
+          <p:nvPr>
+            <p:ph type="title"/>
+          </p:nvPr>
+        </p:nvSpPr>
+        <p:spPr/>
+        <p:txBody>
+          <a:bodyPr/>
+          <a:lstStyle/>
+          <a:p>
+            <a:r>
+              <a:rPr lang="en-US" dirty="0" smtClean="0"/>
+              <a:t>Display Templates</a:t>
+            </a:r>
+            <a:endParaRPr lang="en-US" dirty="0"/>
+          </a:p>
+        </p:txBody>
+      </p:sp>
+      <p:sp>
+        <p:nvSpPr>
+          <p:cNvPr id="3" name="Slide Number Placeholder 2"/>
+          <p:cNvSpPr>
+            <a:spLocks noGrp="1"/>
+          </p:cNvSpPr>
+          <p:nvPr>
+            <p:ph type="sldNum" sz="quarter" idx="12"/>
+          </p:nvPr>
+        </p:nvSpPr>
+        <p:spPr/>
+        <p:txBody>
+          <a:bodyPr/>
+          <a:lstStyle/>
+          <a:p>
+            <a:fld id="{727B4C2D-45E2-4621-8491-2995EB46A674}" type="slidenum">
+              <a:rPr lang="en-US" smtClean="0"/>
+              <a:pPr/>
+              <a:t>12</a:t>
+            </a:fld>
+            <a:endParaRPr lang="en-US" dirty="0"/>
+          </a:p>
+        </p:txBody>
+      </p:sp>
+      <p:pic>
+        <p:nvPicPr>
+          <p:cNvPr id="4" name="Picture 3"/>
+          <p:cNvPicPr>
+            <a:picLocks noChangeAspect="1"/>
+          </p:cNvPicPr>
+          <p:nvPr/>
+        </p:nvPicPr>
+        <p:blipFill>
+          <a:blip r:embed="rId2">
+            <a:extLst>
+              <a:ext uri="{28A0092B-C50C-407E-A947-70E740481C1C}">
+                <a14:useLocalDpi xmlns:a14="http://schemas.microsoft.com/office/drawing/2010/main" val="0"/>
+              </a:ext>
+            </a:extLst>
+          </a:blip>
+          <a:stretch>
+            <a:fillRect/>
+          </a:stretch>
+        </p:blipFill>
+        <p:spPr>
+          <a:xfrm>
+            <a:off x="801043" y="1169598"/>
+            <a:ext cx="10058400" cy="2417350"/>
+          </a:xfrm>
+          <a:prstGeom prst="rect">
+            <a:avLst/>
+          </a:prstGeom>
+        </p:spPr>
+      </p:pic>
+      <p:pic>
+        <p:nvPicPr>
+          <p:cNvPr id="5" name="Picture 4"/>
+          <p:cNvPicPr>
+            <a:picLocks noChangeAspect="1"/>
+          </p:cNvPicPr>
+          <p:nvPr/>
+        </p:nvPicPr>
+        <p:blipFill>
+          <a:blip r:embed="rId3">
+            <a:extLst>
+              <a:ext uri="{28A0092B-C50C-407E-A947-70E740481C1C}">
+                <a14:useLocalDpi xmlns:a14="http://schemas.microsoft.com/office/drawing/2010/main" val="0"/>
+              </a:ext>
+            </a:extLst>
+          </a:blip>
+          <a:stretch>
+            <a:fillRect/>
+          </a:stretch>
+        </p:blipFill>
+        <p:spPr>
+          <a:xfrm>
+            <a:off x="2393618" y="3604523"/>
+            <a:ext cx="7400000" cy="2904762"/>
+          </a:xfrm>
+          <a:prstGeom prst="rect">
+            <a:avLst/>
+          </a:prstGeom>
+        </p:spPr>
+      </p:pic>
+      <p:cxnSp>
+        <p:nvCxnSpPr>
+          <p:cNvPr id="7" name="Straight Arrow Connector 6"/>
+          <p:cNvCxnSpPr/>
+          <p:nvPr/>
+        </p:nvCxnSpPr>
+        <p:spPr>
+          <a:xfrm flipH="1">
+            <a:off x="3314700" y="2986088"/>
+            <a:ext cx="314325" cy="1671637"/>
+          </a:xfrm>
+          <a:prstGeom prst="straightConnector1">
+            <a:avLst/>
+          </a:prstGeom>
+          <a:ln>
+            <a:solidFill>
+              <a:schemeClr val="tx1"/>
+            </a:solidFill>
+            <a:headEnd type="none"/>
+            <a:tailEnd type="triangle"/>
+          </a:ln>
+        </p:spPr>
+        <p:style>
+          <a:lnRef idx="1">
+            <a:schemeClr val="accent1"/>
+          </a:lnRef>
+          <a:fillRef idx="0">
+            <a:schemeClr val="accent1"/>
+          </a:fillRef>
+          <a:effectRef idx="0">
+            <a:schemeClr val="accent1"/>
+          </a:effectRef>
+          <a:fontRef idx="minor">
+            <a:schemeClr val="tx1"/>
+          </a:fontRef>
+        </p:style>
+      </p:cxnSp>
+      <p:cxnSp>
+        <p:nvCxnSpPr>
+          <p:cNvPr id="9" name="Straight Arrow Connector 8"/>
+          <p:cNvCxnSpPr/>
+          <p:nvPr/>
+        </p:nvCxnSpPr>
+        <p:spPr>
+          <a:xfrm flipH="1">
+            <a:off x="4143375" y="2986088"/>
+            <a:ext cx="2500313" cy="728662"/>
+          </a:xfrm>
+          <a:prstGeom prst="straightConnector1">
+            <a:avLst/>
+          </a:prstGeom>
+          <a:ln>
+            <a:solidFill>
+              <a:schemeClr val="tx1"/>
+            </a:solidFill>
+            <a:headEnd type="none"/>
+            <a:tailEnd type="triangle"/>
+          </a:ln>
+        </p:spPr>
+        <p:style>
+          <a:lnRef idx="1">
+            <a:schemeClr val="accent1"/>
+          </a:lnRef>
+          <a:fillRef idx="0">
+            <a:schemeClr val="accent1"/>
+          </a:fillRef>
+          <a:effectRef idx="0">
+            <a:schemeClr val="accent1"/>
+          </a:effectRef>
+          <a:fontRef idx="minor">
+            <a:schemeClr val="tx1"/>
+          </a:fontRef>
+        </p:style>
+      </p:cxnSp>
+    </p:spTree>
+    <p:extLst>
+      <p:ext uri="{BB962C8B-B14F-4D97-AF65-F5344CB8AC3E}">
+        <p14:creationId xmlns:p14="http://schemas.microsoft.com/office/powerpoint/2010/main" val="3993659974"/>
+      </p:ext>
+    </p:extLst>
+  </p:cSld>
+  <p:clrMapOvr>
+    <a:masterClrMapping/>
+  </p:clrMapOvr>
+  <p:transition>
+    <p:fade/>
+  </p:transition>
+</p:sld>
+</file>
+
+<file path=ppt/slides/slide13.xml><?xml version="1.0" encoding="utf-8"?>
+<p:sld xmlns:a="http://schemas.openxmlformats.org/drawingml/2006/main" xmlns:r="http://schemas.openxmlformats.org/officeDocument/2006/relationships" xmlns:p="http://schemas.openxmlformats.org/presentationml/2006/main">
+  <p:cSld>
+    <p:spTree>
+      <p:nvGrpSpPr>
+        <p:cNvPr id="1" name=""/>
+        <p:cNvGrpSpPr/>
+        <p:nvPr/>
+      </p:nvGrpSpPr>
+      <p:grpSpPr>
+        <a:xfrm>
+          <a:off x="0" y="0"/>
+          <a:ext cx="0" cy="0"/>
+          <a:chOff x="0" y="0"/>
+          <a:chExt cx="0" cy="0"/>
+        </a:xfrm>
+      </p:grpSpPr>
+      <p:sp>
+        <p:nvSpPr>
           <p:cNvPr id="2" name="Text Placeholder 1"/>
           <p:cNvSpPr>
             <a:spLocks noGrp="1"/>
@@ -13086,7 +13303,7 @@
             <a:fld id="{727B4C2D-45E2-4621-8491-2995EB46A674}" type="slidenum">
               <a:rPr lang="en-US" smtClean="0"/>
               <a:pPr/>
-              <a:t>12</a:t>
+              <a:t>13</a:t>
             </a:fld>
             <a:endParaRPr lang="en-US" dirty="0"/>
           </a:p>
@@ -13138,7 +13355,7 @@
 </p:sld>
 </file>
 
-<file path=ppt/slides/slide13.xml><?xml version="1.0" encoding="utf-8"?>
+<file path=ppt/slides/slide14.xml><?xml version="1.0" encoding="utf-8"?>
 <p:sld xmlns:a="http://schemas.openxmlformats.org/drawingml/2006/main" xmlns:r="http://schemas.openxmlformats.org/officeDocument/2006/relationships" xmlns:p="http://schemas.openxmlformats.org/presentationml/2006/main">
   <p:cSld>
     <p:spTree>
@@ -13267,7 +13484,7 @@
             <a:fld id="{727B4C2D-45E2-4621-8491-2995EB46A674}" type="slidenum">
               <a:rPr lang="en-US" smtClean="0"/>
               <a:pPr/>
-              <a:t>13</a:t>
+              <a:t>14</a:t>
             </a:fld>
             <a:endParaRPr lang="en-US" dirty="0"/>
           </a:p>
@@ -13286,95 +13503,6 @@
   <p:transition>
     <p:fade/>
   </p:transition>
-</p:sld>
-</file>
-
-<file path=ppt/slides/slide14.xml><?xml version="1.0" encoding="utf-8"?>
-<p:sld xmlns:a="http://schemas.openxmlformats.org/drawingml/2006/main" xmlns:r="http://schemas.openxmlformats.org/officeDocument/2006/relationships" xmlns:p="http://schemas.openxmlformats.org/presentationml/2006/main">
-  <p:cSld>
-    <p:spTree>
-      <p:nvGrpSpPr>
-        <p:cNvPr id="1" name=""/>
-        <p:cNvGrpSpPr/>
-        <p:nvPr/>
-      </p:nvGrpSpPr>
-      <p:grpSpPr>
-        <a:xfrm>
-          <a:off x="0" y="0"/>
-          <a:ext cx="0" cy="0"/>
-          <a:chOff x="0" y="0"/>
-          <a:chExt cx="0" cy="0"/>
-        </a:xfrm>
-      </p:grpSpPr>
-      <p:sp>
-        <p:nvSpPr>
-          <p:cNvPr id="4" name="Subtitle 3"/>
-          <p:cNvSpPr>
-            <a:spLocks noGrp="1"/>
-          </p:cNvSpPr>
-          <p:nvPr>
-            <p:ph type="subTitle" idx="1"/>
-          </p:nvPr>
-        </p:nvSpPr>
-        <p:spPr/>
-        <p:txBody>
-          <a:bodyPr/>
-          <a:lstStyle/>
-          <a:p>
-            <a:r>
-              <a:rPr lang="en-US" dirty="0" smtClean="0"/>
-              <a:t>Extending Search Center</a:t>
-            </a:r>
-            <a:endParaRPr lang="en-US" dirty="0"/>
-          </a:p>
-        </p:txBody>
-      </p:sp>
-      <p:sp>
-        <p:nvSpPr>
-          <p:cNvPr id="2" name="Text Placeholder 1"/>
-          <p:cNvSpPr>
-            <a:spLocks noGrp="1"/>
-          </p:cNvSpPr>
-          <p:nvPr>
-            <p:ph type="body" sz="quarter" idx="10"/>
-          </p:nvPr>
-        </p:nvSpPr>
-        <p:spPr/>
-        <p:txBody>
-          <a:bodyPr/>
-          <a:lstStyle/>
-          <a:p>
-            <a:pPr marL="0" indent="0">
-              <a:buNone/>
-            </a:pPr>
-            <a:r>
-              <a:rPr lang="en-US" dirty="0" smtClean="0"/>
-              <a:t>demo</a:t>
-            </a:r>
-            <a:endParaRPr lang="en-US" dirty="0"/>
-          </a:p>
-        </p:txBody>
-      </p:sp>
-    </p:spTree>
-    <p:extLst>
-      <p:ext uri="{BB962C8B-B14F-4D97-AF65-F5344CB8AC3E}">
-        <p14:creationId xmlns:p14="http://schemas.microsoft.com/office/powerpoint/2010/main" val="3974773602"/>
-      </p:ext>
-    </p:extLst>
-  </p:cSld>
-  <p:clrMapOvr>
-    <a:masterClrMapping/>
-  </p:clrMapOvr>
-  <p:transition>
-    <p:fade/>
-  </p:transition>
-  <p:timing>
-    <p:tnLst>
-      <p:par>
-        <p:cTn id="1" dur="indefinite" restart="never" nodeType="tmRoot"/>
-      </p:par>
-    </p:tnLst>
-  </p:timing>
 </p:sld>
 </file>
 
@@ -13412,7 +13540,7 @@
           <a:p>
             <a:r>
               <a:rPr lang="en-US" dirty="0" smtClean="0"/>
-              <a:t>Search-Based Apps</a:t>
+              <a:t>Extending Search Center</a:t>
             </a:r>
             <a:endParaRPr lang="en-US" dirty="0"/>
           </a:p>
@@ -13441,7 +13569,7 @@
     </p:spTree>
     <p:extLst>
       <p:ext uri="{BB962C8B-B14F-4D97-AF65-F5344CB8AC3E}">
-        <p14:creationId xmlns:p14="http://schemas.microsoft.com/office/powerpoint/2010/main" val="3604643155"/>
+        <p14:creationId xmlns:p14="http://schemas.microsoft.com/office/powerpoint/2010/main" val="1250364130"/>
       </p:ext>
     </p:extLst>
   </p:cSld>
@@ -13480,7 +13608,30 @@
       </p:grpSpPr>
       <p:sp>
         <p:nvSpPr>
-          <p:cNvPr id="2" name="Title 1"/>
+          <p:cNvPr id="2" name="Text Placeholder 1"/>
+          <p:cNvSpPr>
+            <a:spLocks noGrp="1"/>
+          </p:cNvSpPr>
+          <p:nvPr>
+            <p:ph type="body" sz="quarter" idx="10"/>
+          </p:nvPr>
+        </p:nvSpPr>
+        <p:spPr/>
+        <p:txBody>
+          <a:bodyPr/>
+          <a:lstStyle/>
+          <a:p>
+            <a:r>
+              <a:rPr lang="en-US" dirty="0" smtClean="0"/>
+              <a:t>Use building blocks to create custom solutions in Search Center</a:t>
+            </a:r>
+            <a:endParaRPr lang="en-US" dirty="0"/>
+          </a:p>
+        </p:txBody>
+      </p:sp>
+      <p:sp>
+        <p:nvSpPr>
+          <p:cNvPr id="3" name="Title 2"/>
           <p:cNvSpPr>
             <a:spLocks noGrp="1"/>
           </p:cNvSpPr>
@@ -13495,7 +13646,7 @@
           <a:p>
             <a:r>
               <a:rPr lang="en-US" dirty="0" smtClean="0"/>
-              <a:t>REST Endpoint</a:t>
+              <a:t>Custom Search Results</a:t>
             </a:r>
             <a:endParaRPr lang="en-US" dirty="0"/>
           </a:p>
@@ -13503,7 +13654,7 @@
       </p:sp>
       <p:sp>
         <p:nvSpPr>
-          <p:cNvPr id="3" name="Slide Number Placeholder 2"/>
+          <p:cNvPr id="4" name="Slide Number Placeholder 3"/>
           <p:cNvSpPr>
             <a:spLocks noGrp="1"/>
           </p:cNvSpPr>
@@ -13525,223 +13676,45 @@
           </a:p>
         </p:txBody>
       </p:sp>
-      <p:sp>
-        <p:nvSpPr>
-          <p:cNvPr id="4" name="TextBox 3"/>
-          <p:cNvSpPr txBox="1"/>
+      <p:pic>
+        <p:nvPicPr>
+          <p:cNvPr id="6" name="Picture 5"/>
+          <p:cNvPicPr>
+            <a:picLocks noChangeAspect="1"/>
+          </p:cNvPicPr>
           <p:nvPr/>
-        </p:nvSpPr>
+        </p:nvPicPr>
+        <p:blipFill>
+          <a:blip r:embed="rId2">
+            <a:extLst>
+              <a:ext uri="{28A0092B-C50C-407E-A947-70E740481C1C}">
+                <a14:useLocalDpi xmlns:a14="http://schemas.microsoft.com/office/drawing/2010/main" val="0"/>
+              </a:ext>
+            </a:extLst>
+          </a:blip>
+          <a:stretch>
+            <a:fillRect/>
+          </a:stretch>
+        </p:blipFill>
         <p:spPr>
           <a:xfrm>
-            <a:off x="128588" y="1362075"/>
-            <a:ext cx="12188825" cy="3218489"/>
+            <a:off x="3585013" y="2137480"/>
+            <a:ext cx="7019048" cy="3933333"/>
           </a:xfrm>
           <a:prstGeom prst="rect">
             <a:avLst/>
           </a:prstGeom>
-          <a:noFill/>
+          <a:ln>
+            <a:solidFill>
+              <a:schemeClr val="tx1"/>
+            </a:solidFill>
+          </a:ln>
         </p:spPr>
-        <p:txBody>
-          <a:bodyPr wrap="square" lIns="150602" tIns="120481" rIns="150602" bIns="120481" rtlCol="0">
-            <a:spAutoFit/>
-          </a:bodyPr>
-          <a:lstStyle/>
-          <a:p>
-            <a:pPr algn="l">
-              <a:spcAft>
-                <a:spcPts val="494"/>
-              </a:spcAft>
-            </a:pPr>
-            <a:r>
-              <a:rPr lang="en-US" dirty="0">
-                <a:solidFill>
-                  <a:sysClr val="windowText" lastClr="000000"/>
-                </a:solidFill>
-              </a:rPr>
-              <a:t>Keywords</a:t>
-            </a:r>
-          </a:p>
-          <a:p>
-            <a:pPr algn="l">
-              <a:spcAft>
-                <a:spcPts val="494"/>
-              </a:spcAft>
-            </a:pPr>
-            <a:r>
-              <a:rPr lang="en-US" b="1" dirty="0" smtClean="0">
-                <a:solidFill>
-                  <a:sysClr val="windowText" lastClr="000000"/>
-                </a:solidFill>
-                <a:latin typeface="Consolas" pitchFamily="49" charset="0"/>
-                <a:cs typeface="Consolas" pitchFamily="49" charset="0"/>
-              </a:rPr>
-              <a:t>https://tenant/site/_</a:t>
-            </a:r>
-            <a:r>
-              <a:rPr lang="en-US" b="1" dirty="0">
-                <a:solidFill>
-                  <a:sysClr val="windowText" lastClr="000000"/>
-                </a:solidFill>
-                <a:latin typeface="Consolas" pitchFamily="49" charset="0"/>
-                <a:cs typeface="Consolas" pitchFamily="49" charset="0"/>
-              </a:rPr>
-              <a:t>api/search/query?</a:t>
-            </a:r>
-            <a:r>
-              <a:rPr lang="en-US" dirty="0">
-                <a:solidFill>
-                  <a:srgbClr val="C00000"/>
-                </a:solidFill>
-                <a:latin typeface="Consolas" pitchFamily="49" charset="0"/>
-                <a:cs typeface="Consolas" pitchFamily="49" charset="0"/>
-              </a:rPr>
-              <a:t>querytext='{KQL Query}'</a:t>
-            </a:r>
-          </a:p>
-          <a:p>
-            <a:pPr algn="l">
-              <a:spcAft>
-                <a:spcPts val="494"/>
-              </a:spcAft>
-            </a:pPr>
-            <a:endParaRPr lang="en-US" dirty="0">
-              <a:solidFill>
-                <a:sysClr val="windowText" lastClr="000000"/>
-              </a:solidFill>
-            </a:endParaRPr>
-          </a:p>
-          <a:p>
-            <a:pPr algn="l">
-              <a:spcAft>
-                <a:spcPts val="494"/>
-              </a:spcAft>
-            </a:pPr>
-            <a:r>
-              <a:rPr lang="en-US" dirty="0">
-                <a:solidFill>
-                  <a:sysClr val="windowText" lastClr="000000"/>
-                </a:solidFill>
-              </a:rPr>
-              <a:t>Selecting Properties</a:t>
-            </a:r>
-          </a:p>
-          <a:p>
-            <a:pPr algn="l">
-              <a:spcAft>
-                <a:spcPts val="494"/>
-              </a:spcAft>
-            </a:pPr>
-            <a:r>
-              <a:rPr lang="en-US" b="1" dirty="0" smtClean="0">
-                <a:solidFill>
-                  <a:sysClr val="windowText" lastClr="000000"/>
-                </a:solidFill>
-                <a:latin typeface="Consolas" pitchFamily="49" charset="0"/>
-                <a:cs typeface="Consolas" pitchFamily="49" charset="0"/>
-              </a:rPr>
-              <a:t>https://tenant/site</a:t>
-            </a:r>
-            <a:r>
-              <a:rPr lang="en-US" b="1" dirty="0">
-                <a:solidFill>
-                  <a:sysClr val="windowText" lastClr="000000"/>
-                </a:solidFill>
-                <a:latin typeface="Consolas" pitchFamily="49" charset="0"/>
-                <a:cs typeface="Consolas" pitchFamily="49" charset="0"/>
-              </a:rPr>
-              <a:t>/_api/search/query?</a:t>
-            </a:r>
-            <a:r>
-              <a:rPr lang="en-US" dirty="0">
-                <a:solidFill>
-                  <a:srgbClr val="C00000"/>
-                </a:solidFill>
-              </a:rPr>
-              <a:t>querytext='test'&amp;selectproperties='Title,Rank'</a:t>
-            </a:r>
-          </a:p>
-          <a:p>
-            <a:pPr algn="l">
-              <a:spcAft>
-                <a:spcPts val="494"/>
-              </a:spcAft>
-            </a:pPr>
-            <a:endParaRPr lang="en-US" dirty="0">
-              <a:solidFill>
-                <a:sysClr val="windowText" lastClr="000000"/>
-              </a:solidFill>
-            </a:endParaRPr>
-          </a:p>
-          <a:p>
-            <a:pPr algn="l">
-              <a:spcAft>
-                <a:spcPts val="494"/>
-              </a:spcAft>
-            </a:pPr>
-            <a:r>
-              <a:rPr lang="en-US" dirty="0">
-                <a:solidFill>
-                  <a:sysClr val="windowText" lastClr="000000"/>
-                </a:solidFill>
-              </a:rPr>
-              <a:t>Sorting</a:t>
-            </a:r>
-          </a:p>
-          <a:p>
-            <a:pPr algn="l">
-              <a:spcAft>
-                <a:spcPts val="494"/>
-              </a:spcAft>
-            </a:pPr>
-            <a:r>
-              <a:rPr lang="en-US" b="1" dirty="0" smtClean="0">
-                <a:solidFill>
-                  <a:sysClr val="windowText" lastClr="000000"/>
-                </a:solidFill>
-                <a:latin typeface="Consolas" pitchFamily="49" charset="0"/>
-                <a:cs typeface="Consolas" pitchFamily="49" charset="0"/>
-              </a:rPr>
-              <a:t>https://tenant/site</a:t>
-            </a:r>
-            <a:r>
-              <a:rPr lang="en-US" b="1" dirty="0">
-                <a:solidFill>
-                  <a:sysClr val="windowText" lastClr="000000"/>
-                </a:solidFill>
-                <a:latin typeface="Consolas" pitchFamily="49" charset="0"/>
-                <a:cs typeface="Consolas" pitchFamily="49" charset="0"/>
-              </a:rPr>
-              <a:t>/_api/search/query?</a:t>
-            </a:r>
-            <a:r>
-              <a:rPr lang="en-US" dirty="0">
-                <a:solidFill>
-                  <a:srgbClr val="C00000"/>
-                </a:solidFill>
-                <a:latin typeface="Consolas" pitchFamily="49" charset="0"/>
-                <a:cs typeface="Consolas" pitchFamily="49" charset="0"/>
-              </a:rPr>
-              <a:t>querytext='test'&amp;sortlist='LastModifiedTime:descending'</a:t>
-            </a:r>
-          </a:p>
-          <a:p>
-            <a:pPr algn="l">
-              <a:spcAft>
-                <a:spcPts val="494"/>
-              </a:spcAft>
-            </a:pPr>
-            <a:endParaRPr lang="en-US" sz="1600" dirty="0" err="1">
-              <a:solidFill>
-                <a:sysClr val="windowText" lastClr="000000"/>
-              </a:solidFill>
-            </a:endParaRPr>
-          </a:p>
-        </p:txBody>
-      </p:sp>
+      </p:pic>
     </p:spTree>
     <p:extLst>
       <p:ext uri="{BB962C8B-B14F-4D97-AF65-F5344CB8AC3E}">
-        <p14:creationId xmlns:p14="http://schemas.microsoft.com/office/powerpoint/2010/main" val="334862377"/>
+        <p14:creationId xmlns:p14="http://schemas.microsoft.com/office/powerpoint/2010/main" val="2010924517"/>
       </p:ext>
     </p:extLst>
   </p:cSld>
@@ -13773,12 +13746,12 @@
       </p:grpSpPr>
       <p:sp>
         <p:nvSpPr>
-          <p:cNvPr id="2" name="Title 1"/>
+          <p:cNvPr id="4" name="Subtitle 3"/>
           <p:cNvSpPr>
             <a:spLocks noGrp="1"/>
           </p:cNvSpPr>
           <p:nvPr>
-            <p:ph type="title"/>
+            <p:ph type="subTitle" idx="1"/>
           </p:nvPr>
         </p:nvSpPr>
         <p:spPr/>
@@ -13788,7 +13761,7 @@
           <a:p>
             <a:r>
               <a:rPr lang="en-US" dirty="0" smtClean="0"/>
-              <a:t>JavaScript and REST</a:t>
+              <a:t>Extending Search Center</a:t>
             </a:r>
             <a:endParaRPr lang="en-US" dirty="0"/>
           </a:p>
@@ -13796,12 +13769,12 @@
       </p:sp>
       <p:sp>
         <p:nvSpPr>
-          <p:cNvPr id="3" name="Slide Number Placeholder 2"/>
+          <p:cNvPr id="2" name="Text Placeholder 1"/>
           <p:cNvSpPr>
             <a:spLocks noGrp="1"/>
           </p:cNvSpPr>
           <p:nvPr>
-            <p:ph type="sldNum" sz="quarter" idx="12"/>
+            <p:ph type="body" sz="quarter" idx="10"/>
           </p:nvPr>
         </p:nvSpPr>
         <p:spPr/>
@@ -13809,542 +13782,21 @@
           <a:bodyPr/>
           <a:lstStyle/>
           <a:p>
-            <a:fld id="{727B4C2D-45E2-4621-8491-2995EB46A674}" type="slidenum">
-              <a:rPr lang="en-US" smtClean="0"/>
-              <a:pPr/>
-              <a:t>17</a:t>
-            </a:fld>
+            <a:pPr marL="0" indent="0">
+              <a:buNone/>
+            </a:pPr>
+            <a:r>
+              <a:rPr lang="en-US" dirty="0" smtClean="0"/>
+              <a:t>demo</a:t>
+            </a:r>
             <a:endParaRPr lang="en-US" dirty="0"/>
-          </a:p>
-        </p:txBody>
-      </p:sp>
-      <p:sp>
-        <p:nvSpPr>
-          <p:cNvPr id="5" name="TextBox 4"/>
-          <p:cNvSpPr txBox="1"/>
-          <p:nvPr/>
-        </p:nvSpPr>
-        <p:spPr>
-          <a:xfrm>
-            <a:off x="801043" y="1428750"/>
-            <a:ext cx="7775743" cy="3940225"/>
-          </a:xfrm>
-          <a:prstGeom prst="rect">
-            <a:avLst/>
-          </a:prstGeom>
-          <a:noFill/>
-        </p:spPr>
-        <p:txBody>
-          <a:bodyPr wrap="none" lIns="150602" tIns="120481" rIns="150602" bIns="120481" rtlCol="0">
-            <a:spAutoFit/>
-          </a:bodyPr>
-          <a:lstStyle/>
-          <a:p>
-            <a:pPr defTabSz="914400" fontAlgn="base">
-              <a:lnSpc>
-                <a:spcPct val="90000"/>
-              </a:lnSpc>
-              <a:spcBef>
-                <a:spcPct val="0"/>
-              </a:spcBef>
-              <a:spcAft>
-                <a:spcPts val="494"/>
-              </a:spcAft>
-            </a:pPr>
-            <a:r>
-              <a:rPr lang="en-US" dirty="0">
-                <a:solidFill>
-                  <a:sysClr val="windowText" lastClr="000000"/>
-                </a:solidFill>
-                <a:latin typeface="Consolas" pitchFamily="49" charset="0"/>
-                <a:cs typeface="Consolas" pitchFamily="49" charset="0"/>
-              </a:rPr>
-              <a:t>$.</a:t>
-            </a:r>
-            <a:r>
-              <a:rPr lang="en-US" dirty="0" err="1">
-                <a:solidFill>
-                  <a:sysClr val="windowText" lastClr="000000"/>
-                </a:solidFill>
-                <a:latin typeface="Consolas" pitchFamily="49" charset="0"/>
-                <a:cs typeface="Consolas" pitchFamily="49" charset="0"/>
-              </a:rPr>
-              <a:t>ajax</a:t>
-            </a:r>
-            <a:r>
-              <a:rPr lang="en-US" dirty="0">
-                <a:solidFill>
-                  <a:sysClr val="windowText" lastClr="000000"/>
-                </a:solidFill>
-                <a:latin typeface="Consolas" pitchFamily="49" charset="0"/>
-                <a:cs typeface="Consolas" pitchFamily="49" charset="0"/>
-              </a:rPr>
-              <a:t>(</a:t>
-            </a:r>
-          </a:p>
-          <a:p>
-            <a:pPr defTabSz="914400" fontAlgn="base">
-              <a:lnSpc>
-                <a:spcPct val="90000"/>
-              </a:lnSpc>
-              <a:spcBef>
-                <a:spcPct val="0"/>
-              </a:spcBef>
-              <a:spcAft>
-                <a:spcPts val="494"/>
-              </a:spcAft>
-            </a:pPr>
-            <a:r>
-              <a:rPr lang="en-US" dirty="0">
-                <a:solidFill>
-                  <a:sysClr val="windowText" lastClr="000000"/>
-                </a:solidFill>
-                <a:latin typeface="Consolas" pitchFamily="49" charset="0"/>
-                <a:cs typeface="Consolas" pitchFamily="49" charset="0"/>
-              </a:rPr>
-              <a:t>        {</a:t>
-            </a:r>
-          </a:p>
-          <a:p>
-            <a:pPr defTabSz="914400" fontAlgn="base">
-              <a:lnSpc>
-                <a:spcPct val="90000"/>
-              </a:lnSpc>
-              <a:spcBef>
-                <a:spcPct val="0"/>
-              </a:spcBef>
-              <a:spcAft>
-                <a:spcPts val="494"/>
-              </a:spcAft>
-            </a:pPr>
-            <a:r>
-              <a:rPr lang="en-US" dirty="0">
-                <a:solidFill>
-                  <a:sysClr val="windowText" lastClr="000000"/>
-                </a:solidFill>
-                <a:latin typeface="Consolas" pitchFamily="49" charset="0"/>
-                <a:cs typeface="Consolas" pitchFamily="49" charset="0"/>
-              </a:rPr>
-              <a:t>            url: </a:t>
-            </a:r>
-            <a:r>
-              <a:rPr lang="en-US" dirty="0" smtClean="0">
-                <a:solidFill>
-                  <a:srgbClr val="C00000"/>
-                </a:solidFill>
-                <a:latin typeface="Consolas" pitchFamily="49" charset="0"/>
-                <a:cs typeface="Consolas" pitchFamily="49" charset="0"/>
-              </a:rPr>
-              <a:t>"</a:t>
-            </a:r>
-            <a:r>
-              <a:rPr lang="pt-BR" dirty="0" smtClean="0">
-                <a:solidFill>
-                  <a:srgbClr val="C00000"/>
-                </a:solidFill>
-                <a:latin typeface="Consolas" pitchFamily="49" charset="0"/>
-                <a:cs typeface="Consolas" pitchFamily="49" charset="0"/>
-              </a:rPr>
-              <a:t>http://site</a:t>
-            </a:r>
-            <a:r>
-              <a:rPr lang="pt-BR" dirty="0">
-                <a:solidFill>
-                  <a:srgbClr val="C00000"/>
-                </a:solidFill>
-                <a:latin typeface="Consolas" pitchFamily="49" charset="0"/>
-                <a:cs typeface="Consolas" pitchFamily="49" charset="0"/>
-              </a:rPr>
-              <a:t>/_api/search</a:t>
-            </a:r>
-            <a:r>
-              <a:rPr lang="pt-BR" dirty="0" smtClean="0">
-                <a:solidFill>
-                  <a:srgbClr val="C00000"/>
-                </a:solidFill>
-                <a:latin typeface="Consolas" pitchFamily="49" charset="0"/>
-                <a:cs typeface="Consolas" pitchFamily="49" charset="0"/>
-              </a:rPr>
-              <a:t>/" +</a:t>
-            </a:r>
-          </a:p>
-          <a:p>
-            <a:pPr defTabSz="914400" fontAlgn="base">
-              <a:lnSpc>
-                <a:spcPct val="90000"/>
-              </a:lnSpc>
-              <a:spcBef>
-                <a:spcPct val="0"/>
-              </a:spcBef>
-              <a:spcAft>
-                <a:spcPts val="494"/>
-              </a:spcAft>
-            </a:pPr>
-            <a:r>
-              <a:rPr lang="pt-BR" dirty="0">
-                <a:solidFill>
-                  <a:srgbClr val="C00000"/>
-                </a:solidFill>
-                <a:latin typeface="Consolas" pitchFamily="49" charset="0"/>
-                <a:cs typeface="Consolas" pitchFamily="49" charset="0"/>
-              </a:rPr>
-              <a:t> </a:t>
-            </a:r>
-            <a:r>
-              <a:rPr lang="pt-BR" dirty="0" smtClean="0">
-                <a:solidFill>
-                  <a:srgbClr val="C00000"/>
-                </a:solidFill>
-                <a:latin typeface="Consolas" pitchFamily="49" charset="0"/>
-                <a:cs typeface="Consolas" pitchFamily="49" charset="0"/>
-              </a:rPr>
-              <a:t>                "query?querytext</a:t>
-            </a:r>
-            <a:r>
-              <a:rPr lang="pt-BR" dirty="0">
-                <a:solidFill>
-                  <a:srgbClr val="C00000"/>
-                </a:solidFill>
-                <a:latin typeface="Consolas" pitchFamily="49" charset="0"/>
-                <a:cs typeface="Consolas" pitchFamily="49" charset="0"/>
-              </a:rPr>
-              <a:t>='{KQL Query</a:t>
-            </a:r>
-            <a:r>
-              <a:rPr lang="pt-BR" dirty="0" smtClean="0">
-                <a:solidFill>
-                  <a:srgbClr val="C00000"/>
-                </a:solidFill>
-                <a:latin typeface="Consolas" pitchFamily="49" charset="0"/>
-                <a:cs typeface="Consolas" pitchFamily="49" charset="0"/>
-              </a:rPr>
-              <a:t>}‘"</a:t>
-            </a:r>
-            <a:r>
-              <a:rPr lang="en-US" dirty="0" smtClean="0">
-                <a:solidFill>
-                  <a:sysClr val="windowText" lastClr="000000"/>
-                </a:solidFill>
-                <a:latin typeface="Consolas" pitchFamily="49" charset="0"/>
-                <a:cs typeface="Consolas" pitchFamily="49" charset="0"/>
-              </a:rPr>
-              <a:t>,</a:t>
-            </a:r>
-            <a:endParaRPr lang="en-US" dirty="0">
-              <a:solidFill>
-                <a:sysClr val="windowText" lastClr="000000"/>
-              </a:solidFill>
-              <a:latin typeface="Consolas" pitchFamily="49" charset="0"/>
-              <a:cs typeface="Consolas" pitchFamily="49" charset="0"/>
-            </a:endParaRPr>
-          </a:p>
-          <a:p>
-            <a:pPr defTabSz="914400" fontAlgn="base">
-              <a:lnSpc>
-                <a:spcPct val="90000"/>
-              </a:lnSpc>
-              <a:spcBef>
-                <a:spcPct val="0"/>
-              </a:spcBef>
-              <a:spcAft>
-                <a:spcPts val="494"/>
-              </a:spcAft>
-            </a:pPr>
-            <a:r>
-              <a:rPr lang="en-US" dirty="0">
-                <a:solidFill>
-                  <a:sysClr val="windowText" lastClr="000000"/>
-                </a:solidFill>
-                <a:latin typeface="Consolas" pitchFamily="49" charset="0"/>
-                <a:cs typeface="Consolas" pitchFamily="49" charset="0"/>
-              </a:rPr>
-              <a:t>            method: </a:t>
-            </a:r>
-            <a:r>
-              <a:rPr lang="en-US" dirty="0">
-                <a:solidFill>
-                  <a:srgbClr val="C00000"/>
-                </a:solidFill>
-                <a:latin typeface="Consolas" pitchFamily="49" charset="0"/>
-                <a:cs typeface="Consolas" pitchFamily="49" charset="0"/>
-              </a:rPr>
-              <a:t>"GET"</a:t>
-            </a:r>
-            <a:r>
-              <a:rPr lang="en-US" dirty="0">
-                <a:solidFill>
-                  <a:sysClr val="windowText" lastClr="000000"/>
-                </a:solidFill>
-                <a:latin typeface="Consolas" pitchFamily="49" charset="0"/>
-                <a:cs typeface="Consolas" pitchFamily="49" charset="0"/>
-              </a:rPr>
-              <a:t>,</a:t>
-            </a:r>
-          </a:p>
-          <a:p>
-            <a:pPr defTabSz="914400" fontAlgn="base">
-              <a:lnSpc>
-                <a:spcPct val="90000"/>
-              </a:lnSpc>
-              <a:spcBef>
-                <a:spcPct val="0"/>
-              </a:spcBef>
-              <a:spcAft>
-                <a:spcPts val="494"/>
-              </a:spcAft>
-            </a:pPr>
-            <a:r>
-              <a:rPr lang="en-US" dirty="0">
-                <a:solidFill>
-                  <a:sysClr val="windowText" lastClr="000000"/>
-                </a:solidFill>
-                <a:latin typeface="Consolas" pitchFamily="49" charset="0"/>
-                <a:cs typeface="Consolas" pitchFamily="49" charset="0"/>
-              </a:rPr>
-              <a:t>            headers: {</a:t>
-            </a:r>
-          </a:p>
-          <a:p>
-            <a:pPr defTabSz="914400" fontAlgn="base">
-              <a:lnSpc>
-                <a:spcPct val="90000"/>
-              </a:lnSpc>
-              <a:spcBef>
-                <a:spcPct val="0"/>
-              </a:spcBef>
-              <a:spcAft>
-                <a:spcPts val="494"/>
-              </a:spcAft>
-            </a:pPr>
-            <a:r>
-              <a:rPr lang="en-US" dirty="0">
-                <a:solidFill>
-                  <a:sysClr val="windowText" lastClr="000000"/>
-                </a:solidFill>
-                <a:latin typeface="Consolas" pitchFamily="49" charset="0"/>
-                <a:cs typeface="Consolas" pitchFamily="49" charset="0"/>
-              </a:rPr>
-              <a:t>                </a:t>
-            </a:r>
-            <a:r>
-              <a:rPr lang="en-US" dirty="0">
-                <a:solidFill>
-                  <a:srgbClr val="C00000"/>
-                </a:solidFill>
-                <a:latin typeface="Consolas" pitchFamily="49" charset="0"/>
-                <a:cs typeface="Consolas" pitchFamily="49" charset="0"/>
-              </a:rPr>
-              <a:t>"accept"</a:t>
-            </a:r>
-            <a:r>
-              <a:rPr lang="en-US" dirty="0">
-                <a:solidFill>
-                  <a:sysClr val="windowText" lastClr="000000"/>
-                </a:solidFill>
-                <a:latin typeface="Consolas" pitchFamily="49" charset="0"/>
-                <a:cs typeface="Consolas" pitchFamily="49" charset="0"/>
-              </a:rPr>
-              <a:t>: </a:t>
-            </a:r>
-            <a:r>
-              <a:rPr lang="en-US" dirty="0">
-                <a:solidFill>
-                  <a:srgbClr val="C00000"/>
-                </a:solidFill>
-                <a:latin typeface="Consolas" pitchFamily="49" charset="0"/>
-                <a:cs typeface="Consolas" pitchFamily="49" charset="0"/>
-              </a:rPr>
-              <a:t>"application/</a:t>
-            </a:r>
-            <a:r>
-              <a:rPr lang="en-US" dirty="0" err="1">
-                <a:solidFill>
-                  <a:srgbClr val="C00000"/>
-                </a:solidFill>
-                <a:latin typeface="Consolas" pitchFamily="49" charset="0"/>
-                <a:cs typeface="Consolas" pitchFamily="49" charset="0"/>
-              </a:rPr>
-              <a:t>json;odata</a:t>
-            </a:r>
-            <a:r>
-              <a:rPr lang="en-US" dirty="0">
-                <a:solidFill>
-                  <a:srgbClr val="C00000"/>
-                </a:solidFill>
-                <a:latin typeface="Consolas" pitchFamily="49" charset="0"/>
-                <a:cs typeface="Consolas" pitchFamily="49" charset="0"/>
-              </a:rPr>
-              <a:t>=verbose"</a:t>
-            </a:r>
-            <a:r>
-              <a:rPr lang="en-US" dirty="0">
-                <a:solidFill>
-                  <a:sysClr val="windowText" lastClr="000000"/>
-                </a:solidFill>
-                <a:latin typeface="Consolas" pitchFamily="49" charset="0"/>
-                <a:cs typeface="Consolas" pitchFamily="49" charset="0"/>
-              </a:rPr>
-              <a:t>,</a:t>
-            </a:r>
-          </a:p>
-          <a:p>
-            <a:pPr defTabSz="914400" fontAlgn="base">
-              <a:lnSpc>
-                <a:spcPct val="90000"/>
-              </a:lnSpc>
-              <a:spcBef>
-                <a:spcPct val="0"/>
-              </a:spcBef>
-              <a:spcAft>
-                <a:spcPts val="494"/>
-              </a:spcAft>
-            </a:pPr>
-            <a:r>
-              <a:rPr lang="en-US" dirty="0">
-                <a:solidFill>
-                  <a:sysClr val="windowText" lastClr="000000"/>
-                </a:solidFill>
-                <a:latin typeface="Consolas" pitchFamily="49" charset="0"/>
-                <a:cs typeface="Consolas" pitchFamily="49" charset="0"/>
-              </a:rPr>
-              <a:t>            },</a:t>
-            </a:r>
-          </a:p>
-          <a:p>
-            <a:pPr defTabSz="914400" fontAlgn="base">
-              <a:lnSpc>
-                <a:spcPct val="90000"/>
-              </a:lnSpc>
-              <a:spcBef>
-                <a:spcPct val="0"/>
-              </a:spcBef>
-              <a:spcAft>
-                <a:spcPts val="494"/>
-              </a:spcAft>
-            </a:pPr>
-            <a:r>
-              <a:rPr lang="en-US" dirty="0">
-                <a:solidFill>
-                  <a:sysClr val="windowText" lastClr="000000"/>
-                </a:solidFill>
-                <a:latin typeface="Consolas" pitchFamily="49" charset="0"/>
-                <a:cs typeface="Consolas" pitchFamily="49" charset="0"/>
-              </a:rPr>
-              <a:t>            success: </a:t>
-            </a:r>
-            <a:r>
-              <a:rPr lang="en-US" dirty="0" err="1" smtClean="0">
-                <a:solidFill>
-                  <a:sysClr val="windowText" lastClr="000000"/>
-                </a:solidFill>
-                <a:latin typeface="Consolas" pitchFamily="49" charset="0"/>
-                <a:cs typeface="Consolas" pitchFamily="49" charset="0"/>
-              </a:rPr>
-              <a:t>onSuccess</a:t>
-            </a:r>
-            <a:r>
-              <a:rPr lang="en-US" dirty="0">
-                <a:solidFill>
-                  <a:sysClr val="windowText" lastClr="000000"/>
-                </a:solidFill>
-                <a:latin typeface="Consolas" pitchFamily="49" charset="0"/>
-                <a:cs typeface="Consolas" pitchFamily="49" charset="0"/>
-              </a:rPr>
-              <a:t>,</a:t>
-            </a:r>
-          </a:p>
-          <a:p>
-            <a:pPr defTabSz="914400" fontAlgn="base">
-              <a:lnSpc>
-                <a:spcPct val="90000"/>
-              </a:lnSpc>
-              <a:spcBef>
-                <a:spcPct val="0"/>
-              </a:spcBef>
-              <a:spcAft>
-                <a:spcPts val="494"/>
-              </a:spcAft>
-            </a:pPr>
-            <a:r>
-              <a:rPr lang="en-US" dirty="0">
-                <a:solidFill>
-                  <a:sysClr val="windowText" lastClr="000000"/>
-                </a:solidFill>
-                <a:latin typeface="Consolas" pitchFamily="49" charset="0"/>
-                <a:cs typeface="Consolas" pitchFamily="49" charset="0"/>
-              </a:rPr>
-              <a:t>            error: </a:t>
-            </a:r>
-            <a:r>
-              <a:rPr lang="en-US" dirty="0" err="1" smtClean="0">
-                <a:solidFill>
-                  <a:sysClr val="windowText" lastClr="000000"/>
-                </a:solidFill>
-                <a:latin typeface="Consolas" pitchFamily="49" charset="0"/>
-                <a:cs typeface="Consolas" pitchFamily="49" charset="0"/>
-              </a:rPr>
-              <a:t>onError</a:t>
-            </a:r>
-            <a:endParaRPr lang="en-US" dirty="0">
-              <a:solidFill>
-                <a:sysClr val="windowText" lastClr="000000"/>
-              </a:solidFill>
-              <a:latin typeface="Consolas" pitchFamily="49" charset="0"/>
-              <a:cs typeface="Consolas" pitchFamily="49" charset="0"/>
-            </a:endParaRPr>
-          </a:p>
-          <a:p>
-            <a:pPr defTabSz="914400" fontAlgn="base">
-              <a:lnSpc>
-                <a:spcPct val="90000"/>
-              </a:lnSpc>
-              <a:spcBef>
-                <a:spcPct val="0"/>
-              </a:spcBef>
-              <a:spcAft>
-                <a:spcPts val="494"/>
-              </a:spcAft>
-            </a:pPr>
-            <a:r>
-              <a:rPr lang="en-US" dirty="0">
-                <a:solidFill>
-                  <a:sysClr val="windowText" lastClr="000000"/>
-                </a:solidFill>
-                <a:latin typeface="Consolas" pitchFamily="49" charset="0"/>
-                <a:cs typeface="Consolas" pitchFamily="49" charset="0"/>
-              </a:rPr>
-              <a:t>        }</a:t>
-            </a:r>
-          </a:p>
-          <a:p>
-            <a:pPr defTabSz="914400" fontAlgn="base">
-              <a:lnSpc>
-                <a:spcPct val="90000"/>
-              </a:lnSpc>
-              <a:spcBef>
-                <a:spcPct val="0"/>
-              </a:spcBef>
-              <a:spcAft>
-                <a:spcPts val="494"/>
-              </a:spcAft>
-            </a:pPr>
-            <a:r>
-              <a:rPr lang="en-US" dirty="0">
-                <a:solidFill>
-                  <a:sysClr val="windowText" lastClr="000000"/>
-                </a:solidFill>
-                <a:latin typeface="Consolas" pitchFamily="49" charset="0"/>
-                <a:cs typeface="Consolas" pitchFamily="49" charset="0"/>
-              </a:rPr>
-              <a:t>    );</a:t>
-            </a:r>
           </a:p>
         </p:txBody>
       </p:sp>
     </p:spTree>
     <p:extLst>
       <p:ext uri="{BB962C8B-B14F-4D97-AF65-F5344CB8AC3E}">
-        <p14:creationId xmlns:p14="http://schemas.microsoft.com/office/powerpoint/2010/main" val="3412766302"/>
+        <p14:creationId xmlns:p14="http://schemas.microsoft.com/office/powerpoint/2010/main" val="3974773602"/>
       </p:ext>
     </p:extLst>
   </p:cSld>
@@ -14354,6 +13806,13 @@
   <p:transition>
     <p:fade/>
   </p:transition>
+  <p:timing>
+    <p:tnLst>
+      <p:par>
+        <p:cTn id="1" dur="indefinite" restart="never" nodeType="tmRoot"/>
+      </p:par>
+    </p:tnLst>
+  </p:timing>
 </p:sld>
 </file>
 
@@ -14376,12 +13835,12 @@
       </p:grpSpPr>
       <p:sp>
         <p:nvSpPr>
-          <p:cNvPr id="2" name="Title 1"/>
+          <p:cNvPr id="4" name="Title 3"/>
           <p:cNvSpPr>
             <a:spLocks noGrp="1"/>
           </p:cNvSpPr>
           <p:nvPr>
-            <p:ph type="title"/>
+            <p:ph type="ctrTitle"/>
           </p:nvPr>
         </p:nvSpPr>
         <p:spPr/>
@@ -14391,7 +13850,7 @@
           <a:p>
             <a:r>
               <a:rPr lang="en-US" dirty="0" smtClean="0"/>
-              <a:t>JavaScript and CSOM</a:t>
+              <a:t>Search-Based Apps</a:t>
             </a:r>
             <a:endParaRPr lang="en-US" dirty="0"/>
           </a:p>
@@ -14399,12 +13858,12 @@
       </p:sp>
       <p:sp>
         <p:nvSpPr>
-          <p:cNvPr id="3" name="Slide Number Placeholder 2"/>
+          <p:cNvPr id="9" name="Subtitle 4"/>
           <p:cNvSpPr>
             <a:spLocks noGrp="1"/>
           </p:cNvSpPr>
           <p:nvPr>
-            <p:ph type="sldNum" sz="quarter" idx="12"/>
+            <p:ph type="subTitle" idx="1"/>
           </p:nvPr>
         </p:nvSpPr>
         <p:spPr/>
@@ -14412,596 +13871,15 @@
           <a:bodyPr/>
           <a:lstStyle/>
           <a:p>
-            <a:fld id="{727B4C2D-45E2-4621-8491-2995EB46A674}" type="slidenum">
-              <a:rPr lang="en-US" smtClean="0"/>
-              <a:pPr/>
-              <a:t>18</a:t>
-            </a:fld>
+            <a:pPr lvl="0"/>
             <a:endParaRPr lang="en-US" dirty="0"/>
-          </a:p>
-        </p:txBody>
-      </p:sp>
-      <p:sp>
-        <p:nvSpPr>
-          <p:cNvPr id="5" name="TextBox 4"/>
-          <p:cNvSpPr txBox="1"/>
-          <p:nvPr/>
-        </p:nvSpPr>
-        <p:spPr>
-          <a:xfrm>
-            <a:off x="652463" y="1304500"/>
-            <a:ext cx="11015662" cy="4253644"/>
-          </a:xfrm>
-          <a:prstGeom prst="rect">
-            <a:avLst/>
-          </a:prstGeom>
-          <a:noFill/>
-        </p:spPr>
-        <p:txBody>
-          <a:bodyPr wrap="square" lIns="150602" tIns="120481" rIns="150602" bIns="120481" rtlCol="0">
-            <a:spAutoFit/>
-          </a:bodyPr>
-          <a:lstStyle/>
-          <a:p>
-            <a:pPr defTabSz="914400" fontAlgn="base">
-              <a:lnSpc>
-                <a:spcPct val="90000"/>
-              </a:lnSpc>
-              <a:spcBef>
-                <a:spcPct val="0"/>
-              </a:spcBef>
-              <a:spcAft>
-                <a:spcPts val="494"/>
-              </a:spcAft>
-            </a:pPr>
-            <a:r>
-              <a:rPr lang="en-US" dirty="0" err="1">
-                <a:solidFill>
-                  <a:srgbClr val="1F497D"/>
-                </a:solidFill>
-                <a:latin typeface="Consolas" pitchFamily="49" charset="0"/>
-                <a:cs typeface="Consolas" pitchFamily="49" charset="0"/>
-              </a:rPr>
-              <a:t>var</a:t>
-            </a:r>
-            <a:r>
-              <a:rPr lang="en-US" dirty="0">
-                <a:solidFill>
-                  <a:sysClr val="windowText" lastClr="000000"/>
-                </a:solidFill>
-                <a:latin typeface="Consolas" pitchFamily="49" charset="0"/>
-                <a:cs typeface="Consolas" pitchFamily="49" charset="0"/>
-              </a:rPr>
-              <a:t> context = </a:t>
-            </a:r>
-            <a:r>
-              <a:rPr lang="en-US" dirty="0" err="1">
-                <a:solidFill>
-                  <a:srgbClr val="1F497D"/>
-                </a:solidFill>
-                <a:latin typeface="Consolas" pitchFamily="49" charset="0"/>
-                <a:cs typeface="Consolas" pitchFamily="49" charset="0"/>
-              </a:rPr>
-              <a:t>SP.ClientContext</a:t>
-            </a:r>
-            <a:r>
-              <a:rPr lang="en-US" dirty="0" err="1">
-                <a:solidFill>
-                  <a:sysClr val="windowText" lastClr="000000"/>
-                </a:solidFill>
-                <a:latin typeface="Consolas" pitchFamily="49" charset="0"/>
-                <a:cs typeface="Consolas" pitchFamily="49" charset="0"/>
-              </a:rPr>
-              <a:t>.get_current</a:t>
-            </a:r>
-            <a:r>
-              <a:rPr lang="en-US" dirty="0">
-                <a:solidFill>
-                  <a:sysClr val="windowText" lastClr="000000"/>
-                </a:solidFill>
-                <a:latin typeface="Consolas" pitchFamily="49" charset="0"/>
-                <a:cs typeface="Consolas" pitchFamily="49" charset="0"/>
-              </a:rPr>
-              <a:t>();</a:t>
-            </a:r>
-          </a:p>
-          <a:p>
-            <a:pPr defTabSz="914400" fontAlgn="base">
-              <a:lnSpc>
-                <a:spcPct val="90000"/>
-              </a:lnSpc>
-              <a:spcBef>
-                <a:spcPct val="0"/>
-              </a:spcBef>
-              <a:spcAft>
-                <a:spcPts val="494"/>
-              </a:spcAft>
-            </a:pPr>
-            <a:endParaRPr lang="en-US" dirty="0">
-              <a:solidFill>
-                <a:sysClr val="windowText" lastClr="000000"/>
-              </a:solidFill>
-              <a:latin typeface="Consolas" pitchFamily="49" charset="0"/>
-              <a:cs typeface="Consolas" pitchFamily="49" charset="0"/>
-            </a:endParaRPr>
-          </a:p>
-          <a:p>
-            <a:pPr defTabSz="914400" fontAlgn="base">
-              <a:lnSpc>
-                <a:spcPct val="90000"/>
-              </a:lnSpc>
-              <a:spcBef>
-                <a:spcPct val="0"/>
-              </a:spcBef>
-              <a:spcAft>
-                <a:spcPts val="494"/>
-              </a:spcAft>
-            </a:pPr>
-            <a:r>
-              <a:rPr lang="en-US" dirty="0" err="1">
-                <a:solidFill>
-                  <a:srgbClr val="1F497D"/>
-                </a:solidFill>
-                <a:latin typeface="Consolas" pitchFamily="49" charset="0"/>
-                <a:cs typeface="Consolas" pitchFamily="49" charset="0"/>
-              </a:rPr>
-              <a:t>var</a:t>
-            </a:r>
-            <a:r>
-              <a:rPr lang="en-US" dirty="0">
-                <a:solidFill>
-                  <a:sysClr val="windowText" lastClr="000000"/>
-                </a:solidFill>
-                <a:latin typeface="Consolas" pitchFamily="49" charset="0"/>
-                <a:cs typeface="Consolas" pitchFamily="49" charset="0"/>
-              </a:rPr>
-              <a:t> </a:t>
-            </a:r>
-            <a:r>
-              <a:rPr lang="en-US" dirty="0" err="1">
-                <a:solidFill>
-                  <a:sysClr val="windowText" lastClr="000000"/>
-                </a:solidFill>
-                <a:latin typeface="Consolas" pitchFamily="49" charset="0"/>
-                <a:cs typeface="Consolas" pitchFamily="49" charset="0"/>
-              </a:rPr>
-              <a:t>keywordQuery</a:t>
-            </a:r>
-            <a:r>
-              <a:rPr lang="en-US" dirty="0">
-                <a:solidFill>
-                  <a:sysClr val="windowText" lastClr="000000"/>
-                </a:solidFill>
-                <a:latin typeface="Consolas" pitchFamily="49" charset="0"/>
-                <a:cs typeface="Consolas" pitchFamily="49" charset="0"/>
-              </a:rPr>
-              <a:t> = </a:t>
-            </a:r>
-          </a:p>
-          <a:p>
-            <a:pPr defTabSz="914400" fontAlgn="base">
-              <a:lnSpc>
-                <a:spcPct val="90000"/>
-              </a:lnSpc>
-              <a:spcBef>
-                <a:spcPct val="0"/>
-              </a:spcBef>
-              <a:spcAft>
-                <a:spcPts val="494"/>
-              </a:spcAft>
-            </a:pPr>
-            <a:r>
-              <a:rPr lang="en-US" dirty="0">
-                <a:solidFill>
-                  <a:sysClr val="windowText" lastClr="000000"/>
-                </a:solidFill>
-                <a:latin typeface="Consolas" pitchFamily="49" charset="0"/>
-                <a:cs typeface="Consolas" pitchFamily="49" charset="0"/>
-              </a:rPr>
-              <a:t>new </a:t>
-            </a:r>
-            <a:r>
-              <a:rPr lang="en-US" dirty="0" err="1">
-                <a:solidFill>
-                  <a:srgbClr val="1F497D"/>
-                </a:solidFill>
-                <a:latin typeface="Consolas" pitchFamily="49" charset="0"/>
-                <a:cs typeface="Consolas" pitchFamily="49" charset="0"/>
-              </a:rPr>
-              <a:t>Microsoft.SharePoint.Client.Search.Query.KeywordQuery</a:t>
-            </a:r>
-            <a:r>
-              <a:rPr lang="en-US" dirty="0">
-                <a:solidFill>
-                  <a:sysClr val="windowText" lastClr="000000"/>
-                </a:solidFill>
-                <a:latin typeface="Consolas" pitchFamily="49" charset="0"/>
-                <a:cs typeface="Consolas" pitchFamily="49" charset="0"/>
-              </a:rPr>
-              <a:t>(context);</a:t>
-            </a:r>
-          </a:p>
-          <a:p>
-            <a:pPr defTabSz="914400" fontAlgn="base">
-              <a:lnSpc>
-                <a:spcPct val="90000"/>
-              </a:lnSpc>
-              <a:spcBef>
-                <a:spcPct val="0"/>
-              </a:spcBef>
-              <a:spcAft>
-                <a:spcPts val="494"/>
-              </a:spcAft>
-            </a:pPr>
-            <a:endParaRPr lang="en-US" dirty="0">
-              <a:solidFill>
-                <a:sysClr val="windowText" lastClr="000000"/>
-              </a:solidFill>
-              <a:latin typeface="Consolas" pitchFamily="49" charset="0"/>
-              <a:cs typeface="Consolas" pitchFamily="49" charset="0"/>
-            </a:endParaRPr>
-          </a:p>
-          <a:p>
-            <a:pPr defTabSz="914400" fontAlgn="base">
-              <a:lnSpc>
-                <a:spcPct val="90000"/>
-              </a:lnSpc>
-              <a:spcBef>
-                <a:spcPct val="0"/>
-              </a:spcBef>
-              <a:spcAft>
-                <a:spcPts val="494"/>
-              </a:spcAft>
-            </a:pPr>
-            <a:r>
-              <a:rPr lang="en-US" dirty="0" err="1">
-                <a:solidFill>
-                  <a:sysClr val="windowText" lastClr="000000"/>
-                </a:solidFill>
-                <a:latin typeface="Consolas" pitchFamily="49" charset="0"/>
-                <a:cs typeface="Consolas" pitchFamily="49" charset="0"/>
-              </a:rPr>
-              <a:t>keywordQuery.set_queryText</a:t>
-            </a:r>
-            <a:r>
-              <a:rPr lang="en-US" dirty="0">
-                <a:solidFill>
-                  <a:srgbClr val="C00000"/>
-                </a:solidFill>
-                <a:latin typeface="Consolas" pitchFamily="49" charset="0"/>
-                <a:cs typeface="Consolas" pitchFamily="49" charset="0"/>
-              </a:rPr>
-              <a:t>("</a:t>
-            </a:r>
-            <a:r>
-              <a:rPr lang="en-US" dirty="0" err="1">
-                <a:solidFill>
-                  <a:srgbClr val="C00000"/>
-                </a:solidFill>
-                <a:latin typeface="Consolas" pitchFamily="49" charset="0"/>
-                <a:cs typeface="Consolas" pitchFamily="49" charset="0"/>
-              </a:rPr>
-              <a:t>sharepoint</a:t>
-            </a:r>
-            <a:r>
-              <a:rPr lang="en-US" dirty="0">
-                <a:solidFill>
-                  <a:srgbClr val="C00000"/>
-                </a:solidFill>
-                <a:latin typeface="Consolas" pitchFamily="49" charset="0"/>
-                <a:cs typeface="Consolas" pitchFamily="49" charset="0"/>
-              </a:rPr>
-              <a:t>"</a:t>
-            </a:r>
-            <a:r>
-              <a:rPr lang="en-US" dirty="0">
-                <a:solidFill>
-                  <a:sysClr val="windowText" lastClr="000000"/>
-                </a:solidFill>
-                <a:latin typeface="Consolas" pitchFamily="49" charset="0"/>
-                <a:cs typeface="Consolas" pitchFamily="49" charset="0"/>
-              </a:rPr>
-              <a:t>);</a:t>
-            </a:r>
-          </a:p>
-          <a:p>
-            <a:pPr defTabSz="914400" fontAlgn="base">
-              <a:lnSpc>
-                <a:spcPct val="90000"/>
-              </a:lnSpc>
-              <a:spcBef>
-                <a:spcPct val="0"/>
-              </a:spcBef>
-              <a:spcAft>
-                <a:spcPts val="494"/>
-              </a:spcAft>
-            </a:pPr>
-            <a:endParaRPr lang="en-US" dirty="0">
-              <a:solidFill>
-                <a:sysClr val="windowText" lastClr="000000"/>
-              </a:solidFill>
-              <a:latin typeface="Consolas" pitchFamily="49" charset="0"/>
-              <a:cs typeface="Consolas" pitchFamily="49" charset="0"/>
-            </a:endParaRPr>
-          </a:p>
-          <a:p>
-            <a:pPr defTabSz="914400" fontAlgn="base">
-              <a:lnSpc>
-                <a:spcPct val="90000"/>
-              </a:lnSpc>
-              <a:spcBef>
-                <a:spcPct val="0"/>
-              </a:spcBef>
-              <a:spcAft>
-                <a:spcPts val="494"/>
-              </a:spcAft>
-            </a:pPr>
-            <a:r>
-              <a:rPr lang="en-US" dirty="0" err="1">
-                <a:solidFill>
-                  <a:srgbClr val="1F497D"/>
-                </a:solidFill>
-                <a:latin typeface="Consolas" pitchFamily="49" charset="0"/>
-                <a:cs typeface="Consolas" pitchFamily="49" charset="0"/>
-              </a:rPr>
-              <a:t>var</a:t>
-            </a:r>
-            <a:r>
-              <a:rPr lang="en-US" dirty="0">
-                <a:solidFill>
-                  <a:sysClr val="windowText" lastClr="000000"/>
-                </a:solidFill>
-                <a:latin typeface="Consolas" pitchFamily="49" charset="0"/>
-                <a:cs typeface="Consolas" pitchFamily="49" charset="0"/>
-              </a:rPr>
-              <a:t> </a:t>
-            </a:r>
-            <a:r>
-              <a:rPr lang="en-US" dirty="0" err="1">
-                <a:solidFill>
-                  <a:sysClr val="windowText" lastClr="000000"/>
-                </a:solidFill>
-                <a:latin typeface="Consolas" pitchFamily="49" charset="0"/>
-                <a:cs typeface="Consolas" pitchFamily="49" charset="0"/>
-              </a:rPr>
-              <a:t>searchExecutor</a:t>
-            </a:r>
-            <a:r>
-              <a:rPr lang="en-US" dirty="0">
-                <a:solidFill>
-                  <a:sysClr val="windowText" lastClr="000000"/>
-                </a:solidFill>
-                <a:latin typeface="Consolas" pitchFamily="49" charset="0"/>
-                <a:cs typeface="Consolas" pitchFamily="49" charset="0"/>
-              </a:rPr>
-              <a:t> = </a:t>
-            </a:r>
-          </a:p>
-          <a:p>
-            <a:pPr defTabSz="914400" fontAlgn="base">
-              <a:lnSpc>
-                <a:spcPct val="90000"/>
-              </a:lnSpc>
-              <a:spcBef>
-                <a:spcPct val="0"/>
-              </a:spcBef>
-              <a:spcAft>
-                <a:spcPts val="494"/>
-              </a:spcAft>
-            </a:pPr>
-            <a:r>
-              <a:rPr lang="en-US" dirty="0">
-                <a:solidFill>
-                  <a:sysClr val="windowText" lastClr="000000"/>
-                </a:solidFill>
-                <a:latin typeface="Consolas" pitchFamily="49" charset="0"/>
-                <a:cs typeface="Consolas" pitchFamily="49" charset="0"/>
-              </a:rPr>
-              <a:t>new </a:t>
-            </a:r>
-            <a:r>
-              <a:rPr lang="en-US" dirty="0" err="1">
-                <a:solidFill>
-                  <a:srgbClr val="1F497D"/>
-                </a:solidFill>
-                <a:latin typeface="Consolas" pitchFamily="49" charset="0"/>
-                <a:cs typeface="Consolas" pitchFamily="49" charset="0"/>
-              </a:rPr>
-              <a:t>Microsoft.SharePoint.Client.Search.Query.SearchExecutor</a:t>
-            </a:r>
-            <a:r>
-              <a:rPr lang="en-US" dirty="0">
-                <a:solidFill>
-                  <a:sysClr val="windowText" lastClr="000000"/>
-                </a:solidFill>
-                <a:latin typeface="Consolas" pitchFamily="49" charset="0"/>
-                <a:cs typeface="Consolas" pitchFamily="49" charset="0"/>
-              </a:rPr>
-              <a:t>(context);</a:t>
-            </a:r>
-          </a:p>
-          <a:p>
-            <a:pPr defTabSz="914400" fontAlgn="base">
-              <a:lnSpc>
-                <a:spcPct val="90000"/>
-              </a:lnSpc>
-              <a:spcBef>
-                <a:spcPct val="0"/>
-              </a:spcBef>
-              <a:spcAft>
-                <a:spcPts val="494"/>
-              </a:spcAft>
-            </a:pPr>
-            <a:endParaRPr lang="en-US" dirty="0">
-              <a:solidFill>
-                <a:sysClr val="windowText" lastClr="000000"/>
-              </a:solidFill>
-              <a:latin typeface="Consolas" pitchFamily="49" charset="0"/>
-              <a:cs typeface="Consolas" pitchFamily="49" charset="0"/>
-            </a:endParaRPr>
-          </a:p>
-          <a:p>
-            <a:pPr defTabSz="914400" fontAlgn="base">
-              <a:lnSpc>
-                <a:spcPct val="90000"/>
-              </a:lnSpc>
-              <a:spcBef>
-                <a:spcPct val="0"/>
-              </a:spcBef>
-              <a:spcAft>
-                <a:spcPts val="494"/>
-              </a:spcAft>
-            </a:pPr>
-            <a:r>
-              <a:rPr lang="en-US" dirty="0">
-                <a:solidFill>
-                  <a:sysClr val="windowText" lastClr="000000"/>
-                </a:solidFill>
-                <a:latin typeface="Consolas" pitchFamily="49" charset="0"/>
-                <a:cs typeface="Consolas" pitchFamily="49" charset="0"/>
-              </a:rPr>
-              <a:t>results = </a:t>
-            </a:r>
-            <a:r>
-              <a:rPr lang="en-US" dirty="0" err="1">
-                <a:solidFill>
-                  <a:sysClr val="windowText" lastClr="000000"/>
-                </a:solidFill>
-                <a:latin typeface="Consolas" pitchFamily="49" charset="0"/>
-                <a:cs typeface="Consolas" pitchFamily="49" charset="0"/>
-              </a:rPr>
-              <a:t>searchExecutor.executeQuery</a:t>
-            </a:r>
-            <a:r>
-              <a:rPr lang="en-US" dirty="0">
-                <a:solidFill>
-                  <a:sysClr val="windowText" lastClr="000000"/>
-                </a:solidFill>
-                <a:latin typeface="Consolas" pitchFamily="49" charset="0"/>
-                <a:cs typeface="Consolas" pitchFamily="49" charset="0"/>
-              </a:rPr>
-              <a:t>(</a:t>
-            </a:r>
-            <a:r>
-              <a:rPr lang="en-US" dirty="0" err="1">
-                <a:solidFill>
-                  <a:sysClr val="windowText" lastClr="000000"/>
-                </a:solidFill>
-                <a:latin typeface="Consolas" pitchFamily="49" charset="0"/>
-                <a:cs typeface="Consolas" pitchFamily="49" charset="0"/>
-              </a:rPr>
-              <a:t>keywordQuery</a:t>
-            </a:r>
-            <a:r>
-              <a:rPr lang="en-US" dirty="0">
-                <a:solidFill>
-                  <a:sysClr val="windowText" lastClr="000000"/>
-                </a:solidFill>
-                <a:latin typeface="Consolas" pitchFamily="49" charset="0"/>
-                <a:cs typeface="Consolas" pitchFamily="49" charset="0"/>
-              </a:rPr>
-              <a:t>);</a:t>
-            </a:r>
-          </a:p>
-          <a:p>
-            <a:pPr defTabSz="914400" fontAlgn="base">
-              <a:lnSpc>
-                <a:spcPct val="90000"/>
-              </a:lnSpc>
-              <a:spcBef>
-                <a:spcPct val="0"/>
-              </a:spcBef>
-              <a:spcAft>
-                <a:spcPts val="494"/>
-              </a:spcAft>
-            </a:pPr>
-            <a:endParaRPr lang="en-US" dirty="0">
-              <a:solidFill>
-                <a:sysClr val="windowText" lastClr="000000"/>
-              </a:solidFill>
-              <a:latin typeface="Consolas" pitchFamily="49" charset="0"/>
-              <a:cs typeface="Consolas" pitchFamily="49" charset="0"/>
-            </a:endParaRPr>
-          </a:p>
-          <a:p>
-            <a:pPr defTabSz="914400" fontAlgn="base">
-              <a:lnSpc>
-                <a:spcPct val="90000"/>
-              </a:lnSpc>
-              <a:spcBef>
-                <a:spcPct val="0"/>
-              </a:spcBef>
-              <a:spcAft>
-                <a:spcPts val="494"/>
-              </a:spcAft>
-            </a:pPr>
-            <a:r>
-              <a:rPr lang="en-US" dirty="0" err="1">
-                <a:solidFill>
-                  <a:sysClr val="windowText" lastClr="000000"/>
-                </a:solidFill>
-                <a:latin typeface="Consolas" pitchFamily="49" charset="0"/>
-                <a:cs typeface="Consolas" pitchFamily="49" charset="0"/>
-              </a:rPr>
-              <a:t>context.executeQueryAsync</a:t>
-            </a:r>
-            <a:r>
-              <a:rPr lang="en-US" dirty="0">
-                <a:solidFill>
-                  <a:sysClr val="windowText" lastClr="000000"/>
-                </a:solidFill>
-                <a:latin typeface="Consolas" pitchFamily="49" charset="0"/>
-                <a:cs typeface="Consolas" pitchFamily="49" charset="0"/>
-              </a:rPr>
-              <a:t>(</a:t>
-            </a:r>
-            <a:r>
-              <a:rPr lang="en-US" dirty="0" err="1">
-                <a:solidFill>
-                  <a:sysClr val="windowText" lastClr="000000"/>
-                </a:solidFill>
-                <a:latin typeface="Consolas" pitchFamily="49" charset="0"/>
-                <a:cs typeface="Consolas" pitchFamily="49" charset="0"/>
-              </a:rPr>
-              <a:t>onGetEventsSuccess</a:t>
-            </a:r>
-            <a:r>
-              <a:rPr lang="en-US" dirty="0">
-                <a:solidFill>
-                  <a:sysClr val="windowText" lastClr="000000"/>
-                </a:solidFill>
-                <a:latin typeface="Consolas" pitchFamily="49" charset="0"/>
-                <a:cs typeface="Consolas" pitchFamily="49" charset="0"/>
-              </a:rPr>
-              <a:t>, </a:t>
-            </a:r>
-            <a:r>
-              <a:rPr lang="en-US" dirty="0" err="1">
-                <a:solidFill>
-                  <a:sysClr val="windowText" lastClr="000000"/>
-                </a:solidFill>
-                <a:latin typeface="Consolas" pitchFamily="49" charset="0"/>
-                <a:cs typeface="Consolas" pitchFamily="49" charset="0"/>
-              </a:rPr>
-              <a:t>onGetEventsFail</a:t>
-            </a:r>
-            <a:r>
-              <a:rPr lang="en-US" dirty="0">
-                <a:solidFill>
-                  <a:sysClr val="windowText" lastClr="000000"/>
-                </a:solidFill>
-                <a:latin typeface="Consolas" pitchFamily="49" charset="0"/>
-                <a:cs typeface="Consolas" pitchFamily="49" charset="0"/>
-              </a:rPr>
-              <a:t>);</a:t>
-            </a:r>
           </a:p>
         </p:txBody>
       </p:sp>
     </p:spTree>
     <p:extLst>
       <p:ext uri="{BB962C8B-B14F-4D97-AF65-F5344CB8AC3E}">
-        <p14:creationId xmlns:p14="http://schemas.microsoft.com/office/powerpoint/2010/main" val="1896666693"/>
+        <p14:creationId xmlns:p14="http://schemas.microsoft.com/office/powerpoint/2010/main" val="3604643155"/>
       </p:ext>
     </p:extLst>
   </p:cSld>
@@ -15011,6 +13889,13 @@
   <p:transition>
     <p:fade/>
   </p:transition>
+  <p:timing>
+    <p:tnLst>
+      <p:par>
+        <p:cTn id="1" dur="indefinite" restart="never" nodeType="tmRoot"/>
+      </p:par>
+    </p:tnLst>
+  </p:timing>
 </p:sld>
 </file>
 
@@ -15048,7 +13933,7 @@
           <a:p>
             <a:r>
               <a:rPr lang="en-US" dirty="0" smtClean="0"/>
-              <a:t>C# and REST</a:t>
+              <a:t>REST Endpoint</a:t>
             </a:r>
             <a:endParaRPr lang="en-US" dirty="0"/>
           </a:p>
@@ -15086,8 +13971,8 @@
         </p:nvSpPr>
         <p:spPr>
           <a:xfrm>
-            <a:off x="652463" y="1792367"/>
-            <a:ext cx="11068311" cy="3940225"/>
+            <a:off x="128588" y="1362075"/>
+            <a:ext cx="12188825" cy="3218489"/>
           </a:xfrm>
           <a:prstGeom prst="rect">
             <a:avLst/>
@@ -15095,817 +13980,206 @@
           <a:noFill/>
         </p:spPr>
         <p:txBody>
-          <a:bodyPr wrap="none" lIns="150602" tIns="120481" rIns="150602" bIns="120481" rtlCol="0">
+          <a:bodyPr wrap="square" lIns="150602" tIns="120481" rIns="150602" bIns="120481" rtlCol="0">
             <a:spAutoFit/>
           </a:bodyPr>
           <a:lstStyle/>
           <a:p>
-            <a:pPr defTabSz="914400" fontAlgn="base">
-              <a:lnSpc>
-                <a:spcPct val="90000"/>
-              </a:lnSpc>
-              <a:spcBef>
-                <a:spcPct val="0"/>
-              </a:spcBef>
+            <a:pPr algn="l">
               <a:spcAft>
                 <a:spcPts val="494"/>
               </a:spcAft>
             </a:pPr>
             <a:r>
-              <a:rPr lang="en-US" dirty="0" err="1" smtClean="0">
-                <a:solidFill>
-                  <a:srgbClr val="0070C0"/>
-                </a:solidFill>
-                <a:latin typeface="Consolas" pitchFamily="49" charset="0"/>
-                <a:cs typeface="Consolas" pitchFamily="49" charset="0"/>
-              </a:rPr>
-              <a:t>var</a:t>
-            </a:r>
-            <a:r>
-              <a:rPr lang="en-US" dirty="0" smtClean="0">
-                <a:solidFill>
-                  <a:srgbClr val="0070C0"/>
-                </a:solidFill>
-                <a:latin typeface="Consolas" pitchFamily="49" charset="0"/>
-                <a:cs typeface="Consolas" pitchFamily="49" charset="0"/>
-              </a:rPr>
-              <a:t> </a:t>
-            </a:r>
-            <a:r>
-              <a:rPr lang="en-US" dirty="0" err="1">
-                <a:latin typeface="Consolas" pitchFamily="49" charset="0"/>
-                <a:cs typeface="Consolas" pitchFamily="49" charset="0"/>
-              </a:rPr>
-              <a:t>spContext</a:t>
-            </a:r>
-            <a:r>
               <a:rPr lang="en-US" dirty="0">
-                <a:latin typeface="Consolas" pitchFamily="49" charset="0"/>
-                <a:cs typeface="Consolas" pitchFamily="49" charset="0"/>
-              </a:rPr>
-              <a:t> = </a:t>
-            </a:r>
-            <a:r>
-              <a:rPr lang="en-US" dirty="0" err="1">
-                <a:latin typeface="Consolas" pitchFamily="49" charset="0"/>
-                <a:cs typeface="Consolas" pitchFamily="49" charset="0"/>
-              </a:rPr>
-              <a:t>SharePointContextProvider.Current.GetSharePointContext</a:t>
-            </a:r>
-            <a:r>
-              <a:rPr lang="en-US" dirty="0">
-                <a:latin typeface="Consolas" pitchFamily="49" charset="0"/>
-                <a:cs typeface="Consolas" pitchFamily="49" charset="0"/>
-              </a:rPr>
-              <a:t>(</a:t>
-            </a:r>
-            <a:r>
-              <a:rPr lang="en-US" dirty="0" err="1">
-                <a:latin typeface="Consolas" pitchFamily="49" charset="0"/>
-                <a:cs typeface="Consolas" pitchFamily="49" charset="0"/>
-              </a:rPr>
-              <a:t>HttpContext</a:t>
-            </a:r>
-            <a:r>
-              <a:rPr lang="en-US" dirty="0" smtClean="0">
-                <a:latin typeface="Consolas" pitchFamily="49" charset="0"/>
-                <a:cs typeface="Consolas" pitchFamily="49" charset="0"/>
-              </a:rPr>
-              <a:t>);</a:t>
-            </a:r>
-          </a:p>
-          <a:p>
-            <a:pPr defTabSz="914400" fontAlgn="base">
-              <a:lnSpc>
-                <a:spcPct val="90000"/>
-              </a:lnSpc>
-              <a:spcBef>
-                <a:spcPct val="0"/>
-              </a:spcBef>
+                <a:solidFill>
+                  <a:sysClr val="windowText" lastClr="000000"/>
+                </a:solidFill>
+              </a:rPr>
+              <a:t>Keywords</a:t>
+            </a:r>
+          </a:p>
+          <a:p>
+            <a:pPr algn="l">
               <a:spcAft>
                 <a:spcPts val="494"/>
               </a:spcAft>
             </a:pPr>
             <a:r>
-              <a:rPr lang="en-US" dirty="0">
-                <a:solidFill>
-                  <a:srgbClr val="0070C0"/>
+              <a:rPr lang="en-US" b="1" dirty="0" smtClean="0">
+                <a:solidFill>
+                  <a:sysClr val="windowText" lastClr="000000"/>
                 </a:solidFill>
                 <a:latin typeface="Consolas" pitchFamily="49" charset="0"/>
                 <a:cs typeface="Consolas" pitchFamily="49" charset="0"/>
               </a:rPr>
-              <a:t>string</a:t>
-            </a:r>
-            <a:r>
-              <a:rPr lang="en-US" dirty="0">
+              <a:t>https://tenant/site/_</a:t>
+            </a:r>
+            <a:r>
+              <a:rPr lang="en-US" b="1" dirty="0">
+                <a:solidFill>
+                  <a:sysClr val="windowText" lastClr="000000"/>
+                </a:solidFill>
                 <a:latin typeface="Consolas" pitchFamily="49" charset="0"/>
                 <a:cs typeface="Consolas" pitchFamily="49" charset="0"/>
               </a:rPr>
-              <a:t> </a:t>
-            </a:r>
-            <a:r>
-              <a:rPr lang="en-US" dirty="0" err="1" smtClean="0">
+              <a:t>api/search/query?</a:t>
+            </a:r>
+            <a:r>
+              <a:rPr lang="en-US" dirty="0">
+                <a:solidFill>
+                  <a:srgbClr val="C00000"/>
+                </a:solidFill>
                 <a:latin typeface="Consolas" pitchFamily="49" charset="0"/>
                 <a:cs typeface="Consolas" pitchFamily="49" charset="0"/>
               </a:rPr>
-              <a:t>accessToken</a:t>
-            </a:r>
-            <a:r>
-              <a:rPr lang="en-US" dirty="0" smtClean="0">
-                <a:latin typeface="Consolas" pitchFamily="49" charset="0"/>
-                <a:cs typeface="Consolas" pitchFamily="49" charset="0"/>
-              </a:rPr>
-              <a:t> </a:t>
-            </a:r>
-            <a:r>
-              <a:rPr lang="en-US" dirty="0">
-                <a:latin typeface="Consolas" pitchFamily="49" charset="0"/>
-                <a:cs typeface="Consolas" pitchFamily="49" charset="0"/>
-              </a:rPr>
-              <a:t>= </a:t>
-            </a:r>
-            <a:r>
-              <a:rPr lang="en-US" dirty="0" err="1" smtClean="0">
-                <a:latin typeface="Consolas" pitchFamily="49" charset="0"/>
-                <a:cs typeface="Consolas" pitchFamily="49" charset="0"/>
-              </a:rPr>
-              <a:t>spContext.UserAccessTokenForSPAppWeb</a:t>
-            </a:r>
-            <a:r>
-              <a:rPr lang="en-US" dirty="0" smtClean="0">
-                <a:latin typeface="Consolas" pitchFamily="49" charset="0"/>
-                <a:cs typeface="Consolas" pitchFamily="49" charset="0"/>
-              </a:rPr>
-              <a:t>;</a:t>
-            </a:r>
-          </a:p>
-          <a:p>
-            <a:pPr defTabSz="914400" fontAlgn="base">
-              <a:lnSpc>
-                <a:spcPct val="90000"/>
-              </a:lnSpc>
-              <a:spcBef>
-                <a:spcPct val="0"/>
-              </a:spcBef>
-              <a:spcAft>
-                <a:spcPts val="494"/>
-              </a:spcAft>
-            </a:pPr>
-            <a:endParaRPr lang="en-US" dirty="0" smtClean="0">
-              <a:latin typeface="Consolas" pitchFamily="49" charset="0"/>
-              <a:cs typeface="Consolas" pitchFamily="49" charset="0"/>
-            </a:endParaRPr>
-          </a:p>
-          <a:p>
-            <a:pPr defTabSz="914400" fontAlgn="base">
-              <a:lnSpc>
-                <a:spcPct val="90000"/>
-              </a:lnSpc>
-              <a:spcBef>
-                <a:spcPct val="0"/>
-              </a:spcBef>
-              <a:spcAft>
-                <a:spcPts val="494"/>
-              </a:spcAft>
-            </a:pPr>
-            <a:r>
-              <a:rPr lang="en-US" dirty="0">
-                <a:solidFill>
-                  <a:srgbClr val="0070C0"/>
-                </a:solidFill>
-                <a:latin typeface="Consolas" pitchFamily="49" charset="0"/>
-                <a:cs typeface="Consolas" pitchFamily="49" charset="0"/>
-              </a:rPr>
-              <a:t>string</a:t>
-            </a:r>
-            <a:r>
-              <a:rPr lang="en-US" dirty="0">
-                <a:solidFill>
-                  <a:sysClr val="windowText" lastClr="000000"/>
-                </a:solidFill>
-                <a:latin typeface="Consolas" pitchFamily="49" charset="0"/>
-                <a:cs typeface="Consolas" pitchFamily="49" charset="0"/>
-              </a:rPr>
-              <a:t> </a:t>
-            </a:r>
-            <a:r>
-              <a:rPr lang="en-US" dirty="0" err="1">
-                <a:solidFill>
-                  <a:sysClr val="windowText" lastClr="000000"/>
-                </a:solidFill>
-                <a:latin typeface="Consolas" pitchFamily="49" charset="0"/>
-                <a:cs typeface="Consolas" pitchFamily="49" charset="0"/>
-              </a:rPr>
-              <a:t>url</a:t>
-            </a:r>
-            <a:r>
-              <a:rPr lang="en-US" dirty="0">
-                <a:solidFill>
-                  <a:sysClr val="windowText" lastClr="000000"/>
-                </a:solidFill>
-                <a:latin typeface="Consolas" pitchFamily="49" charset="0"/>
-                <a:cs typeface="Consolas" pitchFamily="49" charset="0"/>
-              </a:rPr>
-              <a:t> = </a:t>
-            </a:r>
-            <a:r>
-              <a:rPr lang="en-US" dirty="0">
-                <a:solidFill>
-                  <a:srgbClr val="C00000"/>
-                </a:solidFill>
-                <a:latin typeface="Consolas" pitchFamily="49" charset="0"/>
-                <a:cs typeface="Consolas" pitchFamily="49" charset="0"/>
-              </a:rPr>
-              <a:t>"http://site/_</a:t>
-            </a:r>
-            <a:r>
-              <a:rPr lang="en-US" dirty="0" err="1">
-                <a:solidFill>
-                  <a:srgbClr val="C00000"/>
-                </a:solidFill>
-                <a:latin typeface="Consolas" pitchFamily="49" charset="0"/>
-                <a:cs typeface="Consolas" pitchFamily="49" charset="0"/>
-              </a:rPr>
-              <a:t>api</a:t>
-            </a:r>
-            <a:r>
-              <a:rPr lang="en-US" dirty="0">
-                <a:solidFill>
-                  <a:srgbClr val="C00000"/>
-                </a:solidFill>
-                <a:latin typeface="Consolas" pitchFamily="49" charset="0"/>
-                <a:cs typeface="Consolas" pitchFamily="49" charset="0"/>
-              </a:rPr>
-              <a:t>/search/</a:t>
-            </a:r>
-            <a:r>
-              <a:rPr lang="en-US" dirty="0" err="1">
-                <a:solidFill>
-                  <a:srgbClr val="C00000"/>
-                </a:solidFill>
-                <a:latin typeface="Consolas" pitchFamily="49" charset="0"/>
-                <a:cs typeface="Consolas" pitchFamily="49" charset="0"/>
-              </a:rPr>
-              <a:t>query?querytext</a:t>
-            </a:r>
-            <a:r>
-              <a:rPr lang="en-US" dirty="0">
-                <a:solidFill>
-                  <a:srgbClr val="C00000"/>
-                </a:solidFill>
-                <a:latin typeface="Consolas" pitchFamily="49" charset="0"/>
-                <a:cs typeface="Consolas" pitchFamily="49" charset="0"/>
-              </a:rPr>
-              <a:t>='</a:t>
-            </a:r>
-            <a:r>
-              <a:rPr lang="en-US" dirty="0" err="1">
-                <a:solidFill>
-                  <a:srgbClr val="C00000"/>
-                </a:solidFill>
-                <a:latin typeface="Consolas" pitchFamily="49" charset="0"/>
-                <a:cs typeface="Consolas" pitchFamily="49" charset="0"/>
-              </a:rPr>
-              <a:t>sharepoint</a:t>
-            </a:r>
-            <a:r>
-              <a:rPr lang="en-US" dirty="0" smtClean="0">
-                <a:solidFill>
-                  <a:srgbClr val="C00000"/>
-                </a:solidFill>
-                <a:latin typeface="Consolas" pitchFamily="49" charset="0"/>
-                <a:cs typeface="Consolas" pitchFamily="49" charset="0"/>
-              </a:rPr>
-              <a:t>'"</a:t>
-            </a:r>
-            <a:r>
-              <a:rPr lang="en-US" dirty="0" smtClean="0">
-                <a:solidFill>
-                  <a:sysClr val="windowText" lastClr="000000"/>
-                </a:solidFill>
-                <a:latin typeface="Consolas" pitchFamily="49" charset="0"/>
-                <a:cs typeface="Consolas" pitchFamily="49" charset="0"/>
-              </a:rPr>
-              <a:t>;</a:t>
-            </a:r>
-            <a:endParaRPr lang="en-US" dirty="0">
-              <a:latin typeface="Consolas" pitchFamily="49" charset="0"/>
-              <a:cs typeface="Consolas" pitchFamily="49" charset="0"/>
-            </a:endParaRPr>
-          </a:p>
-          <a:p>
-            <a:pPr defTabSz="914400" fontAlgn="base">
-              <a:lnSpc>
-                <a:spcPct val="90000"/>
-              </a:lnSpc>
-              <a:spcBef>
-                <a:spcPct val="0"/>
-              </a:spcBef>
+              <a:t>querytext='{KQL Query}'</a:t>
+            </a:r>
+          </a:p>
+          <a:p>
+            <a:pPr algn="l">
               <a:spcAft>
                 <a:spcPts val="494"/>
               </a:spcAft>
             </a:pPr>
             <a:endParaRPr lang="en-US" dirty="0">
-              <a:latin typeface="Consolas" pitchFamily="49" charset="0"/>
-              <a:cs typeface="Consolas" pitchFamily="49" charset="0"/>
+              <a:solidFill>
+                <a:sysClr val="windowText" lastClr="000000"/>
+              </a:solidFill>
             </a:endParaRPr>
           </a:p>
           <a:p>
-            <a:pPr defTabSz="914400" fontAlgn="base">
-              <a:lnSpc>
-                <a:spcPct val="90000"/>
-              </a:lnSpc>
-              <a:spcBef>
-                <a:spcPct val="0"/>
-              </a:spcBef>
+            <a:pPr algn="l">
               <a:spcAft>
                 <a:spcPts val="494"/>
               </a:spcAft>
             </a:pPr>
             <a:r>
-              <a:rPr lang="en-US" dirty="0" err="1" smtClean="0">
-                <a:solidFill>
-                  <a:srgbClr val="0070C0"/>
-                </a:solidFill>
-                <a:latin typeface="Consolas" pitchFamily="49" charset="0"/>
-                <a:cs typeface="Consolas" pitchFamily="49" charset="0"/>
-              </a:rPr>
-              <a:t>HttpClient</a:t>
-            </a:r>
-            <a:r>
-              <a:rPr lang="en-US" dirty="0" smtClean="0">
-                <a:latin typeface="Consolas" pitchFamily="49" charset="0"/>
-                <a:cs typeface="Consolas" pitchFamily="49" charset="0"/>
-              </a:rPr>
-              <a:t> </a:t>
-            </a:r>
-            <a:r>
               <a:rPr lang="en-US" dirty="0">
-                <a:latin typeface="Consolas" pitchFamily="49" charset="0"/>
-                <a:cs typeface="Consolas" pitchFamily="49" charset="0"/>
-              </a:rPr>
-              <a:t>client = </a:t>
-            </a:r>
-            <a:r>
-              <a:rPr lang="en-US" dirty="0">
-                <a:solidFill>
-                  <a:srgbClr val="0070C0"/>
-                </a:solidFill>
-                <a:latin typeface="Consolas" pitchFamily="49" charset="0"/>
-                <a:cs typeface="Consolas" pitchFamily="49" charset="0"/>
-              </a:rPr>
-              <a:t>new</a:t>
-            </a:r>
-            <a:r>
-              <a:rPr lang="en-US" dirty="0">
-                <a:latin typeface="Consolas" pitchFamily="49" charset="0"/>
-                <a:cs typeface="Consolas" pitchFamily="49" charset="0"/>
-              </a:rPr>
-              <a:t> </a:t>
-            </a:r>
-            <a:r>
-              <a:rPr lang="en-US" dirty="0" err="1">
-                <a:solidFill>
-                  <a:srgbClr val="0070C0"/>
-                </a:solidFill>
-                <a:latin typeface="Consolas" pitchFamily="49" charset="0"/>
-                <a:cs typeface="Consolas" pitchFamily="49" charset="0"/>
-              </a:rPr>
-              <a:t>HttpClient</a:t>
-            </a:r>
-            <a:r>
-              <a:rPr lang="en-US" dirty="0">
-                <a:latin typeface="Consolas" pitchFamily="49" charset="0"/>
-                <a:cs typeface="Consolas" pitchFamily="49" charset="0"/>
-              </a:rPr>
-              <a:t>();</a:t>
-            </a:r>
-          </a:p>
-          <a:p>
-            <a:pPr defTabSz="914400" fontAlgn="base">
-              <a:lnSpc>
-                <a:spcPct val="90000"/>
-              </a:lnSpc>
-              <a:spcBef>
-                <a:spcPct val="0"/>
-              </a:spcBef>
+                <a:solidFill>
+                  <a:sysClr val="windowText" lastClr="000000"/>
+                </a:solidFill>
+              </a:rPr>
+              <a:t>Selecting Properties</a:t>
+            </a:r>
+          </a:p>
+          <a:p>
+            <a:pPr algn="l">
               <a:spcAft>
                 <a:spcPts val="494"/>
               </a:spcAft>
             </a:pPr>
             <a:r>
-              <a:rPr lang="en-US" dirty="0" err="1">
-                <a:solidFill>
-                  <a:srgbClr val="0070C0"/>
+              <a:rPr lang="en-US" b="1" dirty="0" smtClean="0">
+                <a:solidFill>
+                  <a:sysClr val="windowText" lastClr="000000"/>
                 </a:solidFill>
                 <a:latin typeface="Consolas" pitchFamily="49" charset="0"/>
                 <a:cs typeface="Consolas" pitchFamily="49" charset="0"/>
               </a:rPr>
-              <a:t>HttpRequestMessage</a:t>
-            </a:r>
-            <a:r>
-              <a:rPr lang="en-US" dirty="0" smtClean="0">
+              <a:t>https://tenant/site</a:t>
+            </a:r>
+            <a:r>
+              <a:rPr lang="en-US" b="1" dirty="0">
+                <a:solidFill>
+                  <a:sysClr val="windowText" lastClr="000000"/>
+                </a:solidFill>
                 <a:latin typeface="Consolas" pitchFamily="49" charset="0"/>
                 <a:cs typeface="Consolas" pitchFamily="49" charset="0"/>
               </a:rPr>
-              <a:t> </a:t>
+              <a:t>/_api/search/query?</a:t>
             </a:r>
             <a:r>
               <a:rPr lang="en-US" dirty="0">
-                <a:latin typeface="Consolas" pitchFamily="49" charset="0"/>
-                <a:cs typeface="Consolas" pitchFamily="49" charset="0"/>
-              </a:rPr>
-              <a:t>request = new </a:t>
-            </a:r>
-            <a:r>
-              <a:rPr lang="en-US" dirty="0" err="1">
-                <a:solidFill>
-                  <a:srgbClr val="0070C0"/>
-                </a:solidFill>
-                <a:latin typeface="Consolas" pitchFamily="49" charset="0"/>
-                <a:cs typeface="Consolas" pitchFamily="49" charset="0"/>
-              </a:rPr>
-              <a:t>HttpRequestMessage</a:t>
-            </a:r>
-            <a:r>
-              <a:rPr lang="en-US" dirty="0">
-                <a:solidFill>
-                  <a:srgbClr val="0070C0"/>
-                </a:solidFill>
-                <a:latin typeface="Consolas" pitchFamily="49" charset="0"/>
-                <a:cs typeface="Consolas" pitchFamily="49" charset="0"/>
-              </a:rPr>
-              <a:t>(</a:t>
-            </a:r>
-            <a:r>
-              <a:rPr lang="en-US" dirty="0" err="1">
-                <a:solidFill>
-                  <a:srgbClr val="0070C0"/>
-                </a:solidFill>
-                <a:latin typeface="Consolas" pitchFamily="49" charset="0"/>
-                <a:cs typeface="Consolas" pitchFamily="49" charset="0"/>
-              </a:rPr>
-              <a:t>HttpMethod</a:t>
-            </a:r>
-            <a:r>
-              <a:rPr lang="en-US" dirty="0" err="1">
-                <a:latin typeface="Consolas" pitchFamily="49" charset="0"/>
-                <a:cs typeface="Consolas" pitchFamily="49" charset="0"/>
-              </a:rPr>
-              <a:t>.Get</a:t>
-            </a:r>
-            <a:r>
-              <a:rPr lang="en-US" dirty="0">
-                <a:latin typeface="Consolas" pitchFamily="49" charset="0"/>
-                <a:cs typeface="Consolas" pitchFamily="49" charset="0"/>
-              </a:rPr>
-              <a:t>, </a:t>
-            </a:r>
-            <a:r>
-              <a:rPr lang="en-US" dirty="0" err="1" smtClean="0">
-                <a:latin typeface="Consolas" pitchFamily="49" charset="0"/>
-                <a:cs typeface="Consolas" pitchFamily="49" charset="0"/>
-              </a:rPr>
-              <a:t>url</a:t>
-            </a:r>
-            <a:r>
-              <a:rPr lang="en-US" dirty="0" smtClean="0">
-                <a:latin typeface="Consolas" pitchFamily="49" charset="0"/>
-                <a:cs typeface="Consolas" pitchFamily="49" charset="0"/>
-              </a:rPr>
-              <a:t>);</a:t>
-            </a:r>
-            <a:endParaRPr lang="en-US" dirty="0">
-              <a:latin typeface="Consolas" pitchFamily="49" charset="0"/>
-              <a:cs typeface="Consolas" pitchFamily="49" charset="0"/>
-            </a:endParaRPr>
-          </a:p>
-          <a:p>
-            <a:pPr defTabSz="914400" fontAlgn="base">
-              <a:lnSpc>
-                <a:spcPct val="90000"/>
-              </a:lnSpc>
-              <a:spcBef>
-                <a:spcPct val="0"/>
-              </a:spcBef>
-              <a:spcAft>
-                <a:spcPts val="494"/>
-              </a:spcAft>
-            </a:pPr>
-            <a:r>
-              <a:rPr lang="en-US" dirty="0" err="1" smtClean="0">
-                <a:latin typeface="Consolas" pitchFamily="49" charset="0"/>
-                <a:cs typeface="Consolas" pitchFamily="49" charset="0"/>
-              </a:rPr>
-              <a:t>request.Headers.Accept.Add</a:t>
-            </a:r>
-            <a:r>
-              <a:rPr lang="en-US" dirty="0" smtClean="0">
-                <a:latin typeface="Consolas" pitchFamily="49" charset="0"/>
-                <a:cs typeface="Consolas" pitchFamily="49" charset="0"/>
-              </a:rPr>
-              <a:t>(</a:t>
-            </a:r>
-            <a:r>
-              <a:rPr lang="en-US" dirty="0">
-                <a:solidFill>
-                  <a:srgbClr val="0070C0"/>
-                </a:solidFill>
-                <a:latin typeface="Consolas" pitchFamily="49" charset="0"/>
-                <a:cs typeface="Consolas" pitchFamily="49" charset="0"/>
-              </a:rPr>
-              <a:t>new</a:t>
-            </a:r>
-            <a:r>
-              <a:rPr lang="en-US" dirty="0" smtClean="0">
-                <a:latin typeface="Consolas" pitchFamily="49" charset="0"/>
-                <a:cs typeface="Consolas" pitchFamily="49" charset="0"/>
-              </a:rPr>
-              <a:t> </a:t>
-            </a:r>
-            <a:r>
-              <a:rPr lang="en-US" dirty="0" err="1">
-                <a:solidFill>
-                  <a:srgbClr val="0070C0"/>
-                </a:solidFill>
-                <a:latin typeface="Consolas" pitchFamily="49" charset="0"/>
-                <a:cs typeface="Consolas" pitchFamily="49" charset="0"/>
-              </a:rPr>
-              <a:t>MediaTypeWithQualityHeaderValue</a:t>
-            </a:r>
-            <a:r>
-              <a:rPr lang="en-US" dirty="0">
-                <a:latin typeface="Consolas" pitchFamily="49" charset="0"/>
-                <a:cs typeface="Consolas" pitchFamily="49" charset="0"/>
-              </a:rPr>
-              <a:t>(</a:t>
-            </a:r>
-            <a:r>
-              <a:rPr lang="en-US" dirty="0">
                 <a:solidFill>
                   <a:srgbClr val="C00000"/>
                 </a:solidFill>
-                <a:latin typeface="Consolas" pitchFamily="49" charset="0"/>
-                <a:cs typeface="Consolas" pitchFamily="49" charset="0"/>
-              </a:rPr>
-              <a:t>"application/xml"</a:t>
-            </a:r>
-            <a:r>
-              <a:rPr lang="en-US" dirty="0">
-                <a:latin typeface="Consolas" pitchFamily="49" charset="0"/>
-                <a:cs typeface="Consolas" pitchFamily="49" charset="0"/>
-              </a:rPr>
-              <a:t>));</a:t>
-            </a:r>
-          </a:p>
-          <a:p>
-            <a:pPr defTabSz="914400" fontAlgn="base">
-              <a:lnSpc>
-                <a:spcPct val="90000"/>
-              </a:lnSpc>
-              <a:spcBef>
-                <a:spcPct val="0"/>
-              </a:spcBef>
-              <a:spcAft>
-                <a:spcPts val="494"/>
-              </a:spcAft>
-            </a:pPr>
-            <a:r>
-              <a:rPr lang="en-US" dirty="0" err="1" smtClean="0">
-                <a:latin typeface="Consolas" pitchFamily="49" charset="0"/>
-                <a:cs typeface="Consolas" pitchFamily="49" charset="0"/>
-              </a:rPr>
-              <a:t>request.Headers.Authorization</a:t>
-            </a:r>
-            <a:r>
-              <a:rPr lang="en-US" dirty="0" smtClean="0">
-                <a:latin typeface="Consolas" pitchFamily="49" charset="0"/>
-                <a:cs typeface="Consolas" pitchFamily="49" charset="0"/>
-              </a:rPr>
-              <a:t> </a:t>
-            </a:r>
-            <a:r>
-              <a:rPr lang="en-US" dirty="0">
-                <a:latin typeface="Consolas" pitchFamily="49" charset="0"/>
-                <a:cs typeface="Consolas" pitchFamily="49" charset="0"/>
-              </a:rPr>
-              <a:t>= new </a:t>
-            </a:r>
-            <a:r>
-              <a:rPr lang="en-US" dirty="0" err="1">
-                <a:solidFill>
-                  <a:srgbClr val="0070C0"/>
-                </a:solidFill>
-                <a:latin typeface="Consolas" pitchFamily="49" charset="0"/>
-                <a:cs typeface="Consolas" pitchFamily="49" charset="0"/>
-              </a:rPr>
-              <a:t>AuthenticationHeaderValue</a:t>
-            </a:r>
-            <a:r>
-              <a:rPr lang="en-US" dirty="0">
-                <a:latin typeface="Consolas" pitchFamily="49" charset="0"/>
-                <a:cs typeface="Consolas" pitchFamily="49" charset="0"/>
-              </a:rPr>
-              <a:t>(</a:t>
-            </a:r>
-            <a:r>
-              <a:rPr lang="en-US" dirty="0">
-                <a:solidFill>
-                  <a:srgbClr val="C00000"/>
-                </a:solidFill>
-                <a:latin typeface="Consolas" pitchFamily="49" charset="0"/>
-                <a:cs typeface="Consolas" pitchFamily="49" charset="0"/>
-              </a:rPr>
-              <a:t>"Bearer"</a:t>
-            </a:r>
-            <a:r>
-              <a:rPr lang="en-US" dirty="0">
-                <a:latin typeface="Consolas" pitchFamily="49" charset="0"/>
-                <a:cs typeface="Consolas" pitchFamily="49" charset="0"/>
-              </a:rPr>
-              <a:t>, </a:t>
-            </a:r>
-            <a:r>
-              <a:rPr lang="en-US" dirty="0" err="1">
-                <a:latin typeface="Consolas" pitchFamily="49" charset="0"/>
-                <a:cs typeface="Consolas" pitchFamily="49" charset="0"/>
-              </a:rPr>
-              <a:t>accessToken</a:t>
-            </a:r>
-            <a:r>
-              <a:rPr lang="en-US" dirty="0">
-                <a:latin typeface="Consolas" pitchFamily="49" charset="0"/>
-                <a:cs typeface="Consolas" pitchFamily="49" charset="0"/>
-              </a:rPr>
-              <a:t>);</a:t>
-            </a:r>
-          </a:p>
-          <a:p>
-            <a:pPr defTabSz="914400" fontAlgn="base">
-              <a:lnSpc>
-                <a:spcPct val="90000"/>
-              </a:lnSpc>
-              <a:spcBef>
-                <a:spcPct val="0"/>
-              </a:spcBef>
+              </a:rPr>
+              <a:t>querytext='test'&amp;selectproperties='Title,Rank'</a:t>
+            </a:r>
+          </a:p>
+          <a:p>
+            <a:pPr algn="l">
               <a:spcAft>
                 <a:spcPts val="494"/>
               </a:spcAft>
             </a:pPr>
             <a:endParaRPr lang="en-US" dirty="0">
-              <a:latin typeface="Consolas" pitchFamily="49" charset="0"/>
-              <a:cs typeface="Consolas" pitchFamily="49" charset="0"/>
+              <a:solidFill>
+                <a:sysClr val="windowText" lastClr="000000"/>
+              </a:solidFill>
             </a:endParaRPr>
           </a:p>
           <a:p>
-            <a:pPr defTabSz="914400" fontAlgn="base">
-              <a:lnSpc>
-                <a:spcPct val="90000"/>
-              </a:lnSpc>
-              <a:spcBef>
-                <a:spcPct val="0"/>
-              </a:spcBef>
+            <a:pPr algn="l">
               <a:spcAft>
                 <a:spcPts val="494"/>
               </a:spcAft>
             </a:pPr>
             <a:r>
-              <a:rPr lang="en-US" dirty="0" err="1">
-                <a:solidFill>
-                  <a:srgbClr val="0070C0"/>
-                </a:solidFill>
-                <a:latin typeface="Consolas" pitchFamily="49" charset="0"/>
-                <a:cs typeface="Consolas" pitchFamily="49" charset="0"/>
-              </a:rPr>
-              <a:t>HttpResponseMessage</a:t>
-            </a:r>
-            <a:r>
-              <a:rPr lang="en-US" dirty="0" smtClean="0">
-                <a:latin typeface="Consolas" pitchFamily="49" charset="0"/>
-                <a:cs typeface="Consolas" pitchFamily="49" charset="0"/>
-              </a:rPr>
-              <a:t> </a:t>
-            </a:r>
-            <a:r>
               <a:rPr lang="en-US" dirty="0">
-                <a:latin typeface="Consolas" pitchFamily="49" charset="0"/>
-                <a:cs typeface="Consolas" pitchFamily="49" charset="0"/>
-              </a:rPr>
-              <a:t>response = </a:t>
-            </a:r>
-            <a:r>
-              <a:rPr lang="en-US" dirty="0">
-                <a:solidFill>
-                  <a:srgbClr val="0070C0"/>
-                </a:solidFill>
-                <a:latin typeface="Consolas" pitchFamily="49" charset="0"/>
-                <a:cs typeface="Consolas" pitchFamily="49" charset="0"/>
-              </a:rPr>
-              <a:t>await</a:t>
-            </a:r>
-            <a:r>
-              <a:rPr lang="en-US" dirty="0">
-                <a:latin typeface="Consolas" pitchFamily="49" charset="0"/>
-                <a:cs typeface="Consolas" pitchFamily="49" charset="0"/>
-              </a:rPr>
-              <a:t> </a:t>
-            </a:r>
-            <a:r>
-              <a:rPr lang="en-US" dirty="0" err="1">
-                <a:latin typeface="Consolas" pitchFamily="49" charset="0"/>
-                <a:cs typeface="Consolas" pitchFamily="49" charset="0"/>
-              </a:rPr>
-              <a:t>client.SendAsync</a:t>
-            </a:r>
-            <a:r>
-              <a:rPr lang="en-US" dirty="0">
-                <a:latin typeface="Consolas" pitchFamily="49" charset="0"/>
-                <a:cs typeface="Consolas" pitchFamily="49" charset="0"/>
-              </a:rPr>
-              <a:t>(request);</a:t>
-            </a:r>
-          </a:p>
-          <a:p>
-            <a:pPr defTabSz="914400" fontAlgn="base">
-              <a:lnSpc>
-                <a:spcPct val="90000"/>
-              </a:lnSpc>
-              <a:spcBef>
-                <a:spcPct val="0"/>
-              </a:spcBef>
+                <a:solidFill>
+                  <a:sysClr val="windowText" lastClr="000000"/>
+                </a:solidFill>
+              </a:rPr>
+              <a:t>Sorting</a:t>
+            </a:r>
+          </a:p>
+          <a:p>
+            <a:pPr algn="l">
               <a:spcAft>
                 <a:spcPts val="494"/>
               </a:spcAft>
             </a:pPr>
             <a:r>
-              <a:rPr lang="en-US" dirty="0">
-                <a:solidFill>
-                  <a:srgbClr val="0070C0"/>
+              <a:rPr lang="en-US" b="1" dirty="0" smtClean="0">
+                <a:solidFill>
+                  <a:sysClr val="windowText" lastClr="000000"/>
                 </a:solidFill>
                 <a:latin typeface="Consolas" pitchFamily="49" charset="0"/>
                 <a:cs typeface="Consolas" pitchFamily="49" charset="0"/>
               </a:rPr>
-              <a:t>string</a:t>
-            </a:r>
-            <a:r>
-              <a:rPr lang="en-US" dirty="0" smtClean="0">
+              <a:t>https://tenant/site</a:t>
+            </a:r>
+            <a:r>
+              <a:rPr lang="en-US" b="1" dirty="0">
+                <a:solidFill>
+                  <a:sysClr val="windowText" lastClr="000000"/>
+                </a:solidFill>
                 <a:latin typeface="Consolas" pitchFamily="49" charset="0"/>
                 <a:cs typeface="Consolas" pitchFamily="49" charset="0"/>
               </a:rPr>
-              <a:t> </a:t>
-            </a:r>
-            <a:r>
-              <a:rPr lang="en-US" dirty="0" err="1">
+              <a:t>/_api/search/query?</a:t>
+            </a:r>
+            <a:r>
+              <a:rPr lang="en-US" dirty="0">
+                <a:solidFill>
+                  <a:srgbClr val="C00000"/>
+                </a:solidFill>
                 <a:latin typeface="Consolas" pitchFamily="49" charset="0"/>
                 <a:cs typeface="Consolas" pitchFamily="49" charset="0"/>
               </a:rPr>
-              <a:t>responseString</a:t>
-            </a:r>
-            <a:r>
-              <a:rPr lang="en-US" dirty="0">
-                <a:latin typeface="Consolas" pitchFamily="49" charset="0"/>
-                <a:cs typeface="Consolas" pitchFamily="49" charset="0"/>
-              </a:rPr>
-              <a:t> = </a:t>
-            </a:r>
-            <a:r>
-              <a:rPr lang="en-US" dirty="0">
-                <a:solidFill>
-                  <a:srgbClr val="0070C0"/>
-                </a:solidFill>
-                <a:latin typeface="Consolas" pitchFamily="49" charset="0"/>
-                <a:cs typeface="Consolas" pitchFamily="49" charset="0"/>
-              </a:rPr>
-              <a:t>await</a:t>
-            </a:r>
-            <a:r>
-              <a:rPr lang="en-US" dirty="0">
-                <a:latin typeface="Consolas" pitchFamily="49" charset="0"/>
-                <a:cs typeface="Consolas" pitchFamily="49" charset="0"/>
-              </a:rPr>
-              <a:t> </a:t>
-            </a:r>
-            <a:r>
-              <a:rPr lang="en-US" dirty="0" err="1">
-                <a:latin typeface="Consolas" pitchFamily="49" charset="0"/>
-                <a:cs typeface="Consolas" pitchFamily="49" charset="0"/>
-              </a:rPr>
-              <a:t>response.Content.ReadAsStringAsync</a:t>
-            </a:r>
-            <a:r>
-              <a:rPr lang="en-US" dirty="0" smtClean="0">
-                <a:latin typeface="Consolas" pitchFamily="49" charset="0"/>
-                <a:cs typeface="Consolas" pitchFamily="49" charset="0"/>
-              </a:rPr>
-              <a:t>();</a:t>
-            </a:r>
+              <a:t>querytext='test'&amp;sortlist='LastModifiedTime:descending'</a:t>
+            </a:r>
+          </a:p>
+          <a:p>
+            <a:pPr algn="l">
+              <a:spcAft>
+                <a:spcPts val="494"/>
+              </a:spcAft>
+            </a:pPr>
+            <a:endParaRPr lang="en-US" sz="1600" dirty="0" err="1">
+              <a:solidFill>
+                <a:sysClr val="windowText" lastClr="000000"/>
+              </a:solidFill>
+            </a:endParaRPr>
           </a:p>
         </p:txBody>
       </p:sp>
     </p:spTree>
     <p:extLst>
       <p:ext uri="{BB962C8B-B14F-4D97-AF65-F5344CB8AC3E}">
-        <p14:creationId xmlns:p14="http://schemas.microsoft.com/office/powerpoint/2010/main" val="225133482"/>
+        <p14:creationId xmlns:p14="http://schemas.microsoft.com/office/powerpoint/2010/main" val="334862377"/>
       </p:ext>
     </p:extLst>
   </p:cSld>
@@ -15987,7 +14261,7 @@
                 <a:gridCol w="11225057">
                   <a:extLst>
                     <a:ext uri="{9D8B030D-6E8A-4147-A177-3AD203B41FA5}">
-                      <a16:colId xmlns:a16="http://schemas.microsoft.com/office/drawing/2014/main" xmlns="" val="1253488153"/>
+                      <a16:colId xmlns="" xmlns:a16="http://schemas.microsoft.com/office/drawing/2014/main" val="1253488153"/>
                     </a:ext>
                   </a:extLst>
                 </a:gridCol>
@@ -16009,7 +14283,7 @@
                 </a:tc>
                 <a:extLst>
                   <a:ext uri="{0D108BD9-81ED-4DB2-BD59-A6C34878D82A}">
-                    <a16:rowId xmlns:a16="http://schemas.microsoft.com/office/drawing/2014/main" xmlns="" val="829859176"/>
+                    <a16:rowId xmlns="" xmlns:a16="http://schemas.microsoft.com/office/drawing/2014/main" val="829859176"/>
                   </a:ext>
                 </a:extLst>
               </a:tr>
@@ -16030,7 +14304,7 @@
                 </a:tc>
                 <a:extLst>
                   <a:ext uri="{0D108BD9-81ED-4DB2-BD59-A6C34878D82A}">
-                    <a16:rowId xmlns:a16="http://schemas.microsoft.com/office/drawing/2014/main" xmlns="" val="1946132611"/>
+                    <a16:rowId xmlns="" xmlns:a16="http://schemas.microsoft.com/office/drawing/2014/main" val="1946132611"/>
                   </a:ext>
                 </a:extLst>
               </a:tr>
@@ -16067,7 +14341,7 @@
                 </a:tc>
                 <a:extLst>
                   <a:ext uri="{0D108BD9-81ED-4DB2-BD59-A6C34878D82A}">
-                    <a16:rowId xmlns:a16="http://schemas.microsoft.com/office/drawing/2014/main" xmlns="" val="3204002662"/>
+                    <a16:rowId xmlns="" xmlns:a16="http://schemas.microsoft.com/office/drawing/2014/main" val="3204002662"/>
                   </a:ext>
                 </a:extLst>
               </a:tr>
@@ -16108,7 +14382,7 @@
                 </a:tc>
                 <a:extLst>
                   <a:ext uri="{0D108BD9-81ED-4DB2-BD59-A6C34878D82A}">
-                    <a16:rowId xmlns:a16="http://schemas.microsoft.com/office/drawing/2014/main" xmlns="" val="4266278162"/>
+                    <a16:rowId xmlns="" xmlns:a16="http://schemas.microsoft.com/office/drawing/2014/main" val="4266278162"/>
                   </a:ext>
                 </a:extLst>
               </a:tr>
@@ -16339,7 +14613,7 @@
           <a:p>
             <a:r>
               <a:rPr lang="en-US" dirty="0" smtClean="0"/>
-              <a:t>C# and CSOM</a:t>
+              <a:t>JavaScript and REST</a:t>
             </a:r>
             <a:endParaRPr lang="en-US" dirty="0"/>
           </a:p>
@@ -16377,8 +14651,8 @@
         </p:nvSpPr>
         <p:spPr>
           <a:xfrm>
-            <a:off x="380999" y="1599453"/>
-            <a:ext cx="11287125" cy="3313386"/>
+            <a:off x="801043" y="1428750"/>
+            <a:ext cx="7775743" cy="3940225"/>
           </a:xfrm>
           <a:prstGeom prst="rect">
             <a:avLst/>
@@ -16386,7 +14660,7 @@
           <a:noFill/>
         </p:spPr>
         <p:txBody>
-          <a:bodyPr wrap="square" lIns="150602" tIns="120481" rIns="150602" bIns="120481" rtlCol="0">
+          <a:bodyPr wrap="none" lIns="150602" tIns="120481" rIns="150602" bIns="120481" rtlCol="0">
             <a:spAutoFit/>
           </a:bodyPr>
           <a:lstStyle/>
@@ -16403,49 +14677,34 @@
               </a:spcAft>
             </a:pPr>
             <a:r>
-              <a:rPr lang="en-US" dirty="0" err="1" smtClean="0">
-                <a:solidFill>
-                  <a:srgbClr val="0070C0"/>
+              <a:rPr lang="en-US" dirty="0">
+                <a:solidFill>
+                  <a:sysClr val="windowText" lastClr="000000"/>
                 </a:solidFill>
                 <a:latin typeface="Consolas" pitchFamily="49" charset="0"/>
                 <a:cs typeface="Consolas" pitchFamily="49" charset="0"/>
               </a:rPr>
-              <a:t>var</a:t>
-            </a:r>
-            <a:r>
-              <a:rPr lang="en-US" dirty="0" smtClean="0">
+              <a:t>$.</a:t>
+            </a:r>
+            <a:r>
+              <a:rPr lang="en-US" dirty="0" err="1">
+                <a:solidFill>
+                  <a:sysClr val="windowText" lastClr="000000"/>
+                </a:solidFill>
                 <a:latin typeface="Consolas" pitchFamily="49" charset="0"/>
                 <a:cs typeface="Consolas" pitchFamily="49" charset="0"/>
               </a:rPr>
-              <a:t> </a:t>
-            </a:r>
-            <a:r>
-              <a:rPr lang="en-US" dirty="0" err="1">
+              <a:t>ajax</a:t>
+            </a:r>
+            <a:r>
+              <a:rPr lang="en-US" dirty="0">
+                <a:solidFill>
+                  <a:sysClr val="windowText" lastClr="000000"/>
+                </a:solidFill>
                 <a:latin typeface="Consolas" pitchFamily="49" charset="0"/>
                 <a:cs typeface="Consolas" pitchFamily="49" charset="0"/>
               </a:rPr>
-              <a:t>spContext</a:t>
-            </a:r>
-            <a:r>
-              <a:rPr lang="en-US" dirty="0">
-                <a:latin typeface="Consolas" pitchFamily="49" charset="0"/>
-                <a:cs typeface="Consolas" pitchFamily="49" charset="0"/>
-              </a:rPr>
-              <a:t> = </a:t>
-            </a:r>
-            <a:r>
-              <a:rPr lang="en-US" dirty="0" err="1">
-                <a:latin typeface="Consolas" pitchFamily="49" charset="0"/>
-                <a:cs typeface="Consolas" pitchFamily="49" charset="0"/>
-              </a:rPr>
-              <a:t>SharePointContextProvider.Current.GetSharePointContext</a:t>
-            </a:r>
-            <a:r>
-              <a:rPr lang="en-US" dirty="0">
-                <a:latin typeface="Consolas" pitchFamily="49" charset="0"/>
-                <a:cs typeface="Consolas" pitchFamily="49" charset="0"/>
-              </a:rPr>
-              <a:t>(Context);</a:t>
+              <a:t>(</a:t>
             </a:r>
           </a:p>
           <a:p>
@@ -16460,10 +14719,16 @@
                 <a:spcPts val="494"/>
               </a:spcAft>
             </a:pPr>
-            <a:endParaRPr lang="en-US" dirty="0">
-              <a:latin typeface="Consolas" pitchFamily="49" charset="0"/>
-              <a:cs typeface="Consolas" pitchFamily="49" charset="0"/>
-            </a:endParaRPr>
+            <a:r>
+              <a:rPr lang="en-US" dirty="0">
+                <a:solidFill>
+                  <a:sysClr val="windowText" lastClr="000000"/>
+                </a:solidFill>
+                <a:latin typeface="Consolas" pitchFamily="49" charset="0"/>
+                <a:cs typeface="Consolas" pitchFamily="49" charset="0"/>
+              </a:rPr>
+              <a:t>        {</a:t>
+            </a:r>
           </a:p>
           <a:p>
             <a:pPr defTabSz="914400" fontAlgn="base">
@@ -16480,71 +14745,52 @@
             <a:r>
               <a:rPr lang="en-US" dirty="0">
                 <a:solidFill>
-                  <a:srgbClr val="0070C0"/>
+                  <a:sysClr val="windowText" lastClr="000000"/>
                 </a:solidFill>
                 <a:latin typeface="Consolas" pitchFamily="49" charset="0"/>
                 <a:cs typeface="Consolas" pitchFamily="49" charset="0"/>
               </a:rPr>
-              <a:t>using</a:t>
+              <a:t>            url: </a:t>
             </a:r>
             <a:r>
               <a:rPr lang="en-US" dirty="0" smtClean="0">
+                <a:solidFill>
+                  <a:srgbClr val="C00000"/>
+                </a:solidFill>
                 <a:latin typeface="Consolas" pitchFamily="49" charset="0"/>
                 <a:cs typeface="Consolas" pitchFamily="49" charset="0"/>
               </a:rPr>
-              <a:t> </a:t>
-            </a:r>
-            <a:r>
-              <a:rPr lang="en-US" dirty="0">
+              <a:t>"</a:t>
+            </a:r>
+            <a:r>
+              <a:rPr lang="pt-BR" dirty="0" smtClean="0">
+                <a:solidFill>
+                  <a:srgbClr val="C00000"/>
+                </a:solidFill>
                 <a:latin typeface="Consolas" pitchFamily="49" charset="0"/>
                 <a:cs typeface="Consolas" pitchFamily="49" charset="0"/>
               </a:rPr>
-              <a:t>(</a:t>
-            </a:r>
-            <a:r>
-              <a:rPr lang="en-US" dirty="0" err="1">
-                <a:solidFill>
-                  <a:srgbClr val="0070C0"/>
+              <a:t>http://site</a:t>
+            </a:r>
+            <a:r>
+              <a:rPr lang="pt-BR" dirty="0">
+                <a:solidFill>
+                  <a:srgbClr val="C00000"/>
                 </a:solidFill>
                 <a:latin typeface="Consolas" pitchFamily="49" charset="0"/>
                 <a:cs typeface="Consolas" pitchFamily="49" charset="0"/>
               </a:rPr>
-              <a:t>var</a:t>
-            </a:r>
-            <a:r>
-              <a:rPr lang="en-US" dirty="0">
+              <a:t>/_api/search</a:t>
+            </a:r>
+            <a:r>
+              <a:rPr lang="pt-BR" dirty="0" smtClean="0">
+                <a:solidFill>
+                  <a:srgbClr val="C00000"/>
+                </a:solidFill>
                 <a:latin typeface="Consolas" pitchFamily="49" charset="0"/>
                 <a:cs typeface="Consolas" pitchFamily="49" charset="0"/>
               </a:rPr>
-              <a:t> </a:t>
-            </a:r>
-            <a:r>
-              <a:rPr lang="en-US" dirty="0" err="1" smtClean="0">
-                <a:latin typeface="Consolas" pitchFamily="49" charset="0"/>
-                <a:cs typeface="Consolas" pitchFamily="49" charset="0"/>
-              </a:rPr>
-              <a:t>cctx</a:t>
-            </a:r>
-            <a:r>
-              <a:rPr lang="en-US" dirty="0" smtClean="0">
-                <a:latin typeface="Consolas" pitchFamily="49" charset="0"/>
-                <a:cs typeface="Consolas" pitchFamily="49" charset="0"/>
-              </a:rPr>
-              <a:t> = </a:t>
-            </a:r>
-            <a:r>
-              <a:rPr lang="en-US" dirty="0" err="1">
-                <a:latin typeface="Consolas" pitchFamily="49" charset="0"/>
-                <a:cs typeface="Consolas" pitchFamily="49" charset="0"/>
-              </a:rPr>
-              <a:t>spContext.CreateUserClientContextForSPHost</a:t>
-            </a:r>
-            <a:r>
-              <a:rPr lang="en-US" dirty="0">
-                <a:latin typeface="Consolas" pitchFamily="49" charset="0"/>
-                <a:cs typeface="Consolas" pitchFamily="49" charset="0"/>
-              </a:rPr>
-              <a:t>())</a:t>
+              <a:t>/" +</a:t>
             </a:r>
           </a:p>
           <a:p>
@@ -16560,13 +14806,59 @@
               </a:spcAft>
             </a:pPr>
             <a:r>
-              <a:rPr lang="en-US" dirty="0" smtClean="0">
+              <a:rPr lang="pt-BR" dirty="0">
+                <a:solidFill>
+                  <a:srgbClr val="C00000"/>
+                </a:solidFill>
                 <a:latin typeface="Consolas" pitchFamily="49" charset="0"/>
                 <a:cs typeface="Consolas" pitchFamily="49" charset="0"/>
               </a:rPr>
-              <a:t>{</a:t>
+              <a:t> </a:t>
+            </a:r>
+            <a:r>
+              <a:rPr lang="pt-BR" dirty="0" smtClean="0">
+                <a:solidFill>
+                  <a:srgbClr val="C00000"/>
+                </a:solidFill>
+                <a:latin typeface="Consolas" pitchFamily="49" charset="0"/>
+                <a:cs typeface="Consolas" pitchFamily="49" charset="0"/>
+              </a:rPr>
+              <a:t>                "query?querytext</a:t>
+            </a:r>
+            <a:r>
+              <a:rPr lang="pt-BR" dirty="0">
+                <a:solidFill>
+                  <a:srgbClr val="C00000"/>
+                </a:solidFill>
+                <a:latin typeface="Consolas" pitchFamily="49" charset="0"/>
+                <a:cs typeface="Consolas" pitchFamily="49" charset="0"/>
+              </a:rPr>
+              <a:t>='{KQL Query</a:t>
+            </a:r>
+            <a:r>
+              <a:rPr lang="pt-BR" dirty="0" smtClean="0">
+                <a:solidFill>
+                  <a:srgbClr val="C00000"/>
+                </a:solidFill>
+                <a:latin typeface="Consolas" pitchFamily="49" charset="0"/>
+                <a:cs typeface="Consolas" pitchFamily="49" charset="0"/>
+              </a:rPr>
+              <a:t>}‘"</a:t>
+            </a:r>
+            <a:r>
+              <a:rPr lang="en-US" dirty="0" smtClean="0">
+                <a:solidFill>
+                  <a:sysClr val="windowText" lastClr="000000"/>
+                </a:solidFill>
+                <a:latin typeface="Consolas" pitchFamily="49" charset="0"/>
+                <a:cs typeface="Consolas" pitchFamily="49" charset="0"/>
+              </a:rPr>
+              <a:t>,</a:t>
             </a:r>
             <a:endParaRPr lang="en-US" dirty="0">
+              <a:solidFill>
+                <a:sysClr val="windowText" lastClr="000000"/>
+              </a:solidFill>
               <a:latin typeface="Consolas" pitchFamily="49" charset="0"/>
               <a:cs typeface="Consolas" pitchFamily="49" charset="0"/>
             </a:endParaRPr>
@@ -16584,84 +14876,34 @@
               </a:spcAft>
             </a:pPr>
             <a:r>
-              <a:rPr lang="en-US" dirty="0" smtClean="0">
-                <a:solidFill>
-                  <a:srgbClr val="0070C0"/>
+              <a:rPr lang="en-US" dirty="0">
+                <a:solidFill>
+                  <a:sysClr val="windowText" lastClr="000000"/>
                 </a:solidFill>
                 <a:latin typeface="Consolas" pitchFamily="49" charset="0"/>
                 <a:cs typeface="Consolas" pitchFamily="49" charset="0"/>
               </a:rPr>
-              <a:t>    </a:t>
-            </a:r>
-            <a:r>
-              <a:rPr lang="en-US" dirty="0" err="1" smtClean="0">
-                <a:solidFill>
-                  <a:srgbClr val="0070C0"/>
+              <a:t>            method: </a:t>
+            </a:r>
+            <a:r>
+              <a:rPr lang="en-US" dirty="0">
+                <a:solidFill>
+                  <a:srgbClr val="C00000"/>
                 </a:solidFill>
                 <a:latin typeface="Consolas" pitchFamily="49" charset="0"/>
                 <a:cs typeface="Consolas" pitchFamily="49" charset="0"/>
               </a:rPr>
-              <a:t>KeywordQuery</a:t>
-            </a:r>
-            <a:r>
-              <a:rPr lang="en-US" dirty="0" smtClean="0">
-                <a:solidFill>
-                  <a:srgbClr val="0070C0"/>
+              <a:t>"GET"</a:t>
+            </a:r>
+            <a:r>
+              <a:rPr lang="en-US" dirty="0">
+                <a:solidFill>
+                  <a:sysClr val="windowText" lastClr="000000"/>
                 </a:solidFill>
                 <a:latin typeface="Consolas" pitchFamily="49" charset="0"/>
                 <a:cs typeface="Consolas" pitchFamily="49" charset="0"/>
               </a:rPr>
-              <a:t> </a:t>
-            </a:r>
-            <a:r>
-              <a:rPr lang="en-US" dirty="0">
-                <a:solidFill>
-                  <a:sysClr val="windowText" lastClr="000000"/>
-                </a:solidFill>
-                <a:latin typeface="Consolas" pitchFamily="49" charset="0"/>
-                <a:cs typeface="Consolas" pitchFamily="49" charset="0"/>
-              </a:rPr>
-              <a:t>query = new </a:t>
-            </a:r>
-            <a:r>
-              <a:rPr lang="en-US" dirty="0" err="1">
-                <a:solidFill>
-                  <a:srgbClr val="0070C0"/>
-                </a:solidFill>
-                <a:latin typeface="Consolas" pitchFamily="49" charset="0"/>
-                <a:cs typeface="Consolas" pitchFamily="49" charset="0"/>
-              </a:rPr>
-              <a:t>KeywordQuery</a:t>
-            </a:r>
-            <a:r>
-              <a:rPr lang="en-US" dirty="0">
-                <a:solidFill>
-                  <a:sysClr val="windowText" lastClr="000000"/>
-                </a:solidFill>
-                <a:latin typeface="Consolas" pitchFamily="49" charset="0"/>
-                <a:cs typeface="Consolas" pitchFamily="49" charset="0"/>
-              </a:rPr>
-              <a:t>(</a:t>
-            </a:r>
-            <a:r>
-              <a:rPr lang="en-US" dirty="0" err="1">
-                <a:solidFill>
-                  <a:sysClr val="windowText" lastClr="000000"/>
-                </a:solidFill>
-                <a:latin typeface="Consolas" pitchFamily="49" charset="0"/>
-                <a:cs typeface="Consolas" pitchFamily="49" charset="0"/>
-              </a:rPr>
-              <a:t>cctx</a:t>
-            </a:r>
-            <a:r>
-              <a:rPr lang="en-US" dirty="0">
-                <a:solidFill>
-                  <a:sysClr val="windowText" lastClr="000000"/>
-                </a:solidFill>
-                <a:latin typeface="Consolas" pitchFamily="49" charset="0"/>
-                <a:cs typeface="Consolas" pitchFamily="49" charset="0"/>
-              </a:rPr>
-              <a:t>);</a:t>
+              <a:t>,</a:t>
             </a:r>
           </a:p>
           <a:p>
@@ -16677,82 +14919,15 @@
               </a:spcAft>
             </a:pPr>
             <a:r>
-              <a:rPr lang="en-US" dirty="0" smtClean="0">
+              <a:rPr lang="en-US" dirty="0">
                 <a:solidFill>
                   <a:sysClr val="windowText" lastClr="000000"/>
                 </a:solidFill>
                 <a:latin typeface="Consolas" pitchFamily="49" charset="0"/>
                 <a:cs typeface="Consolas" pitchFamily="49" charset="0"/>
               </a:rPr>
-              <a:t>    </a:t>
-            </a:r>
-            <a:r>
-              <a:rPr lang="en-US" dirty="0" err="1" smtClean="0">
-                <a:solidFill>
-                  <a:sysClr val="windowText" lastClr="000000"/>
-                </a:solidFill>
-                <a:latin typeface="Consolas" pitchFamily="49" charset="0"/>
-                <a:cs typeface="Consolas" pitchFamily="49" charset="0"/>
-              </a:rPr>
-              <a:t>query.QueryText</a:t>
-            </a:r>
-            <a:r>
-              <a:rPr lang="en-US" dirty="0" smtClean="0">
-                <a:solidFill>
-                  <a:sysClr val="windowText" lastClr="000000"/>
-                </a:solidFill>
-                <a:latin typeface="Consolas" pitchFamily="49" charset="0"/>
-                <a:cs typeface="Consolas" pitchFamily="49" charset="0"/>
-              </a:rPr>
-              <a:t> </a:t>
-            </a:r>
-            <a:r>
-              <a:rPr lang="en-US" dirty="0">
-                <a:solidFill>
-                  <a:sysClr val="windowText" lastClr="000000"/>
-                </a:solidFill>
-                <a:latin typeface="Consolas" pitchFamily="49" charset="0"/>
-                <a:cs typeface="Consolas" pitchFamily="49" charset="0"/>
-              </a:rPr>
-              <a:t>= </a:t>
-            </a:r>
-            <a:r>
-              <a:rPr lang="en-US" dirty="0">
-                <a:solidFill>
-                  <a:srgbClr val="C00000"/>
-                </a:solidFill>
-                <a:latin typeface="Consolas" pitchFamily="49" charset="0"/>
-                <a:cs typeface="Consolas" pitchFamily="49" charset="0"/>
-              </a:rPr>
-              <a:t>"{KQL</a:t>
-            </a:r>
-            <a:r>
-              <a:rPr lang="en-US" dirty="0" smtClean="0">
-                <a:solidFill>
-                  <a:srgbClr val="C00000"/>
-                </a:solidFill>
-                <a:latin typeface="Consolas" pitchFamily="49" charset="0"/>
-                <a:cs typeface="Consolas" pitchFamily="49" charset="0"/>
-              </a:rPr>
-              <a:t>}"</a:t>
-            </a:r>
-            <a:r>
-              <a:rPr lang="en-US" dirty="0" smtClean="0">
-                <a:solidFill>
-                  <a:sysClr val="windowText" lastClr="000000"/>
-                </a:solidFill>
-                <a:latin typeface="Consolas" pitchFamily="49" charset="0"/>
-                <a:cs typeface="Consolas" pitchFamily="49" charset="0"/>
-              </a:rPr>
-              <a:t>;</a:t>
-            </a:r>
-            <a:endParaRPr lang="en-US" dirty="0">
-              <a:solidFill>
-                <a:sysClr val="windowText" lastClr="000000"/>
-              </a:solidFill>
-              <a:latin typeface="Consolas" pitchFamily="49" charset="0"/>
-              <a:cs typeface="Consolas" pitchFamily="49" charset="0"/>
-            </a:endParaRPr>
+              <a:t>            headers: {</a:t>
+            </a:r>
           </a:p>
           <a:p>
             <a:pPr defTabSz="914400" fontAlgn="base">
@@ -16767,84 +14942,74 @@
               </a:spcAft>
             </a:pPr>
             <a:r>
-              <a:rPr lang="en-US" dirty="0" smtClean="0">
-                <a:solidFill>
-                  <a:srgbClr val="0070C0"/>
+              <a:rPr lang="en-US" dirty="0">
+                <a:solidFill>
+                  <a:sysClr val="windowText" lastClr="000000"/>
                 </a:solidFill>
                 <a:latin typeface="Consolas" pitchFamily="49" charset="0"/>
                 <a:cs typeface="Consolas" pitchFamily="49" charset="0"/>
               </a:rPr>
-              <a:t>    </a:t>
-            </a:r>
-            <a:r>
-              <a:rPr lang="en-US" dirty="0" err="1" smtClean="0">
-                <a:solidFill>
-                  <a:srgbClr val="0070C0"/>
+              <a:t>                </a:t>
+            </a:r>
+            <a:r>
+              <a:rPr lang="en-US" dirty="0">
+                <a:solidFill>
+                  <a:srgbClr val="C00000"/>
                 </a:solidFill>
                 <a:latin typeface="Consolas" pitchFamily="49" charset="0"/>
                 <a:cs typeface="Consolas" pitchFamily="49" charset="0"/>
               </a:rPr>
-              <a:t>SearchExecutor</a:t>
-            </a:r>
-            <a:r>
-              <a:rPr lang="en-US" dirty="0" smtClean="0">
+              <a:t>"accept"</a:t>
+            </a:r>
+            <a:r>
+              <a:rPr lang="en-US" dirty="0">
                 <a:solidFill>
                   <a:sysClr val="windowText" lastClr="000000"/>
                 </a:solidFill>
                 <a:latin typeface="Consolas" pitchFamily="49" charset="0"/>
                 <a:cs typeface="Consolas" pitchFamily="49" charset="0"/>
               </a:rPr>
-              <a:t> </a:t>
+              <a:t>: </a:t>
             </a:r>
             <a:r>
               <a:rPr lang="en-US" dirty="0">
                 <a:solidFill>
-                  <a:sysClr val="windowText" lastClr="000000"/>
+                  <a:srgbClr val="C00000"/>
                 </a:solidFill>
                 <a:latin typeface="Consolas" pitchFamily="49" charset="0"/>
                 <a:cs typeface="Consolas" pitchFamily="49" charset="0"/>
               </a:rPr>
-              <a:t>executor = new </a:t>
+              <a:t>"application/</a:t>
             </a:r>
             <a:r>
               <a:rPr lang="en-US" dirty="0" err="1">
                 <a:solidFill>
-                  <a:srgbClr val="0070C0"/>
+                  <a:srgbClr val="C00000"/>
                 </a:solidFill>
                 <a:latin typeface="Consolas" pitchFamily="49" charset="0"/>
                 <a:cs typeface="Consolas" pitchFamily="49" charset="0"/>
               </a:rPr>
-              <a:t>SearchExecutor</a:t>
+              <a:t>json;odata</a:t>
             </a:r>
             <a:r>
               <a:rPr lang="en-US" dirty="0">
                 <a:solidFill>
-                  <a:sysClr val="windowText" lastClr="000000"/>
+                  <a:srgbClr val="C00000"/>
                 </a:solidFill>
                 <a:latin typeface="Consolas" pitchFamily="49" charset="0"/>
                 <a:cs typeface="Consolas" pitchFamily="49" charset="0"/>
               </a:rPr>
-              <a:t>(</a:t>
-            </a:r>
-            <a:r>
-              <a:rPr lang="en-US" dirty="0" err="1">
+              <a:t>=verbose"</a:t>
+            </a:r>
+            <a:r>
+              <a:rPr lang="en-US" dirty="0">
                 <a:solidFill>
                   <a:sysClr val="windowText" lastClr="000000"/>
                 </a:solidFill>
                 <a:latin typeface="Consolas" pitchFamily="49" charset="0"/>
                 <a:cs typeface="Consolas" pitchFamily="49" charset="0"/>
               </a:rPr>
-              <a:t>cctx</a:t>
-            </a:r>
-            <a:r>
-              <a:rPr lang="en-US" dirty="0">
-                <a:solidFill>
-                  <a:sysClr val="windowText" lastClr="000000"/>
-                </a:solidFill>
-                <a:latin typeface="Consolas" pitchFamily="49" charset="0"/>
-                <a:cs typeface="Consolas" pitchFamily="49" charset="0"/>
-              </a:rPr>
-              <a:t>);</a:t>
+              <a:t>,</a:t>
             </a:r>
           </a:p>
           <a:p>
@@ -16860,74 +15025,14 @@
               </a:spcAft>
             </a:pPr>
             <a:r>
-              <a:rPr lang="en-US" dirty="0" smtClean="0">
-                <a:solidFill>
-                  <a:srgbClr val="0070C0"/>
+              <a:rPr lang="en-US" dirty="0">
+                <a:solidFill>
+                  <a:sysClr val="windowText" lastClr="000000"/>
                 </a:solidFill>
                 <a:latin typeface="Consolas" pitchFamily="49" charset="0"/>
                 <a:cs typeface="Consolas" pitchFamily="49" charset="0"/>
               </a:rPr>
-              <a:t>    </a:t>
-            </a:r>
-            <a:r>
-              <a:rPr lang="en-US" dirty="0" err="1" smtClean="0">
-                <a:solidFill>
-                  <a:srgbClr val="0070C0"/>
-                </a:solidFill>
-                <a:latin typeface="Consolas" pitchFamily="49" charset="0"/>
-                <a:cs typeface="Consolas" pitchFamily="49" charset="0"/>
-              </a:rPr>
-              <a:t>ClientResult</a:t>
-            </a:r>
-            <a:r>
-              <a:rPr lang="en-US" dirty="0" smtClean="0">
-                <a:solidFill>
-                  <a:sysClr val="windowText" lastClr="000000"/>
-                </a:solidFill>
-                <a:latin typeface="Consolas" pitchFamily="49" charset="0"/>
-                <a:cs typeface="Consolas" pitchFamily="49" charset="0"/>
-              </a:rPr>
-              <a:t>&lt;</a:t>
-            </a:r>
-            <a:r>
-              <a:rPr lang="en-US" dirty="0" err="1" smtClean="0">
-                <a:solidFill>
-                  <a:srgbClr val="0070C0"/>
-                </a:solidFill>
-                <a:latin typeface="Consolas" pitchFamily="49" charset="0"/>
-                <a:cs typeface="Consolas" pitchFamily="49" charset="0"/>
-              </a:rPr>
-              <a:t>ResultTableCollection</a:t>
-            </a:r>
-            <a:r>
-              <a:rPr lang="en-US" dirty="0">
-                <a:solidFill>
-                  <a:sysClr val="windowText" lastClr="000000"/>
-                </a:solidFill>
-                <a:latin typeface="Consolas" pitchFamily="49" charset="0"/>
-                <a:cs typeface="Consolas" pitchFamily="49" charset="0"/>
-              </a:rPr>
-              <a:t>&gt; results = </a:t>
-            </a:r>
-            <a:r>
-              <a:rPr lang="en-US" dirty="0" err="1">
-                <a:solidFill>
-                  <a:sysClr val="windowText" lastClr="000000"/>
-                </a:solidFill>
-                <a:latin typeface="Consolas" pitchFamily="49" charset="0"/>
-                <a:cs typeface="Consolas" pitchFamily="49" charset="0"/>
-              </a:rPr>
-              <a:t>executor.ExecuteQuery</a:t>
-            </a:r>
-            <a:r>
-              <a:rPr lang="en-US" dirty="0">
-                <a:solidFill>
-                  <a:sysClr val="windowText" lastClr="000000"/>
-                </a:solidFill>
-                <a:latin typeface="Consolas" pitchFamily="49" charset="0"/>
-                <a:cs typeface="Consolas" pitchFamily="49" charset="0"/>
-              </a:rPr>
-              <a:t>(query);</a:t>
+              <a:t>            },</a:t>
             </a:r>
           </a:p>
           <a:p>
@@ -16943,14 +15048,14 @@
               </a:spcAft>
             </a:pPr>
             <a:r>
-              <a:rPr lang="en-US" dirty="0" smtClean="0">
+              <a:rPr lang="en-US" dirty="0">
                 <a:solidFill>
                   <a:sysClr val="windowText" lastClr="000000"/>
                 </a:solidFill>
                 <a:latin typeface="Consolas" pitchFamily="49" charset="0"/>
                 <a:cs typeface="Consolas" pitchFamily="49" charset="0"/>
               </a:rPr>
-              <a:t>    </a:t>
+              <a:t>            success: </a:t>
             </a:r>
             <a:r>
               <a:rPr lang="en-US" dirty="0" err="1" smtClean="0">
@@ -16960,7 +15065,7 @@
                 <a:latin typeface="Consolas" pitchFamily="49" charset="0"/>
                 <a:cs typeface="Consolas" pitchFamily="49" charset="0"/>
               </a:rPr>
-              <a:t>cctx.ExecuteQuery</a:t>
+              <a:t>onSuccess</a:t>
             </a:r>
             <a:r>
               <a:rPr lang="en-US" dirty="0">
@@ -16970,7 +15075,7 @@
                 <a:latin typeface="Consolas" pitchFamily="49" charset="0"/>
                 <a:cs typeface="Consolas" pitchFamily="49" charset="0"/>
               </a:rPr>
-              <a:t>();</a:t>
+              <a:t>,</a:t>
             </a:r>
           </a:p>
           <a:p>
@@ -16986,11 +15091,77 @@
               </a:spcAft>
             </a:pPr>
             <a:r>
-              <a:rPr lang="en-US" dirty="0" smtClean="0">
+              <a:rPr lang="en-US" dirty="0">
+                <a:solidFill>
+                  <a:sysClr val="windowText" lastClr="000000"/>
+                </a:solidFill>
                 <a:latin typeface="Consolas" pitchFamily="49" charset="0"/>
                 <a:cs typeface="Consolas" pitchFamily="49" charset="0"/>
               </a:rPr>
-              <a:t>}</a:t>
+              <a:t>            error: </a:t>
+            </a:r>
+            <a:r>
+              <a:rPr lang="en-US" dirty="0" err="1" smtClean="0">
+                <a:solidFill>
+                  <a:sysClr val="windowText" lastClr="000000"/>
+                </a:solidFill>
+                <a:latin typeface="Consolas" pitchFamily="49" charset="0"/>
+                <a:cs typeface="Consolas" pitchFamily="49" charset="0"/>
+              </a:rPr>
+              <a:t>onError</a:t>
+            </a:r>
+            <a:endParaRPr lang="en-US" dirty="0">
+              <a:solidFill>
+                <a:sysClr val="windowText" lastClr="000000"/>
+              </a:solidFill>
+              <a:latin typeface="Consolas" pitchFamily="49" charset="0"/>
+              <a:cs typeface="Consolas" pitchFamily="49" charset="0"/>
+            </a:endParaRPr>
+          </a:p>
+          <a:p>
+            <a:pPr defTabSz="914400" fontAlgn="base">
+              <a:lnSpc>
+                <a:spcPct val="90000"/>
+              </a:lnSpc>
+              <a:spcBef>
+                <a:spcPct val="0"/>
+              </a:spcBef>
+              <a:spcAft>
+                <a:spcPts val="494"/>
+              </a:spcAft>
+            </a:pPr>
+            <a:r>
+              <a:rPr lang="en-US" dirty="0">
+                <a:solidFill>
+                  <a:sysClr val="windowText" lastClr="000000"/>
+                </a:solidFill>
+                <a:latin typeface="Consolas" pitchFamily="49" charset="0"/>
+                <a:cs typeface="Consolas" pitchFamily="49" charset="0"/>
+              </a:rPr>
+              <a:t>        }</a:t>
+            </a:r>
+          </a:p>
+          <a:p>
+            <a:pPr defTabSz="914400" fontAlgn="base">
+              <a:lnSpc>
+                <a:spcPct val="90000"/>
+              </a:lnSpc>
+              <a:spcBef>
+                <a:spcPct val="0"/>
+              </a:spcBef>
+              <a:spcAft>
+                <a:spcPts val="494"/>
+              </a:spcAft>
+            </a:pPr>
+            <a:r>
+              <a:rPr lang="en-US" dirty="0">
+                <a:solidFill>
+                  <a:sysClr val="windowText" lastClr="000000"/>
+                </a:solidFill>
+                <a:latin typeface="Consolas" pitchFamily="49" charset="0"/>
+                <a:cs typeface="Consolas" pitchFamily="49" charset="0"/>
+              </a:rPr>
+              <a:t>    );</a:t>
             </a:r>
           </a:p>
         </p:txBody>
@@ -16998,7 +15169,7 @@
     </p:spTree>
     <p:extLst>
       <p:ext uri="{BB962C8B-B14F-4D97-AF65-F5344CB8AC3E}">
-        <p14:creationId xmlns:p14="http://schemas.microsoft.com/office/powerpoint/2010/main" val="1208369025"/>
+        <p14:creationId xmlns:p14="http://schemas.microsoft.com/office/powerpoint/2010/main" val="3412766302"/>
       </p:ext>
     </p:extLst>
   </p:cSld>
@@ -17045,7 +15216,7 @@
           <a:p>
             <a:r>
               <a:rPr lang="en-US" dirty="0" smtClean="0"/>
-              <a:t>App Permissions</a:t>
+              <a:t>JavaScript and CSOM</a:t>
             </a:r>
             <a:endParaRPr lang="en-US" dirty="0"/>
           </a:p>
@@ -17070,6 +15241,2273 @@
               <a:rPr lang="en-US" smtClean="0"/>
               <a:pPr/>
               <a:t>21</a:t>
+            </a:fld>
+            <a:endParaRPr lang="en-US" dirty="0"/>
+          </a:p>
+        </p:txBody>
+      </p:sp>
+      <p:sp>
+        <p:nvSpPr>
+          <p:cNvPr id="5" name="TextBox 4"/>
+          <p:cNvSpPr txBox="1"/>
+          <p:nvPr/>
+        </p:nvSpPr>
+        <p:spPr>
+          <a:xfrm>
+            <a:off x="652463" y="1304500"/>
+            <a:ext cx="11015662" cy="4253644"/>
+          </a:xfrm>
+          <a:prstGeom prst="rect">
+            <a:avLst/>
+          </a:prstGeom>
+          <a:noFill/>
+        </p:spPr>
+        <p:txBody>
+          <a:bodyPr wrap="square" lIns="150602" tIns="120481" rIns="150602" bIns="120481" rtlCol="0">
+            <a:spAutoFit/>
+          </a:bodyPr>
+          <a:lstStyle/>
+          <a:p>
+            <a:pPr defTabSz="914400" fontAlgn="base">
+              <a:lnSpc>
+                <a:spcPct val="90000"/>
+              </a:lnSpc>
+              <a:spcBef>
+                <a:spcPct val="0"/>
+              </a:spcBef>
+              <a:spcAft>
+                <a:spcPts val="494"/>
+              </a:spcAft>
+            </a:pPr>
+            <a:r>
+              <a:rPr lang="en-US" dirty="0" err="1">
+                <a:solidFill>
+                  <a:srgbClr val="1F497D"/>
+                </a:solidFill>
+                <a:latin typeface="Consolas" pitchFamily="49" charset="0"/>
+                <a:cs typeface="Consolas" pitchFamily="49" charset="0"/>
+              </a:rPr>
+              <a:t>var</a:t>
+            </a:r>
+            <a:r>
+              <a:rPr lang="en-US" dirty="0">
+                <a:solidFill>
+                  <a:sysClr val="windowText" lastClr="000000"/>
+                </a:solidFill>
+                <a:latin typeface="Consolas" pitchFamily="49" charset="0"/>
+                <a:cs typeface="Consolas" pitchFamily="49" charset="0"/>
+              </a:rPr>
+              <a:t> context = </a:t>
+            </a:r>
+            <a:r>
+              <a:rPr lang="en-US" dirty="0" err="1">
+                <a:solidFill>
+                  <a:srgbClr val="1F497D"/>
+                </a:solidFill>
+                <a:latin typeface="Consolas" pitchFamily="49" charset="0"/>
+                <a:cs typeface="Consolas" pitchFamily="49" charset="0"/>
+              </a:rPr>
+              <a:t>SP.ClientContext</a:t>
+            </a:r>
+            <a:r>
+              <a:rPr lang="en-US" dirty="0" err="1">
+                <a:solidFill>
+                  <a:sysClr val="windowText" lastClr="000000"/>
+                </a:solidFill>
+                <a:latin typeface="Consolas" pitchFamily="49" charset="0"/>
+                <a:cs typeface="Consolas" pitchFamily="49" charset="0"/>
+              </a:rPr>
+              <a:t>.get_current</a:t>
+            </a:r>
+            <a:r>
+              <a:rPr lang="en-US" dirty="0">
+                <a:solidFill>
+                  <a:sysClr val="windowText" lastClr="000000"/>
+                </a:solidFill>
+                <a:latin typeface="Consolas" pitchFamily="49" charset="0"/>
+                <a:cs typeface="Consolas" pitchFamily="49" charset="0"/>
+              </a:rPr>
+              <a:t>();</a:t>
+            </a:r>
+          </a:p>
+          <a:p>
+            <a:pPr defTabSz="914400" fontAlgn="base">
+              <a:lnSpc>
+                <a:spcPct val="90000"/>
+              </a:lnSpc>
+              <a:spcBef>
+                <a:spcPct val="0"/>
+              </a:spcBef>
+              <a:spcAft>
+                <a:spcPts val="494"/>
+              </a:spcAft>
+            </a:pPr>
+            <a:endParaRPr lang="en-US" dirty="0">
+              <a:solidFill>
+                <a:sysClr val="windowText" lastClr="000000"/>
+              </a:solidFill>
+              <a:latin typeface="Consolas" pitchFamily="49" charset="0"/>
+              <a:cs typeface="Consolas" pitchFamily="49" charset="0"/>
+            </a:endParaRPr>
+          </a:p>
+          <a:p>
+            <a:pPr defTabSz="914400" fontAlgn="base">
+              <a:lnSpc>
+                <a:spcPct val="90000"/>
+              </a:lnSpc>
+              <a:spcBef>
+                <a:spcPct val="0"/>
+              </a:spcBef>
+              <a:spcAft>
+                <a:spcPts val="494"/>
+              </a:spcAft>
+            </a:pPr>
+            <a:r>
+              <a:rPr lang="en-US" dirty="0" err="1">
+                <a:solidFill>
+                  <a:srgbClr val="1F497D"/>
+                </a:solidFill>
+                <a:latin typeface="Consolas" pitchFamily="49" charset="0"/>
+                <a:cs typeface="Consolas" pitchFamily="49" charset="0"/>
+              </a:rPr>
+              <a:t>var</a:t>
+            </a:r>
+            <a:r>
+              <a:rPr lang="en-US" dirty="0">
+                <a:solidFill>
+                  <a:sysClr val="windowText" lastClr="000000"/>
+                </a:solidFill>
+                <a:latin typeface="Consolas" pitchFamily="49" charset="0"/>
+                <a:cs typeface="Consolas" pitchFamily="49" charset="0"/>
+              </a:rPr>
+              <a:t> </a:t>
+            </a:r>
+            <a:r>
+              <a:rPr lang="en-US" dirty="0" err="1">
+                <a:solidFill>
+                  <a:sysClr val="windowText" lastClr="000000"/>
+                </a:solidFill>
+                <a:latin typeface="Consolas" pitchFamily="49" charset="0"/>
+                <a:cs typeface="Consolas" pitchFamily="49" charset="0"/>
+              </a:rPr>
+              <a:t>keywordQuery</a:t>
+            </a:r>
+            <a:r>
+              <a:rPr lang="en-US" dirty="0">
+                <a:solidFill>
+                  <a:sysClr val="windowText" lastClr="000000"/>
+                </a:solidFill>
+                <a:latin typeface="Consolas" pitchFamily="49" charset="0"/>
+                <a:cs typeface="Consolas" pitchFamily="49" charset="0"/>
+              </a:rPr>
+              <a:t> = </a:t>
+            </a:r>
+          </a:p>
+          <a:p>
+            <a:pPr defTabSz="914400" fontAlgn="base">
+              <a:lnSpc>
+                <a:spcPct val="90000"/>
+              </a:lnSpc>
+              <a:spcBef>
+                <a:spcPct val="0"/>
+              </a:spcBef>
+              <a:spcAft>
+                <a:spcPts val="494"/>
+              </a:spcAft>
+            </a:pPr>
+            <a:r>
+              <a:rPr lang="en-US" dirty="0">
+                <a:solidFill>
+                  <a:sysClr val="windowText" lastClr="000000"/>
+                </a:solidFill>
+                <a:latin typeface="Consolas" pitchFamily="49" charset="0"/>
+                <a:cs typeface="Consolas" pitchFamily="49" charset="0"/>
+              </a:rPr>
+              <a:t>new </a:t>
+            </a:r>
+            <a:r>
+              <a:rPr lang="en-US" dirty="0" err="1">
+                <a:solidFill>
+                  <a:srgbClr val="1F497D"/>
+                </a:solidFill>
+                <a:latin typeface="Consolas" pitchFamily="49" charset="0"/>
+                <a:cs typeface="Consolas" pitchFamily="49" charset="0"/>
+              </a:rPr>
+              <a:t>Microsoft.SharePoint.Client.Search.Query.KeywordQuery</a:t>
+            </a:r>
+            <a:r>
+              <a:rPr lang="en-US" dirty="0">
+                <a:solidFill>
+                  <a:sysClr val="windowText" lastClr="000000"/>
+                </a:solidFill>
+                <a:latin typeface="Consolas" pitchFamily="49" charset="0"/>
+                <a:cs typeface="Consolas" pitchFamily="49" charset="0"/>
+              </a:rPr>
+              <a:t>(context);</a:t>
+            </a:r>
+          </a:p>
+          <a:p>
+            <a:pPr defTabSz="914400" fontAlgn="base">
+              <a:lnSpc>
+                <a:spcPct val="90000"/>
+              </a:lnSpc>
+              <a:spcBef>
+                <a:spcPct val="0"/>
+              </a:spcBef>
+              <a:spcAft>
+                <a:spcPts val="494"/>
+              </a:spcAft>
+            </a:pPr>
+            <a:endParaRPr lang="en-US" dirty="0">
+              <a:solidFill>
+                <a:sysClr val="windowText" lastClr="000000"/>
+              </a:solidFill>
+              <a:latin typeface="Consolas" pitchFamily="49" charset="0"/>
+              <a:cs typeface="Consolas" pitchFamily="49" charset="0"/>
+            </a:endParaRPr>
+          </a:p>
+          <a:p>
+            <a:pPr defTabSz="914400" fontAlgn="base">
+              <a:lnSpc>
+                <a:spcPct val="90000"/>
+              </a:lnSpc>
+              <a:spcBef>
+                <a:spcPct val="0"/>
+              </a:spcBef>
+              <a:spcAft>
+                <a:spcPts val="494"/>
+              </a:spcAft>
+            </a:pPr>
+            <a:r>
+              <a:rPr lang="en-US" dirty="0" err="1">
+                <a:solidFill>
+                  <a:sysClr val="windowText" lastClr="000000"/>
+                </a:solidFill>
+                <a:latin typeface="Consolas" pitchFamily="49" charset="0"/>
+                <a:cs typeface="Consolas" pitchFamily="49" charset="0"/>
+              </a:rPr>
+              <a:t>keywordQuery.set_queryText</a:t>
+            </a:r>
+            <a:r>
+              <a:rPr lang="en-US" dirty="0">
+                <a:solidFill>
+                  <a:srgbClr val="C00000"/>
+                </a:solidFill>
+                <a:latin typeface="Consolas" pitchFamily="49" charset="0"/>
+                <a:cs typeface="Consolas" pitchFamily="49" charset="0"/>
+              </a:rPr>
+              <a:t>("</a:t>
+            </a:r>
+            <a:r>
+              <a:rPr lang="en-US" dirty="0" err="1">
+                <a:solidFill>
+                  <a:srgbClr val="C00000"/>
+                </a:solidFill>
+                <a:latin typeface="Consolas" pitchFamily="49" charset="0"/>
+                <a:cs typeface="Consolas" pitchFamily="49" charset="0"/>
+              </a:rPr>
+              <a:t>sharepoint</a:t>
+            </a:r>
+            <a:r>
+              <a:rPr lang="en-US" dirty="0">
+                <a:solidFill>
+                  <a:srgbClr val="C00000"/>
+                </a:solidFill>
+                <a:latin typeface="Consolas" pitchFamily="49" charset="0"/>
+                <a:cs typeface="Consolas" pitchFamily="49" charset="0"/>
+              </a:rPr>
+              <a:t>"</a:t>
+            </a:r>
+            <a:r>
+              <a:rPr lang="en-US" dirty="0">
+                <a:solidFill>
+                  <a:sysClr val="windowText" lastClr="000000"/>
+                </a:solidFill>
+                <a:latin typeface="Consolas" pitchFamily="49" charset="0"/>
+                <a:cs typeface="Consolas" pitchFamily="49" charset="0"/>
+              </a:rPr>
+              <a:t>);</a:t>
+            </a:r>
+          </a:p>
+          <a:p>
+            <a:pPr defTabSz="914400" fontAlgn="base">
+              <a:lnSpc>
+                <a:spcPct val="90000"/>
+              </a:lnSpc>
+              <a:spcBef>
+                <a:spcPct val="0"/>
+              </a:spcBef>
+              <a:spcAft>
+                <a:spcPts val="494"/>
+              </a:spcAft>
+            </a:pPr>
+            <a:endParaRPr lang="en-US" dirty="0">
+              <a:solidFill>
+                <a:sysClr val="windowText" lastClr="000000"/>
+              </a:solidFill>
+              <a:latin typeface="Consolas" pitchFamily="49" charset="0"/>
+              <a:cs typeface="Consolas" pitchFamily="49" charset="0"/>
+            </a:endParaRPr>
+          </a:p>
+          <a:p>
+            <a:pPr defTabSz="914400" fontAlgn="base">
+              <a:lnSpc>
+                <a:spcPct val="90000"/>
+              </a:lnSpc>
+              <a:spcBef>
+                <a:spcPct val="0"/>
+              </a:spcBef>
+              <a:spcAft>
+                <a:spcPts val="494"/>
+              </a:spcAft>
+            </a:pPr>
+            <a:r>
+              <a:rPr lang="en-US" dirty="0" err="1">
+                <a:solidFill>
+                  <a:srgbClr val="1F497D"/>
+                </a:solidFill>
+                <a:latin typeface="Consolas" pitchFamily="49" charset="0"/>
+                <a:cs typeface="Consolas" pitchFamily="49" charset="0"/>
+              </a:rPr>
+              <a:t>var</a:t>
+            </a:r>
+            <a:r>
+              <a:rPr lang="en-US" dirty="0">
+                <a:solidFill>
+                  <a:sysClr val="windowText" lastClr="000000"/>
+                </a:solidFill>
+                <a:latin typeface="Consolas" pitchFamily="49" charset="0"/>
+                <a:cs typeface="Consolas" pitchFamily="49" charset="0"/>
+              </a:rPr>
+              <a:t> </a:t>
+            </a:r>
+            <a:r>
+              <a:rPr lang="en-US" dirty="0" err="1">
+                <a:solidFill>
+                  <a:sysClr val="windowText" lastClr="000000"/>
+                </a:solidFill>
+                <a:latin typeface="Consolas" pitchFamily="49" charset="0"/>
+                <a:cs typeface="Consolas" pitchFamily="49" charset="0"/>
+              </a:rPr>
+              <a:t>searchExecutor</a:t>
+            </a:r>
+            <a:r>
+              <a:rPr lang="en-US" dirty="0">
+                <a:solidFill>
+                  <a:sysClr val="windowText" lastClr="000000"/>
+                </a:solidFill>
+                <a:latin typeface="Consolas" pitchFamily="49" charset="0"/>
+                <a:cs typeface="Consolas" pitchFamily="49" charset="0"/>
+              </a:rPr>
+              <a:t> = </a:t>
+            </a:r>
+          </a:p>
+          <a:p>
+            <a:pPr defTabSz="914400" fontAlgn="base">
+              <a:lnSpc>
+                <a:spcPct val="90000"/>
+              </a:lnSpc>
+              <a:spcBef>
+                <a:spcPct val="0"/>
+              </a:spcBef>
+              <a:spcAft>
+                <a:spcPts val="494"/>
+              </a:spcAft>
+            </a:pPr>
+            <a:r>
+              <a:rPr lang="en-US" dirty="0">
+                <a:solidFill>
+                  <a:sysClr val="windowText" lastClr="000000"/>
+                </a:solidFill>
+                <a:latin typeface="Consolas" pitchFamily="49" charset="0"/>
+                <a:cs typeface="Consolas" pitchFamily="49" charset="0"/>
+              </a:rPr>
+              <a:t>new </a:t>
+            </a:r>
+            <a:r>
+              <a:rPr lang="en-US" dirty="0" err="1">
+                <a:solidFill>
+                  <a:srgbClr val="1F497D"/>
+                </a:solidFill>
+                <a:latin typeface="Consolas" pitchFamily="49" charset="0"/>
+                <a:cs typeface="Consolas" pitchFamily="49" charset="0"/>
+              </a:rPr>
+              <a:t>Microsoft.SharePoint.Client.Search.Query.SearchExecutor</a:t>
+            </a:r>
+            <a:r>
+              <a:rPr lang="en-US" dirty="0">
+                <a:solidFill>
+                  <a:sysClr val="windowText" lastClr="000000"/>
+                </a:solidFill>
+                <a:latin typeface="Consolas" pitchFamily="49" charset="0"/>
+                <a:cs typeface="Consolas" pitchFamily="49" charset="0"/>
+              </a:rPr>
+              <a:t>(context);</a:t>
+            </a:r>
+          </a:p>
+          <a:p>
+            <a:pPr defTabSz="914400" fontAlgn="base">
+              <a:lnSpc>
+                <a:spcPct val="90000"/>
+              </a:lnSpc>
+              <a:spcBef>
+                <a:spcPct val="0"/>
+              </a:spcBef>
+              <a:spcAft>
+                <a:spcPts val="494"/>
+              </a:spcAft>
+            </a:pPr>
+            <a:endParaRPr lang="en-US" dirty="0">
+              <a:solidFill>
+                <a:sysClr val="windowText" lastClr="000000"/>
+              </a:solidFill>
+              <a:latin typeface="Consolas" pitchFamily="49" charset="0"/>
+              <a:cs typeface="Consolas" pitchFamily="49" charset="0"/>
+            </a:endParaRPr>
+          </a:p>
+          <a:p>
+            <a:pPr defTabSz="914400" fontAlgn="base">
+              <a:lnSpc>
+                <a:spcPct val="90000"/>
+              </a:lnSpc>
+              <a:spcBef>
+                <a:spcPct val="0"/>
+              </a:spcBef>
+              <a:spcAft>
+                <a:spcPts val="494"/>
+              </a:spcAft>
+            </a:pPr>
+            <a:r>
+              <a:rPr lang="en-US" dirty="0">
+                <a:solidFill>
+                  <a:sysClr val="windowText" lastClr="000000"/>
+                </a:solidFill>
+                <a:latin typeface="Consolas" pitchFamily="49" charset="0"/>
+                <a:cs typeface="Consolas" pitchFamily="49" charset="0"/>
+              </a:rPr>
+              <a:t>results = </a:t>
+            </a:r>
+            <a:r>
+              <a:rPr lang="en-US" dirty="0" err="1">
+                <a:solidFill>
+                  <a:sysClr val="windowText" lastClr="000000"/>
+                </a:solidFill>
+                <a:latin typeface="Consolas" pitchFamily="49" charset="0"/>
+                <a:cs typeface="Consolas" pitchFamily="49" charset="0"/>
+              </a:rPr>
+              <a:t>searchExecutor.executeQuery</a:t>
+            </a:r>
+            <a:r>
+              <a:rPr lang="en-US" dirty="0">
+                <a:solidFill>
+                  <a:sysClr val="windowText" lastClr="000000"/>
+                </a:solidFill>
+                <a:latin typeface="Consolas" pitchFamily="49" charset="0"/>
+                <a:cs typeface="Consolas" pitchFamily="49" charset="0"/>
+              </a:rPr>
+              <a:t>(</a:t>
+            </a:r>
+            <a:r>
+              <a:rPr lang="en-US" dirty="0" err="1">
+                <a:solidFill>
+                  <a:sysClr val="windowText" lastClr="000000"/>
+                </a:solidFill>
+                <a:latin typeface="Consolas" pitchFamily="49" charset="0"/>
+                <a:cs typeface="Consolas" pitchFamily="49" charset="0"/>
+              </a:rPr>
+              <a:t>keywordQuery</a:t>
+            </a:r>
+            <a:r>
+              <a:rPr lang="en-US" dirty="0">
+                <a:solidFill>
+                  <a:sysClr val="windowText" lastClr="000000"/>
+                </a:solidFill>
+                <a:latin typeface="Consolas" pitchFamily="49" charset="0"/>
+                <a:cs typeface="Consolas" pitchFamily="49" charset="0"/>
+              </a:rPr>
+              <a:t>);</a:t>
+            </a:r>
+          </a:p>
+          <a:p>
+            <a:pPr defTabSz="914400" fontAlgn="base">
+              <a:lnSpc>
+                <a:spcPct val="90000"/>
+              </a:lnSpc>
+              <a:spcBef>
+                <a:spcPct val="0"/>
+              </a:spcBef>
+              <a:spcAft>
+                <a:spcPts val="494"/>
+              </a:spcAft>
+            </a:pPr>
+            <a:endParaRPr lang="en-US" dirty="0">
+              <a:solidFill>
+                <a:sysClr val="windowText" lastClr="000000"/>
+              </a:solidFill>
+              <a:latin typeface="Consolas" pitchFamily="49" charset="0"/>
+              <a:cs typeface="Consolas" pitchFamily="49" charset="0"/>
+            </a:endParaRPr>
+          </a:p>
+          <a:p>
+            <a:pPr defTabSz="914400" fontAlgn="base">
+              <a:lnSpc>
+                <a:spcPct val="90000"/>
+              </a:lnSpc>
+              <a:spcBef>
+                <a:spcPct val="0"/>
+              </a:spcBef>
+              <a:spcAft>
+                <a:spcPts val="494"/>
+              </a:spcAft>
+            </a:pPr>
+            <a:r>
+              <a:rPr lang="en-US" dirty="0" err="1">
+                <a:solidFill>
+                  <a:sysClr val="windowText" lastClr="000000"/>
+                </a:solidFill>
+                <a:latin typeface="Consolas" pitchFamily="49" charset="0"/>
+                <a:cs typeface="Consolas" pitchFamily="49" charset="0"/>
+              </a:rPr>
+              <a:t>context.executeQueryAsync</a:t>
+            </a:r>
+            <a:r>
+              <a:rPr lang="en-US" dirty="0">
+                <a:solidFill>
+                  <a:sysClr val="windowText" lastClr="000000"/>
+                </a:solidFill>
+                <a:latin typeface="Consolas" pitchFamily="49" charset="0"/>
+                <a:cs typeface="Consolas" pitchFamily="49" charset="0"/>
+              </a:rPr>
+              <a:t>(</a:t>
+            </a:r>
+            <a:r>
+              <a:rPr lang="en-US" dirty="0" err="1">
+                <a:solidFill>
+                  <a:sysClr val="windowText" lastClr="000000"/>
+                </a:solidFill>
+                <a:latin typeface="Consolas" pitchFamily="49" charset="0"/>
+                <a:cs typeface="Consolas" pitchFamily="49" charset="0"/>
+              </a:rPr>
+              <a:t>onGetEventsSuccess</a:t>
+            </a:r>
+            <a:r>
+              <a:rPr lang="en-US" dirty="0">
+                <a:solidFill>
+                  <a:sysClr val="windowText" lastClr="000000"/>
+                </a:solidFill>
+                <a:latin typeface="Consolas" pitchFamily="49" charset="0"/>
+                <a:cs typeface="Consolas" pitchFamily="49" charset="0"/>
+              </a:rPr>
+              <a:t>, </a:t>
+            </a:r>
+            <a:r>
+              <a:rPr lang="en-US" dirty="0" err="1">
+                <a:solidFill>
+                  <a:sysClr val="windowText" lastClr="000000"/>
+                </a:solidFill>
+                <a:latin typeface="Consolas" pitchFamily="49" charset="0"/>
+                <a:cs typeface="Consolas" pitchFamily="49" charset="0"/>
+              </a:rPr>
+              <a:t>onGetEventsFail</a:t>
+            </a:r>
+            <a:r>
+              <a:rPr lang="en-US" dirty="0">
+                <a:solidFill>
+                  <a:sysClr val="windowText" lastClr="000000"/>
+                </a:solidFill>
+                <a:latin typeface="Consolas" pitchFamily="49" charset="0"/>
+                <a:cs typeface="Consolas" pitchFamily="49" charset="0"/>
+              </a:rPr>
+              <a:t>);</a:t>
+            </a:r>
+          </a:p>
+        </p:txBody>
+      </p:sp>
+    </p:spTree>
+    <p:extLst>
+      <p:ext uri="{BB962C8B-B14F-4D97-AF65-F5344CB8AC3E}">
+        <p14:creationId xmlns:p14="http://schemas.microsoft.com/office/powerpoint/2010/main" val="1896666693"/>
+      </p:ext>
+    </p:extLst>
+  </p:cSld>
+  <p:clrMapOvr>
+    <a:masterClrMapping/>
+  </p:clrMapOvr>
+  <p:transition>
+    <p:fade/>
+  </p:transition>
+</p:sld>
+</file>
+
+<file path=ppt/slides/slide22.xml><?xml version="1.0" encoding="utf-8"?>
+<p:sld xmlns:a="http://schemas.openxmlformats.org/drawingml/2006/main" xmlns:r="http://schemas.openxmlformats.org/officeDocument/2006/relationships" xmlns:p="http://schemas.openxmlformats.org/presentationml/2006/main">
+  <p:cSld>
+    <p:spTree>
+      <p:nvGrpSpPr>
+        <p:cNvPr id="1" name=""/>
+        <p:cNvGrpSpPr/>
+        <p:nvPr/>
+      </p:nvGrpSpPr>
+      <p:grpSpPr>
+        <a:xfrm>
+          <a:off x="0" y="0"/>
+          <a:ext cx="0" cy="0"/>
+          <a:chOff x="0" y="0"/>
+          <a:chExt cx="0" cy="0"/>
+        </a:xfrm>
+      </p:grpSpPr>
+      <p:sp>
+        <p:nvSpPr>
+          <p:cNvPr id="2" name="Title 1"/>
+          <p:cNvSpPr>
+            <a:spLocks noGrp="1"/>
+          </p:cNvSpPr>
+          <p:nvPr>
+            <p:ph type="title"/>
+          </p:nvPr>
+        </p:nvSpPr>
+        <p:spPr/>
+        <p:txBody>
+          <a:bodyPr/>
+          <a:lstStyle/>
+          <a:p>
+            <a:r>
+              <a:rPr lang="en-US" dirty="0" smtClean="0"/>
+              <a:t>C# and REST</a:t>
+            </a:r>
+            <a:endParaRPr lang="en-US" dirty="0"/>
+          </a:p>
+        </p:txBody>
+      </p:sp>
+      <p:sp>
+        <p:nvSpPr>
+          <p:cNvPr id="3" name="Slide Number Placeholder 2"/>
+          <p:cNvSpPr>
+            <a:spLocks noGrp="1"/>
+          </p:cNvSpPr>
+          <p:nvPr>
+            <p:ph type="sldNum" sz="quarter" idx="12"/>
+          </p:nvPr>
+        </p:nvSpPr>
+        <p:spPr/>
+        <p:txBody>
+          <a:bodyPr/>
+          <a:lstStyle/>
+          <a:p>
+            <a:fld id="{727B4C2D-45E2-4621-8491-2995EB46A674}" type="slidenum">
+              <a:rPr lang="en-US" smtClean="0"/>
+              <a:pPr/>
+              <a:t>22</a:t>
+            </a:fld>
+            <a:endParaRPr lang="en-US" dirty="0"/>
+          </a:p>
+        </p:txBody>
+      </p:sp>
+      <p:sp>
+        <p:nvSpPr>
+          <p:cNvPr id="4" name="TextBox 3"/>
+          <p:cNvSpPr txBox="1"/>
+          <p:nvPr/>
+        </p:nvSpPr>
+        <p:spPr>
+          <a:xfrm>
+            <a:off x="652463" y="1792367"/>
+            <a:ext cx="11068311" cy="3940225"/>
+          </a:xfrm>
+          <a:prstGeom prst="rect">
+            <a:avLst/>
+          </a:prstGeom>
+          <a:noFill/>
+        </p:spPr>
+        <p:txBody>
+          <a:bodyPr wrap="none" lIns="150602" tIns="120481" rIns="150602" bIns="120481" rtlCol="0">
+            <a:spAutoFit/>
+          </a:bodyPr>
+          <a:lstStyle/>
+          <a:p>
+            <a:pPr defTabSz="914400" fontAlgn="base">
+              <a:lnSpc>
+                <a:spcPct val="90000"/>
+              </a:lnSpc>
+              <a:spcBef>
+                <a:spcPct val="0"/>
+              </a:spcBef>
+              <a:spcAft>
+                <a:spcPts val="494"/>
+              </a:spcAft>
+            </a:pPr>
+            <a:r>
+              <a:rPr lang="en-US" dirty="0" err="1" smtClean="0">
+                <a:solidFill>
+                  <a:srgbClr val="0070C0"/>
+                </a:solidFill>
+                <a:latin typeface="Consolas" pitchFamily="49" charset="0"/>
+                <a:cs typeface="Consolas" pitchFamily="49" charset="0"/>
+              </a:rPr>
+              <a:t>var</a:t>
+            </a:r>
+            <a:r>
+              <a:rPr lang="en-US" dirty="0" smtClean="0">
+                <a:solidFill>
+                  <a:srgbClr val="0070C0"/>
+                </a:solidFill>
+                <a:latin typeface="Consolas" pitchFamily="49" charset="0"/>
+                <a:cs typeface="Consolas" pitchFamily="49" charset="0"/>
+              </a:rPr>
+              <a:t> </a:t>
+            </a:r>
+            <a:r>
+              <a:rPr lang="en-US" dirty="0" err="1">
+                <a:latin typeface="Consolas" pitchFamily="49" charset="0"/>
+                <a:cs typeface="Consolas" pitchFamily="49" charset="0"/>
+              </a:rPr>
+              <a:t>spContext</a:t>
+            </a:r>
+            <a:r>
+              <a:rPr lang="en-US" dirty="0">
+                <a:latin typeface="Consolas" pitchFamily="49" charset="0"/>
+                <a:cs typeface="Consolas" pitchFamily="49" charset="0"/>
+              </a:rPr>
+              <a:t> = </a:t>
+            </a:r>
+            <a:r>
+              <a:rPr lang="en-US" dirty="0" err="1">
+                <a:latin typeface="Consolas" pitchFamily="49" charset="0"/>
+                <a:cs typeface="Consolas" pitchFamily="49" charset="0"/>
+              </a:rPr>
+              <a:t>SharePointContextProvider.Current.GetSharePointContext</a:t>
+            </a:r>
+            <a:r>
+              <a:rPr lang="en-US" dirty="0">
+                <a:latin typeface="Consolas" pitchFamily="49" charset="0"/>
+                <a:cs typeface="Consolas" pitchFamily="49" charset="0"/>
+              </a:rPr>
+              <a:t>(</a:t>
+            </a:r>
+            <a:r>
+              <a:rPr lang="en-US" dirty="0" err="1">
+                <a:latin typeface="Consolas" pitchFamily="49" charset="0"/>
+                <a:cs typeface="Consolas" pitchFamily="49" charset="0"/>
+              </a:rPr>
+              <a:t>HttpContext</a:t>
+            </a:r>
+            <a:r>
+              <a:rPr lang="en-US" dirty="0" smtClean="0">
+                <a:latin typeface="Consolas" pitchFamily="49" charset="0"/>
+                <a:cs typeface="Consolas" pitchFamily="49" charset="0"/>
+              </a:rPr>
+              <a:t>);</a:t>
+            </a:r>
+          </a:p>
+          <a:p>
+            <a:pPr defTabSz="914400" fontAlgn="base">
+              <a:lnSpc>
+                <a:spcPct val="90000"/>
+              </a:lnSpc>
+              <a:spcBef>
+                <a:spcPct val="0"/>
+              </a:spcBef>
+              <a:spcAft>
+                <a:spcPts val="494"/>
+              </a:spcAft>
+            </a:pPr>
+            <a:r>
+              <a:rPr lang="en-US" dirty="0">
+                <a:solidFill>
+                  <a:srgbClr val="0070C0"/>
+                </a:solidFill>
+                <a:latin typeface="Consolas" pitchFamily="49" charset="0"/>
+                <a:cs typeface="Consolas" pitchFamily="49" charset="0"/>
+              </a:rPr>
+              <a:t>string</a:t>
+            </a:r>
+            <a:r>
+              <a:rPr lang="en-US" dirty="0">
+                <a:latin typeface="Consolas" pitchFamily="49" charset="0"/>
+                <a:cs typeface="Consolas" pitchFamily="49" charset="0"/>
+              </a:rPr>
+              <a:t> </a:t>
+            </a:r>
+            <a:r>
+              <a:rPr lang="en-US" dirty="0" err="1" smtClean="0">
+                <a:latin typeface="Consolas" pitchFamily="49" charset="0"/>
+                <a:cs typeface="Consolas" pitchFamily="49" charset="0"/>
+              </a:rPr>
+              <a:t>accessToken</a:t>
+            </a:r>
+            <a:r>
+              <a:rPr lang="en-US" dirty="0" smtClean="0">
+                <a:latin typeface="Consolas" pitchFamily="49" charset="0"/>
+                <a:cs typeface="Consolas" pitchFamily="49" charset="0"/>
+              </a:rPr>
+              <a:t> </a:t>
+            </a:r>
+            <a:r>
+              <a:rPr lang="en-US" dirty="0">
+                <a:latin typeface="Consolas" pitchFamily="49" charset="0"/>
+                <a:cs typeface="Consolas" pitchFamily="49" charset="0"/>
+              </a:rPr>
+              <a:t>= </a:t>
+            </a:r>
+            <a:r>
+              <a:rPr lang="en-US" dirty="0" err="1" smtClean="0">
+                <a:latin typeface="Consolas" pitchFamily="49" charset="0"/>
+                <a:cs typeface="Consolas" pitchFamily="49" charset="0"/>
+              </a:rPr>
+              <a:t>spContext.UserAccessTokenForSPAppWeb</a:t>
+            </a:r>
+            <a:r>
+              <a:rPr lang="en-US" dirty="0" smtClean="0">
+                <a:latin typeface="Consolas" pitchFamily="49" charset="0"/>
+                <a:cs typeface="Consolas" pitchFamily="49" charset="0"/>
+              </a:rPr>
+              <a:t>;</a:t>
+            </a:r>
+          </a:p>
+          <a:p>
+            <a:pPr defTabSz="914400" fontAlgn="base">
+              <a:lnSpc>
+                <a:spcPct val="90000"/>
+              </a:lnSpc>
+              <a:spcBef>
+                <a:spcPct val="0"/>
+              </a:spcBef>
+              <a:spcAft>
+                <a:spcPts val="494"/>
+              </a:spcAft>
+            </a:pPr>
+            <a:endParaRPr lang="en-US" dirty="0" smtClean="0">
+              <a:latin typeface="Consolas" pitchFamily="49" charset="0"/>
+              <a:cs typeface="Consolas" pitchFamily="49" charset="0"/>
+            </a:endParaRPr>
+          </a:p>
+          <a:p>
+            <a:pPr defTabSz="914400" fontAlgn="base">
+              <a:lnSpc>
+                <a:spcPct val="90000"/>
+              </a:lnSpc>
+              <a:spcBef>
+                <a:spcPct val="0"/>
+              </a:spcBef>
+              <a:spcAft>
+                <a:spcPts val="494"/>
+              </a:spcAft>
+            </a:pPr>
+            <a:r>
+              <a:rPr lang="en-US" dirty="0">
+                <a:solidFill>
+                  <a:srgbClr val="0070C0"/>
+                </a:solidFill>
+                <a:latin typeface="Consolas" pitchFamily="49" charset="0"/>
+                <a:cs typeface="Consolas" pitchFamily="49" charset="0"/>
+              </a:rPr>
+              <a:t>string</a:t>
+            </a:r>
+            <a:r>
+              <a:rPr lang="en-US" dirty="0">
+                <a:solidFill>
+                  <a:sysClr val="windowText" lastClr="000000"/>
+                </a:solidFill>
+                <a:latin typeface="Consolas" pitchFamily="49" charset="0"/>
+                <a:cs typeface="Consolas" pitchFamily="49" charset="0"/>
+              </a:rPr>
+              <a:t> </a:t>
+            </a:r>
+            <a:r>
+              <a:rPr lang="en-US" dirty="0" err="1">
+                <a:solidFill>
+                  <a:sysClr val="windowText" lastClr="000000"/>
+                </a:solidFill>
+                <a:latin typeface="Consolas" pitchFamily="49" charset="0"/>
+                <a:cs typeface="Consolas" pitchFamily="49" charset="0"/>
+              </a:rPr>
+              <a:t>url</a:t>
+            </a:r>
+            <a:r>
+              <a:rPr lang="en-US" dirty="0">
+                <a:solidFill>
+                  <a:sysClr val="windowText" lastClr="000000"/>
+                </a:solidFill>
+                <a:latin typeface="Consolas" pitchFamily="49" charset="0"/>
+                <a:cs typeface="Consolas" pitchFamily="49" charset="0"/>
+              </a:rPr>
+              <a:t> = </a:t>
+            </a:r>
+            <a:r>
+              <a:rPr lang="en-US" dirty="0">
+                <a:solidFill>
+                  <a:srgbClr val="C00000"/>
+                </a:solidFill>
+                <a:latin typeface="Consolas" pitchFamily="49" charset="0"/>
+                <a:cs typeface="Consolas" pitchFamily="49" charset="0"/>
+              </a:rPr>
+              <a:t>"http://site/_</a:t>
+            </a:r>
+            <a:r>
+              <a:rPr lang="en-US" dirty="0" err="1">
+                <a:solidFill>
+                  <a:srgbClr val="C00000"/>
+                </a:solidFill>
+                <a:latin typeface="Consolas" pitchFamily="49" charset="0"/>
+                <a:cs typeface="Consolas" pitchFamily="49" charset="0"/>
+              </a:rPr>
+              <a:t>api</a:t>
+            </a:r>
+            <a:r>
+              <a:rPr lang="en-US" dirty="0">
+                <a:solidFill>
+                  <a:srgbClr val="C00000"/>
+                </a:solidFill>
+                <a:latin typeface="Consolas" pitchFamily="49" charset="0"/>
+                <a:cs typeface="Consolas" pitchFamily="49" charset="0"/>
+              </a:rPr>
+              <a:t>/search/</a:t>
+            </a:r>
+            <a:r>
+              <a:rPr lang="en-US" dirty="0" err="1">
+                <a:solidFill>
+                  <a:srgbClr val="C00000"/>
+                </a:solidFill>
+                <a:latin typeface="Consolas" pitchFamily="49" charset="0"/>
+                <a:cs typeface="Consolas" pitchFamily="49" charset="0"/>
+              </a:rPr>
+              <a:t>query?querytext</a:t>
+            </a:r>
+            <a:r>
+              <a:rPr lang="en-US" dirty="0">
+                <a:solidFill>
+                  <a:srgbClr val="C00000"/>
+                </a:solidFill>
+                <a:latin typeface="Consolas" pitchFamily="49" charset="0"/>
+                <a:cs typeface="Consolas" pitchFamily="49" charset="0"/>
+              </a:rPr>
+              <a:t>='</a:t>
+            </a:r>
+            <a:r>
+              <a:rPr lang="en-US" dirty="0" err="1">
+                <a:solidFill>
+                  <a:srgbClr val="C00000"/>
+                </a:solidFill>
+                <a:latin typeface="Consolas" pitchFamily="49" charset="0"/>
+                <a:cs typeface="Consolas" pitchFamily="49" charset="0"/>
+              </a:rPr>
+              <a:t>sharepoint</a:t>
+            </a:r>
+            <a:r>
+              <a:rPr lang="en-US" dirty="0" smtClean="0">
+                <a:solidFill>
+                  <a:srgbClr val="C00000"/>
+                </a:solidFill>
+                <a:latin typeface="Consolas" pitchFamily="49" charset="0"/>
+                <a:cs typeface="Consolas" pitchFamily="49" charset="0"/>
+              </a:rPr>
+              <a:t>'"</a:t>
+            </a:r>
+            <a:r>
+              <a:rPr lang="en-US" dirty="0" smtClean="0">
+                <a:solidFill>
+                  <a:sysClr val="windowText" lastClr="000000"/>
+                </a:solidFill>
+                <a:latin typeface="Consolas" pitchFamily="49" charset="0"/>
+                <a:cs typeface="Consolas" pitchFamily="49" charset="0"/>
+              </a:rPr>
+              <a:t>;</a:t>
+            </a:r>
+            <a:endParaRPr lang="en-US" dirty="0">
+              <a:latin typeface="Consolas" pitchFamily="49" charset="0"/>
+              <a:cs typeface="Consolas" pitchFamily="49" charset="0"/>
+            </a:endParaRPr>
+          </a:p>
+          <a:p>
+            <a:pPr defTabSz="914400" fontAlgn="base">
+              <a:lnSpc>
+                <a:spcPct val="90000"/>
+              </a:lnSpc>
+              <a:spcBef>
+                <a:spcPct val="0"/>
+              </a:spcBef>
+              <a:spcAft>
+                <a:spcPts val="494"/>
+              </a:spcAft>
+            </a:pPr>
+            <a:endParaRPr lang="en-US" dirty="0">
+              <a:latin typeface="Consolas" pitchFamily="49" charset="0"/>
+              <a:cs typeface="Consolas" pitchFamily="49" charset="0"/>
+            </a:endParaRPr>
+          </a:p>
+          <a:p>
+            <a:pPr defTabSz="914400" fontAlgn="base">
+              <a:lnSpc>
+                <a:spcPct val="90000"/>
+              </a:lnSpc>
+              <a:spcBef>
+                <a:spcPct val="0"/>
+              </a:spcBef>
+              <a:spcAft>
+                <a:spcPts val="494"/>
+              </a:spcAft>
+            </a:pPr>
+            <a:r>
+              <a:rPr lang="en-US" dirty="0" err="1" smtClean="0">
+                <a:solidFill>
+                  <a:srgbClr val="0070C0"/>
+                </a:solidFill>
+                <a:latin typeface="Consolas" pitchFamily="49" charset="0"/>
+                <a:cs typeface="Consolas" pitchFamily="49" charset="0"/>
+              </a:rPr>
+              <a:t>HttpClient</a:t>
+            </a:r>
+            <a:r>
+              <a:rPr lang="en-US" dirty="0" smtClean="0">
+                <a:latin typeface="Consolas" pitchFamily="49" charset="0"/>
+                <a:cs typeface="Consolas" pitchFamily="49" charset="0"/>
+              </a:rPr>
+              <a:t> </a:t>
+            </a:r>
+            <a:r>
+              <a:rPr lang="en-US" dirty="0">
+                <a:latin typeface="Consolas" pitchFamily="49" charset="0"/>
+                <a:cs typeface="Consolas" pitchFamily="49" charset="0"/>
+              </a:rPr>
+              <a:t>client = </a:t>
+            </a:r>
+            <a:r>
+              <a:rPr lang="en-US" dirty="0">
+                <a:solidFill>
+                  <a:srgbClr val="0070C0"/>
+                </a:solidFill>
+                <a:latin typeface="Consolas" pitchFamily="49" charset="0"/>
+                <a:cs typeface="Consolas" pitchFamily="49" charset="0"/>
+              </a:rPr>
+              <a:t>new</a:t>
+            </a:r>
+            <a:r>
+              <a:rPr lang="en-US" dirty="0">
+                <a:latin typeface="Consolas" pitchFamily="49" charset="0"/>
+                <a:cs typeface="Consolas" pitchFamily="49" charset="0"/>
+              </a:rPr>
+              <a:t> </a:t>
+            </a:r>
+            <a:r>
+              <a:rPr lang="en-US" dirty="0" err="1">
+                <a:solidFill>
+                  <a:srgbClr val="0070C0"/>
+                </a:solidFill>
+                <a:latin typeface="Consolas" pitchFamily="49" charset="0"/>
+                <a:cs typeface="Consolas" pitchFamily="49" charset="0"/>
+              </a:rPr>
+              <a:t>HttpClient</a:t>
+            </a:r>
+            <a:r>
+              <a:rPr lang="en-US" dirty="0">
+                <a:latin typeface="Consolas" pitchFamily="49" charset="0"/>
+                <a:cs typeface="Consolas" pitchFamily="49" charset="0"/>
+              </a:rPr>
+              <a:t>();</a:t>
+            </a:r>
+          </a:p>
+          <a:p>
+            <a:pPr defTabSz="914400" fontAlgn="base">
+              <a:lnSpc>
+                <a:spcPct val="90000"/>
+              </a:lnSpc>
+              <a:spcBef>
+                <a:spcPct val="0"/>
+              </a:spcBef>
+              <a:spcAft>
+                <a:spcPts val="494"/>
+              </a:spcAft>
+            </a:pPr>
+            <a:r>
+              <a:rPr lang="en-US" dirty="0" err="1">
+                <a:solidFill>
+                  <a:srgbClr val="0070C0"/>
+                </a:solidFill>
+                <a:latin typeface="Consolas" pitchFamily="49" charset="0"/>
+                <a:cs typeface="Consolas" pitchFamily="49" charset="0"/>
+              </a:rPr>
+              <a:t>HttpRequestMessage</a:t>
+            </a:r>
+            <a:r>
+              <a:rPr lang="en-US" dirty="0" smtClean="0">
+                <a:latin typeface="Consolas" pitchFamily="49" charset="0"/>
+                <a:cs typeface="Consolas" pitchFamily="49" charset="0"/>
+              </a:rPr>
+              <a:t> </a:t>
+            </a:r>
+            <a:r>
+              <a:rPr lang="en-US" dirty="0">
+                <a:latin typeface="Consolas" pitchFamily="49" charset="0"/>
+                <a:cs typeface="Consolas" pitchFamily="49" charset="0"/>
+              </a:rPr>
+              <a:t>request = new </a:t>
+            </a:r>
+            <a:r>
+              <a:rPr lang="en-US" dirty="0" err="1">
+                <a:solidFill>
+                  <a:srgbClr val="0070C0"/>
+                </a:solidFill>
+                <a:latin typeface="Consolas" pitchFamily="49" charset="0"/>
+                <a:cs typeface="Consolas" pitchFamily="49" charset="0"/>
+              </a:rPr>
+              <a:t>HttpRequestMessage</a:t>
+            </a:r>
+            <a:r>
+              <a:rPr lang="en-US" dirty="0">
+                <a:solidFill>
+                  <a:srgbClr val="0070C0"/>
+                </a:solidFill>
+                <a:latin typeface="Consolas" pitchFamily="49" charset="0"/>
+                <a:cs typeface="Consolas" pitchFamily="49" charset="0"/>
+              </a:rPr>
+              <a:t>(</a:t>
+            </a:r>
+            <a:r>
+              <a:rPr lang="en-US" dirty="0" err="1">
+                <a:solidFill>
+                  <a:srgbClr val="0070C0"/>
+                </a:solidFill>
+                <a:latin typeface="Consolas" pitchFamily="49" charset="0"/>
+                <a:cs typeface="Consolas" pitchFamily="49" charset="0"/>
+              </a:rPr>
+              <a:t>HttpMethod</a:t>
+            </a:r>
+            <a:r>
+              <a:rPr lang="en-US" dirty="0" err="1">
+                <a:latin typeface="Consolas" pitchFamily="49" charset="0"/>
+                <a:cs typeface="Consolas" pitchFamily="49" charset="0"/>
+              </a:rPr>
+              <a:t>.Get</a:t>
+            </a:r>
+            <a:r>
+              <a:rPr lang="en-US" dirty="0">
+                <a:latin typeface="Consolas" pitchFamily="49" charset="0"/>
+                <a:cs typeface="Consolas" pitchFamily="49" charset="0"/>
+              </a:rPr>
+              <a:t>, </a:t>
+            </a:r>
+            <a:r>
+              <a:rPr lang="en-US" dirty="0" err="1" smtClean="0">
+                <a:latin typeface="Consolas" pitchFamily="49" charset="0"/>
+                <a:cs typeface="Consolas" pitchFamily="49" charset="0"/>
+              </a:rPr>
+              <a:t>url</a:t>
+            </a:r>
+            <a:r>
+              <a:rPr lang="en-US" dirty="0" smtClean="0">
+                <a:latin typeface="Consolas" pitchFamily="49" charset="0"/>
+                <a:cs typeface="Consolas" pitchFamily="49" charset="0"/>
+              </a:rPr>
+              <a:t>);</a:t>
+            </a:r>
+            <a:endParaRPr lang="en-US" dirty="0">
+              <a:latin typeface="Consolas" pitchFamily="49" charset="0"/>
+              <a:cs typeface="Consolas" pitchFamily="49" charset="0"/>
+            </a:endParaRPr>
+          </a:p>
+          <a:p>
+            <a:pPr defTabSz="914400" fontAlgn="base">
+              <a:lnSpc>
+                <a:spcPct val="90000"/>
+              </a:lnSpc>
+              <a:spcBef>
+                <a:spcPct val="0"/>
+              </a:spcBef>
+              <a:spcAft>
+                <a:spcPts val="494"/>
+              </a:spcAft>
+            </a:pPr>
+            <a:r>
+              <a:rPr lang="en-US" dirty="0" err="1" smtClean="0">
+                <a:latin typeface="Consolas" pitchFamily="49" charset="0"/>
+                <a:cs typeface="Consolas" pitchFamily="49" charset="0"/>
+              </a:rPr>
+              <a:t>request.Headers.Accept.Add</a:t>
+            </a:r>
+            <a:r>
+              <a:rPr lang="en-US" dirty="0" smtClean="0">
+                <a:latin typeface="Consolas" pitchFamily="49" charset="0"/>
+                <a:cs typeface="Consolas" pitchFamily="49" charset="0"/>
+              </a:rPr>
+              <a:t>(</a:t>
+            </a:r>
+            <a:r>
+              <a:rPr lang="en-US" dirty="0">
+                <a:solidFill>
+                  <a:srgbClr val="0070C0"/>
+                </a:solidFill>
+                <a:latin typeface="Consolas" pitchFamily="49" charset="0"/>
+                <a:cs typeface="Consolas" pitchFamily="49" charset="0"/>
+              </a:rPr>
+              <a:t>new</a:t>
+            </a:r>
+            <a:r>
+              <a:rPr lang="en-US" dirty="0" smtClean="0">
+                <a:latin typeface="Consolas" pitchFamily="49" charset="0"/>
+                <a:cs typeface="Consolas" pitchFamily="49" charset="0"/>
+              </a:rPr>
+              <a:t> </a:t>
+            </a:r>
+            <a:r>
+              <a:rPr lang="en-US" dirty="0" err="1">
+                <a:solidFill>
+                  <a:srgbClr val="0070C0"/>
+                </a:solidFill>
+                <a:latin typeface="Consolas" pitchFamily="49" charset="0"/>
+                <a:cs typeface="Consolas" pitchFamily="49" charset="0"/>
+              </a:rPr>
+              <a:t>MediaTypeWithQualityHeaderValue</a:t>
+            </a:r>
+            <a:r>
+              <a:rPr lang="en-US" dirty="0">
+                <a:latin typeface="Consolas" pitchFamily="49" charset="0"/>
+                <a:cs typeface="Consolas" pitchFamily="49" charset="0"/>
+              </a:rPr>
+              <a:t>(</a:t>
+            </a:r>
+            <a:r>
+              <a:rPr lang="en-US" dirty="0">
+                <a:solidFill>
+                  <a:srgbClr val="C00000"/>
+                </a:solidFill>
+                <a:latin typeface="Consolas" pitchFamily="49" charset="0"/>
+                <a:cs typeface="Consolas" pitchFamily="49" charset="0"/>
+              </a:rPr>
+              <a:t>"application/xml"</a:t>
+            </a:r>
+            <a:r>
+              <a:rPr lang="en-US" dirty="0">
+                <a:latin typeface="Consolas" pitchFamily="49" charset="0"/>
+                <a:cs typeface="Consolas" pitchFamily="49" charset="0"/>
+              </a:rPr>
+              <a:t>));</a:t>
+            </a:r>
+          </a:p>
+          <a:p>
+            <a:pPr defTabSz="914400" fontAlgn="base">
+              <a:lnSpc>
+                <a:spcPct val="90000"/>
+              </a:lnSpc>
+              <a:spcBef>
+                <a:spcPct val="0"/>
+              </a:spcBef>
+              <a:spcAft>
+                <a:spcPts val="494"/>
+              </a:spcAft>
+            </a:pPr>
+            <a:r>
+              <a:rPr lang="en-US" dirty="0" err="1" smtClean="0">
+                <a:latin typeface="Consolas" pitchFamily="49" charset="0"/>
+                <a:cs typeface="Consolas" pitchFamily="49" charset="0"/>
+              </a:rPr>
+              <a:t>request.Headers.Authorization</a:t>
+            </a:r>
+            <a:r>
+              <a:rPr lang="en-US" dirty="0" smtClean="0">
+                <a:latin typeface="Consolas" pitchFamily="49" charset="0"/>
+                <a:cs typeface="Consolas" pitchFamily="49" charset="0"/>
+              </a:rPr>
+              <a:t> </a:t>
+            </a:r>
+            <a:r>
+              <a:rPr lang="en-US" dirty="0">
+                <a:latin typeface="Consolas" pitchFamily="49" charset="0"/>
+                <a:cs typeface="Consolas" pitchFamily="49" charset="0"/>
+              </a:rPr>
+              <a:t>= new </a:t>
+            </a:r>
+            <a:r>
+              <a:rPr lang="en-US" dirty="0" err="1">
+                <a:solidFill>
+                  <a:srgbClr val="0070C0"/>
+                </a:solidFill>
+                <a:latin typeface="Consolas" pitchFamily="49" charset="0"/>
+                <a:cs typeface="Consolas" pitchFamily="49" charset="0"/>
+              </a:rPr>
+              <a:t>AuthenticationHeaderValue</a:t>
+            </a:r>
+            <a:r>
+              <a:rPr lang="en-US" dirty="0">
+                <a:latin typeface="Consolas" pitchFamily="49" charset="0"/>
+                <a:cs typeface="Consolas" pitchFamily="49" charset="0"/>
+              </a:rPr>
+              <a:t>(</a:t>
+            </a:r>
+            <a:r>
+              <a:rPr lang="en-US" dirty="0">
+                <a:solidFill>
+                  <a:srgbClr val="C00000"/>
+                </a:solidFill>
+                <a:latin typeface="Consolas" pitchFamily="49" charset="0"/>
+                <a:cs typeface="Consolas" pitchFamily="49" charset="0"/>
+              </a:rPr>
+              <a:t>"Bearer"</a:t>
+            </a:r>
+            <a:r>
+              <a:rPr lang="en-US" dirty="0">
+                <a:latin typeface="Consolas" pitchFamily="49" charset="0"/>
+                <a:cs typeface="Consolas" pitchFamily="49" charset="0"/>
+              </a:rPr>
+              <a:t>, </a:t>
+            </a:r>
+            <a:r>
+              <a:rPr lang="en-US" dirty="0" err="1">
+                <a:latin typeface="Consolas" pitchFamily="49" charset="0"/>
+                <a:cs typeface="Consolas" pitchFamily="49" charset="0"/>
+              </a:rPr>
+              <a:t>accessToken</a:t>
+            </a:r>
+            <a:r>
+              <a:rPr lang="en-US" dirty="0">
+                <a:latin typeface="Consolas" pitchFamily="49" charset="0"/>
+                <a:cs typeface="Consolas" pitchFamily="49" charset="0"/>
+              </a:rPr>
+              <a:t>);</a:t>
+            </a:r>
+          </a:p>
+          <a:p>
+            <a:pPr defTabSz="914400" fontAlgn="base">
+              <a:lnSpc>
+                <a:spcPct val="90000"/>
+              </a:lnSpc>
+              <a:spcBef>
+                <a:spcPct val="0"/>
+              </a:spcBef>
+              <a:spcAft>
+                <a:spcPts val="494"/>
+              </a:spcAft>
+            </a:pPr>
+            <a:endParaRPr lang="en-US" dirty="0">
+              <a:latin typeface="Consolas" pitchFamily="49" charset="0"/>
+              <a:cs typeface="Consolas" pitchFamily="49" charset="0"/>
+            </a:endParaRPr>
+          </a:p>
+          <a:p>
+            <a:pPr defTabSz="914400" fontAlgn="base">
+              <a:lnSpc>
+                <a:spcPct val="90000"/>
+              </a:lnSpc>
+              <a:spcBef>
+                <a:spcPct val="0"/>
+              </a:spcBef>
+              <a:spcAft>
+                <a:spcPts val="494"/>
+              </a:spcAft>
+            </a:pPr>
+            <a:r>
+              <a:rPr lang="en-US" dirty="0" err="1">
+                <a:solidFill>
+                  <a:srgbClr val="0070C0"/>
+                </a:solidFill>
+                <a:latin typeface="Consolas" pitchFamily="49" charset="0"/>
+                <a:cs typeface="Consolas" pitchFamily="49" charset="0"/>
+              </a:rPr>
+              <a:t>HttpResponseMessage</a:t>
+            </a:r>
+            <a:r>
+              <a:rPr lang="en-US" dirty="0" smtClean="0">
+                <a:latin typeface="Consolas" pitchFamily="49" charset="0"/>
+                <a:cs typeface="Consolas" pitchFamily="49" charset="0"/>
+              </a:rPr>
+              <a:t> </a:t>
+            </a:r>
+            <a:r>
+              <a:rPr lang="en-US" dirty="0">
+                <a:latin typeface="Consolas" pitchFamily="49" charset="0"/>
+                <a:cs typeface="Consolas" pitchFamily="49" charset="0"/>
+              </a:rPr>
+              <a:t>response = </a:t>
+            </a:r>
+            <a:r>
+              <a:rPr lang="en-US" dirty="0">
+                <a:solidFill>
+                  <a:srgbClr val="0070C0"/>
+                </a:solidFill>
+                <a:latin typeface="Consolas" pitchFamily="49" charset="0"/>
+                <a:cs typeface="Consolas" pitchFamily="49" charset="0"/>
+              </a:rPr>
+              <a:t>await</a:t>
+            </a:r>
+            <a:r>
+              <a:rPr lang="en-US" dirty="0">
+                <a:latin typeface="Consolas" pitchFamily="49" charset="0"/>
+                <a:cs typeface="Consolas" pitchFamily="49" charset="0"/>
+              </a:rPr>
+              <a:t> </a:t>
+            </a:r>
+            <a:r>
+              <a:rPr lang="en-US" dirty="0" err="1">
+                <a:latin typeface="Consolas" pitchFamily="49" charset="0"/>
+                <a:cs typeface="Consolas" pitchFamily="49" charset="0"/>
+              </a:rPr>
+              <a:t>client.SendAsync</a:t>
+            </a:r>
+            <a:r>
+              <a:rPr lang="en-US" dirty="0">
+                <a:latin typeface="Consolas" pitchFamily="49" charset="0"/>
+                <a:cs typeface="Consolas" pitchFamily="49" charset="0"/>
+              </a:rPr>
+              <a:t>(request);</a:t>
+            </a:r>
+          </a:p>
+          <a:p>
+            <a:pPr defTabSz="914400" fontAlgn="base">
+              <a:lnSpc>
+                <a:spcPct val="90000"/>
+              </a:lnSpc>
+              <a:spcBef>
+                <a:spcPct val="0"/>
+              </a:spcBef>
+              <a:spcAft>
+                <a:spcPts val="494"/>
+              </a:spcAft>
+            </a:pPr>
+            <a:r>
+              <a:rPr lang="en-US" dirty="0">
+                <a:solidFill>
+                  <a:srgbClr val="0070C0"/>
+                </a:solidFill>
+                <a:latin typeface="Consolas" pitchFamily="49" charset="0"/>
+                <a:cs typeface="Consolas" pitchFamily="49" charset="0"/>
+              </a:rPr>
+              <a:t>string</a:t>
+            </a:r>
+            <a:r>
+              <a:rPr lang="en-US" dirty="0" smtClean="0">
+                <a:latin typeface="Consolas" pitchFamily="49" charset="0"/>
+                <a:cs typeface="Consolas" pitchFamily="49" charset="0"/>
+              </a:rPr>
+              <a:t> </a:t>
+            </a:r>
+            <a:r>
+              <a:rPr lang="en-US" dirty="0" err="1">
+                <a:latin typeface="Consolas" pitchFamily="49" charset="0"/>
+                <a:cs typeface="Consolas" pitchFamily="49" charset="0"/>
+              </a:rPr>
+              <a:t>responseString</a:t>
+            </a:r>
+            <a:r>
+              <a:rPr lang="en-US" dirty="0">
+                <a:latin typeface="Consolas" pitchFamily="49" charset="0"/>
+                <a:cs typeface="Consolas" pitchFamily="49" charset="0"/>
+              </a:rPr>
+              <a:t> = </a:t>
+            </a:r>
+            <a:r>
+              <a:rPr lang="en-US" dirty="0">
+                <a:solidFill>
+                  <a:srgbClr val="0070C0"/>
+                </a:solidFill>
+                <a:latin typeface="Consolas" pitchFamily="49" charset="0"/>
+                <a:cs typeface="Consolas" pitchFamily="49" charset="0"/>
+              </a:rPr>
+              <a:t>await</a:t>
+            </a:r>
+            <a:r>
+              <a:rPr lang="en-US" dirty="0">
+                <a:latin typeface="Consolas" pitchFamily="49" charset="0"/>
+                <a:cs typeface="Consolas" pitchFamily="49" charset="0"/>
+              </a:rPr>
+              <a:t> </a:t>
+            </a:r>
+            <a:r>
+              <a:rPr lang="en-US" dirty="0" err="1">
+                <a:latin typeface="Consolas" pitchFamily="49" charset="0"/>
+                <a:cs typeface="Consolas" pitchFamily="49" charset="0"/>
+              </a:rPr>
+              <a:t>response.Content.ReadAsStringAsync</a:t>
+            </a:r>
+            <a:r>
+              <a:rPr lang="en-US" dirty="0" smtClean="0">
+                <a:latin typeface="Consolas" pitchFamily="49" charset="0"/>
+                <a:cs typeface="Consolas" pitchFamily="49" charset="0"/>
+              </a:rPr>
+              <a:t>();</a:t>
+            </a:r>
+          </a:p>
+        </p:txBody>
+      </p:sp>
+    </p:spTree>
+    <p:extLst>
+      <p:ext uri="{BB962C8B-B14F-4D97-AF65-F5344CB8AC3E}">
+        <p14:creationId xmlns:p14="http://schemas.microsoft.com/office/powerpoint/2010/main" val="225133482"/>
+      </p:ext>
+    </p:extLst>
+  </p:cSld>
+  <p:clrMapOvr>
+    <a:masterClrMapping/>
+  </p:clrMapOvr>
+  <p:transition>
+    <p:fade/>
+  </p:transition>
+</p:sld>
+</file>
+
+<file path=ppt/slides/slide23.xml><?xml version="1.0" encoding="utf-8"?>
+<p:sld xmlns:a="http://schemas.openxmlformats.org/drawingml/2006/main" xmlns:r="http://schemas.openxmlformats.org/officeDocument/2006/relationships" xmlns:p="http://schemas.openxmlformats.org/presentationml/2006/main">
+  <p:cSld>
+    <p:spTree>
+      <p:nvGrpSpPr>
+        <p:cNvPr id="1" name=""/>
+        <p:cNvGrpSpPr/>
+        <p:nvPr/>
+      </p:nvGrpSpPr>
+      <p:grpSpPr>
+        <a:xfrm>
+          <a:off x="0" y="0"/>
+          <a:ext cx="0" cy="0"/>
+          <a:chOff x="0" y="0"/>
+          <a:chExt cx="0" cy="0"/>
+        </a:xfrm>
+      </p:grpSpPr>
+      <p:sp>
+        <p:nvSpPr>
+          <p:cNvPr id="2" name="Title 1"/>
+          <p:cNvSpPr>
+            <a:spLocks noGrp="1"/>
+          </p:cNvSpPr>
+          <p:nvPr>
+            <p:ph type="title"/>
+          </p:nvPr>
+        </p:nvSpPr>
+        <p:spPr/>
+        <p:txBody>
+          <a:bodyPr/>
+          <a:lstStyle/>
+          <a:p>
+            <a:r>
+              <a:rPr lang="en-US" dirty="0" smtClean="0"/>
+              <a:t>C# and CSOM</a:t>
+            </a:r>
+            <a:endParaRPr lang="en-US" dirty="0"/>
+          </a:p>
+        </p:txBody>
+      </p:sp>
+      <p:sp>
+        <p:nvSpPr>
+          <p:cNvPr id="3" name="Slide Number Placeholder 2"/>
+          <p:cNvSpPr>
+            <a:spLocks noGrp="1"/>
+          </p:cNvSpPr>
+          <p:nvPr>
+            <p:ph type="sldNum" sz="quarter" idx="12"/>
+          </p:nvPr>
+        </p:nvSpPr>
+        <p:spPr/>
+        <p:txBody>
+          <a:bodyPr/>
+          <a:lstStyle/>
+          <a:p>
+            <a:fld id="{727B4C2D-45E2-4621-8491-2995EB46A674}" type="slidenum">
+              <a:rPr lang="en-US" smtClean="0"/>
+              <a:pPr/>
+              <a:t>23</a:t>
+            </a:fld>
+            <a:endParaRPr lang="en-US" dirty="0"/>
+          </a:p>
+        </p:txBody>
+      </p:sp>
+      <p:sp>
+        <p:nvSpPr>
+          <p:cNvPr id="5" name="TextBox 4"/>
+          <p:cNvSpPr txBox="1"/>
+          <p:nvPr/>
+        </p:nvSpPr>
+        <p:spPr>
+          <a:xfrm>
+            <a:off x="380999" y="1599453"/>
+            <a:ext cx="11287125" cy="3313386"/>
+          </a:xfrm>
+          <a:prstGeom prst="rect">
+            <a:avLst/>
+          </a:prstGeom>
+          <a:noFill/>
+        </p:spPr>
+        <p:txBody>
+          <a:bodyPr wrap="square" lIns="150602" tIns="120481" rIns="150602" bIns="120481" rtlCol="0">
+            <a:spAutoFit/>
+          </a:bodyPr>
+          <a:lstStyle/>
+          <a:p>
+            <a:pPr defTabSz="914400" fontAlgn="base">
+              <a:lnSpc>
+                <a:spcPct val="90000"/>
+              </a:lnSpc>
+              <a:spcBef>
+                <a:spcPct val="0"/>
+              </a:spcBef>
+              <a:spcAft>
+                <a:spcPts val="494"/>
+              </a:spcAft>
+            </a:pPr>
+            <a:r>
+              <a:rPr lang="en-US" dirty="0" err="1" smtClean="0">
+                <a:solidFill>
+                  <a:srgbClr val="0070C0"/>
+                </a:solidFill>
+                <a:latin typeface="Consolas" pitchFamily="49" charset="0"/>
+                <a:cs typeface="Consolas" pitchFamily="49" charset="0"/>
+              </a:rPr>
+              <a:t>var</a:t>
+            </a:r>
+            <a:r>
+              <a:rPr lang="en-US" dirty="0" smtClean="0">
+                <a:latin typeface="Consolas" pitchFamily="49" charset="0"/>
+                <a:cs typeface="Consolas" pitchFamily="49" charset="0"/>
+              </a:rPr>
+              <a:t> </a:t>
+            </a:r>
+            <a:r>
+              <a:rPr lang="en-US" dirty="0" err="1">
+                <a:latin typeface="Consolas" pitchFamily="49" charset="0"/>
+                <a:cs typeface="Consolas" pitchFamily="49" charset="0"/>
+              </a:rPr>
+              <a:t>spContext</a:t>
+            </a:r>
+            <a:r>
+              <a:rPr lang="en-US" dirty="0">
+                <a:latin typeface="Consolas" pitchFamily="49" charset="0"/>
+                <a:cs typeface="Consolas" pitchFamily="49" charset="0"/>
+              </a:rPr>
+              <a:t> = </a:t>
+            </a:r>
+            <a:r>
+              <a:rPr lang="en-US" dirty="0" err="1">
+                <a:latin typeface="Consolas" pitchFamily="49" charset="0"/>
+                <a:cs typeface="Consolas" pitchFamily="49" charset="0"/>
+              </a:rPr>
+              <a:t>SharePointContextProvider.Current.GetSharePointContext</a:t>
+            </a:r>
+            <a:r>
+              <a:rPr lang="en-US" dirty="0">
+                <a:latin typeface="Consolas" pitchFamily="49" charset="0"/>
+                <a:cs typeface="Consolas" pitchFamily="49" charset="0"/>
+              </a:rPr>
+              <a:t>(Context);</a:t>
+            </a:r>
+          </a:p>
+          <a:p>
+            <a:pPr defTabSz="914400" fontAlgn="base">
+              <a:lnSpc>
+                <a:spcPct val="90000"/>
+              </a:lnSpc>
+              <a:spcBef>
+                <a:spcPct val="0"/>
+              </a:spcBef>
+              <a:spcAft>
+                <a:spcPts val="494"/>
+              </a:spcAft>
+            </a:pPr>
+            <a:endParaRPr lang="en-US" dirty="0">
+              <a:latin typeface="Consolas" pitchFamily="49" charset="0"/>
+              <a:cs typeface="Consolas" pitchFamily="49" charset="0"/>
+            </a:endParaRPr>
+          </a:p>
+          <a:p>
+            <a:pPr defTabSz="914400" fontAlgn="base">
+              <a:lnSpc>
+                <a:spcPct val="90000"/>
+              </a:lnSpc>
+              <a:spcBef>
+                <a:spcPct val="0"/>
+              </a:spcBef>
+              <a:spcAft>
+                <a:spcPts val="494"/>
+              </a:spcAft>
+            </a:pPr>
+            <a:r>
+              <a:rPr lang="en-US" dirty="0">
+                <a:solidFill>
+                  <a:srgbClr val="0070C0"/>
+                </a:solidFill>
+                <a:latin typeface="Consolas" pitchFamily="49" charset="0"/>
+                <a:cs typeface="Consolas" pitchFamily="49" charset="0"/>
+              </a:rPr>
+              <a:t>using</a:t>
+            </a:r>
+            <a:r>
+              <a:rPr lang="en-US" dirty="0" smtClean="0">
+                <a:latin typeface="Consolas" pitchFamily="49" charset="0"/>
+                <a:cs typeface="Consolas" pitchFamily="49" charset="0"/>
+              </a:rPr>
+              <a:t> </a:t>
+            </a:r>
+            <a:r>
+              <a:rPr lang="en-US" dirty="0">
+                <a:latin typeface="Consolas" pitchFamily="49" charset="0"/>
+                <a:cs typeface="Consolas" pitchFamily="49" charset="0"/>
+              </a:rPr>
+              <a:t>(</a:t>
+            </a:r>
+            <a:r>
+              <a:rPr lang="en-US" dirty="0" err="1">
+                <a:solidFill>
+                  <a:srgbClr val="0070C0"/>
+                </a:solidFill>
+                <a:latin typeface="Consolas" pitchFamily="49" charset="0"/>
+                <a:cs typeface="Consolas" pitchFamily="49" charset="0"/>
+              </a:rPr>
+              <a:t>var</a:t>
+            </a:r>
+            <a:r>
+              <a:rPr lang="en-US" dirty="0">
+                <a:latin typeface="Consolas" pitchFamily="49" charset="0"/>
+                <a:cs typeface="Consolas" pitchFamily="49" charset="0"/>
+              </a:rPr>
+              <a:t> </a:t>
+            </a:r>
+            <a:r>
+              <a:rPr lang="en-US" dirty="0" err="1" smtClean="0">
+                <a:latin typeface="Consolas" pitchFamily="49" charset="0"/>
+                <a:cs typeface="Consolas" pitchFamily="49" charset="0"/>
+              </a:rPr>
+              <a:t>cctx</a:t>
+            </a:r>
+            <a:r>
+              <a:rPr lang="en-US" dirty="0" smtClean="0">
+                <a:latin typeface="Consolas" pitchFamily="49" charset="0"/>
+                <a:cs typeface="Consolas" pitchFamily="49" charset="0"/>
+              </a:rPr>
+              <a:t> = </a:t>
+            </a:r>
+            <a:r>
+              <a:rPr lang="en-US" dirty="0" err="1">
+                <a:latin typeface="Consolas" pitchFamily="49" charset="0"/>
+                <a:cs typeface="Consolas" pitchFamily="49" charset="0"/>
+              </a:rPr>
+              <a:t>spContext.CreateUserClientContextForSPHost</a:t>
+            </a:r>
+            <a:r>
+              <a:rPr lang="en-US" dirty="0">
+                <a:latin typeface="Consolas" pitchFamily="49" charset="0"/>
+                <a:cs typeface="Consolas" pitchFamily="49" charset="0"/>
+              </a:rPr>
+              <a:t>())</a:t>
+            </a:r>
+          </a:p>
+          <a:p>
+            <a:pPr defTabSz="914400" fontAlgn="base">
+              <a:lnSpc>
+                <a:spcPct val="90000"/>
+              </a:lnSpc>
+              <a:spcBef>
+                <a:spcPct val="0"/>
+              </a:spcBef>
+              <a:spcAft>
+                <a:spcPts val="494"/>
+              </a:spcAft>
+            </a:pPr>
+            <a:r>
+              <a:rPr lang="en-US" dirty="0" smtClean="0">
+                <a:latin typeface="Consolas" pitchFamily="49" charset="0"/>
+                <a:cs typeface="Consolas" pitchFamily="49" charset="0"/>
+              </a:rPr>
+              <a:t>{</a:t>
+            </a:r>
+            <a:endParaRPr lang="en-US" dirty="0">
+              <a:latin typeface="Consolas" pitchFamily="49" charset="0"/>
+              <a:cs typeface="Consolas" pitchFamily="49" charset="0"/>
+            </a:endParaRPr>
+          </a:p>
+          <a:p>
+            <a:pPr defTabSz="914400" fontAlgn="base">
+              <a:lnSpc>
+                <a:spcPct val="90000"/>
+              </a:lnSpc>
+              <a:spcBef>
+                <a:spcPct val="0"/>
+              </a:spcBef>
+              <a:spcAft>
+                <a:spcPts val="494"/>
+              </a:spcAft>
+            </a:pPr>
+            <a:r>
+              <a:rPr lang="en-US" dirty="0" smtClean="0">
+                <a:solidFill>
+                  <a:srgbClr val="0070C0"/>
+                </a:solidFill>
+                <a:latin typeface="Consolas" pitchFamily="49" charset="0"/>
+                <a:cs typeface="Consolas" pitchFamily="49" charset="0"/>
+              </a:rPr>
+              <a:t>    </a:t>
+            </a:r>
+            <a:r>
+              <a:rPr lang="en-US" dirty="0" err="1" smtClean="0">
+                <a:solidFill>
+                  <a:srgbClr val="0070C0"/>
+                </a:solidFill>
+                <a:latin typeface="Consolas" pitchFamily="49" charset="0"/>
+                <a:cs typeface="Consolas" pitchFamily="49" charset="0"/>
+              </a:rPr>
+              <a:t>KeywordQuery</a:t>
+            </a:r>
+            <a:r>
+              <a:rPr lang="en-US" dirty="0" smtClean="0">
+                <a:solidFill>
+                  <a:srgbClr val="0070C0"/>
+                </a:solidFill>
+                <a:latin typeface="Consolas" pitchFamily="49" charset="0"/>
+                <a:cs typeface="Consolas" pitchFamily="49" charset="0"/>
+              </a:rPr>
+              <a:t> </a:t>
+            </a:r>
+            <a:r>
+              <a:rPr lang="en-US" dirty="0">
+                <a:solidFill>
+                  <a:sysClr val="windowText" lastClr="000000"/>
+                </a:solidFill>
+                <a:latin typeface="Consolas" pitchFamily="49" charset="0"/>
+                <a:cs typeface="Consolas" pitchFamily="49" charset="0"/>
+              </a:rPr>
+              <a:t>query = new </a:t>
+            </a:r>
+            <a:r>
+              <a:rPr lang="en-US" dirty="0" err="1">
+                <a:solidFill>
+                  <a:srgbClr val="0070C0"/>
+                </a:solidFill>
+                <a:latin typeface="Consolas" pitchFamily="49" charset="0"/>
+                <a:cs typeface="Consolas" pitchFamily="49" charset="0"/>
+              </a:rPr>
+              <a:t>KeywordQuery</a:t>
+            </a:r>
+            <a:r>
+              <a:rPr lang="en-US" dirty="0">
+                <a:solidFill>
+                  <a:sysClr val="windowText" lastClr="000000"/>
+                </a:solidFill>
+                <a:latin typeface="Consolas" pitchFamily="49" charset="0"/>
+                <a:cs typeface="Consolas" pitchFamily="49" charset="0"/>
+              </a:rPr>
+              <a:t>(</a:t>
+            </a:r>
+            <a:r>
+              <a:rPr lang="en-US" dirty="0" err="1">
+                <a:solidFill>
+                  <a:sysClr val="windowText" lastClr="000000"/>
+                </a:solidFill>
+                <a:latin typeface="Consolas" pitchFamily="49" charset="0"/>
+                <a:cs typeface="Consolas" pitchFamily="49" charset="0"/>
+              </a:rPr>
+              <a:t>cctx</a:t>
+            </a:r>
+            <a:r>
+              <a:rPr lang="en-US" dirty="0">
+                <a:solidFill>
+                  <a:sysClr val="windowText" lastClr="000000"/>
+                </a:solidFill>
+                <a:latin typeface="Consolas" pitchFamily="49" charset="0"/>
+                <a:cs typeface="Consolas" pitchFamily="49" charset="0"/>
+              </a:rPr>
+              <a:t>);</a:t>
+            </a:r>
+          </a:p>
+          <a:p>
+            <a:pPr defTabSz="914400" fontAlgn="base">
+              <a:lnSpc>
+                <a:spcPct val="90000"/>
+              </a:lnSpc>
+              <a:spcBef>
+                <a:spcPct val="0"/>
+              </a:spcBef>
+              <a:spcAft>
+                <a:spcPts val="494"/>
+              </a:spcAft>
+            </a:pPr>
+            <a:r>
+              <a:rPr lang="en-US" dirty="0" smtClean="0">
+                <a:solidFill>
+                  <a:sysClr val="windowText" lastClr="000000"/>
+                </a:solidFill>
+                <a:latin typeface="Consolas" pitchFamily="49" charset="0"/>
+                <a:cs typeface="Consolas" pitchFamily="49" charset="0"/>
+              </a:rPr>
+              <a:t>    </a:t>
+            </a:r>
+            <a:r>
+              <a:rPr lang="en-US" dirty="0" err="1" smtClean="0">
+                <a:solidFill>
+                  <a:sysClr val="windowText" lastClr="000000"/>
+                </a:solidFill>
+                <a:latin typeface="Consolas" pitchFamily="49" charset="0"/>
+                <a:cs typeface="Consolas" pitchFamily="49" charset="0"/>
+              </a:rPr>
+              <a:t>query.QueryText</a:t>
+            </a:r>
+            <a:r>
+              <a:rPr lang="en-US" dirty="0" smtClean="0">
+                <a:solidFill>
+                  <a:sysClr val="windowText" lastClr="000000"/>
+                </a:solidFill>
+                <a:latin typeface="Consolas" pitchFamily="49" charset="0"/>
+                <a:cs typeface="Consolas" pitchFamily="49" charset="0"/>
+              </a:rPr>
+              <a:t> </a:t>
+            </a:r>
+            <a:r>
+              <a:rPr lang="en-US" dirty="0">
+                <a:solidFill>
+                  <a:sysClr val="windowText" lastClr="000000"/>
+                </a:solidFill>
+                <a:latin typeface="Consolas" pitchFamily="49" charset="0"/>
+                <a:cs typeface="Consolas" pitchFamily="49" charset="0"/>
+              </a:rPr>
+              <a:t>= </a:t>
+            </a:r>
+            <a:r>
+              <a:rPr lang="en-US" dirty="0">
+                <a:solidFill>
+                  <a:srgbClr val="C00000"/>
+                </a:solidFill>
+                <a:latin typeface="Consolas" pitchFamily="49" charset="0"/>
+                <a:cs typeface="Consolas" pitchFamily="49" charset="0"/>
+              </a:rPr>
+              <a:t>"{KQL</a:t>
+            </a:r>
+            <a:r>
+              <a:rPr lang="en-US" dirty="0" smtClean="0">
+                <a:solidFill>
+                  <a:srgbClr val="C00000"/>
+                </a:solidFill>
+                <a:latin typeface="Consolas" pitchFamily="49" charset="0"/>
+                <a:cs typeface="Consolas" pitchFamily="49" charset="0"/>
+              </a:rPr>
+              <a:t>}"</a:t>
+            </a:r>
+            <a:r>
+              <a:rPr lang="en-US" dirty="0" smtClean="0">
+                <a:solidFill>
+                  <a:sysClr val="windowText" lastClr="000000"/>
+                </a:solidFill>
+                <a:latin typeface="Consolas" pitchFamily="49" charset="0"/>
+                <a:cs typeface="Consolas" pitchFamily="49" charset="0"/>
+              </a:rPr>
+              <a:t>;</a:t>
+            </a:r>
+            <a:endParaRPr lang="en-US" dirty="0">
+              <a:solidFill>
+                <a:sysClr val="windowText" lastClr="000000"/>
+              </a:solidFill>
+              <a:latin typeface="Consolas" pitchFamily="49" charset="0"/>
+              <a:cs typeface="Consolas" pitchFamily="49" charset="0"/>
+            </a:endParaRPr>
+          </a:p>
+          <a:p>
+            <a:pPr defTabSz="914400" fontAlgn="base">
+              <a:lnSpc>
+                <a:spcPct val="90000"/>
+              </a:lnSpc>
+              <a:spcBef>
+                <a:spcPct val="0"/>
+              </a:spcBef>
+              <a:spcAft>
+                <a:spcPts val="494"/>
+              </a:spcAft>
+            </a:pPr>
+            <a:r>
+              <a:rPr lang="en-US" dirty="0" smtClean="0">
+                <a:solidFill>
+                  <a:srgbClr val="0070C0"/>
+                </a:solidFill>
+                <a:latin typeface="Consolas" pitchFamily="49" charset="0"/>
+                <a:cs typeface="Consolas" pitchFamily="49" charset="0"/>
+              </a:rPr>
+              <a:t>    </a:t>
+            </a:r>
+            <a:r>
+              <a:rPr lang="en-US" dirty="0" err="1" smtClean="0">
+                <a:solidFill>
+                  <a:srgbClr val="0070C0"/>
+                </a:solidFill>
+                <a:latin typeface="Consolas" pitchFamily="49" charset="0"/>
+                <a:cs typeface="Consolas" pitchFamily="49" charset="0"/>
+              </a:rPr>
+              <a:t>SearchExecutor</a:t>
+            </a:r>
+            <a:r>
+              <a:rPr lang="en-US" dirty="0" smtClean="0">
+                <a:solidFill>
+                  <a:sysClr val="windowText" lastClr="000000"/>
+                </a:solidFill>
+                <a:latin typeface="Consolas" pitchFamily="49" charset="0"/>
+                <a:cs typeface="Consolas" pitchFamily="49" charset="0"/>
+              </a:rPr>
+              <a:t> </a:t>
+            </a:r>
+            <a:r>
+              <a:rPr lang="en-US" dirty="0">
+                <a:solidFill>
+                  <a:sysClr val="windowText" lastClr="000000"/>
+                </a:solidFill>
+                <a:latin typeface="Consolas" pitchFamily="49" charset="0"/>
+                <a:cs typeface="Consolas" pitchFamily="49" charset="0"/>
+              </a:rPr>
+              <a:t>executor = new </a:t>
+            </a:r>
+            <a:r>
+              <a:rPr lang="en-US" dirty="0" err="1">
+                <a:solidFill>
+                  <a:srgbClr val="0070C0"/>
+                </a:solidFill>
+                <a:latin typeface="Consolas" pitchFamily="49" charset="0"/>
+                <a:cs typeface="Consolas" pitchFamily="49" charset="0"/>
+              </a:rPr>
+              <a:t>SearchExecutor</a:t>
+            </a:r>
+            <a:r>
+              <a:rPr lang="en-US" dirty="0">
+                <a:solidFill>
+                  <a:sysClr val="windowText" lastClr="000000"/>
+                </a:solidFill>
+                <a:latin typeface="Consolas" pitchFamily="49" charset="0"/>
+                <a:cs typeface="Consolas" pitchFamily="49" charset="0"/>
+              </a:rPr>
+              <a:t>(</a:t>
+            </a:r>
+            <a:r>
+              <a:rPr lang="en-US" dirty="0" err="1">
+                <a:solidFill>
+                  <a:sysClr val="windowText" lastClr="000000"/>
+                </a:solidFill>
+                <a:latin typeface="Consolas" pitchFamily="49" charset="0"/>
+                <a:cs typeface="Consolas" pitchFamily="49" charset="0"/>
+              </a:rPr>
+              <a:t>cctx</a:t>
+            </a:r>
+            <a:r>
+              <a:rPr lang="en-US" dirty="0">
+                <a:solidFill>
+                  <a:sysClr val="windowText" lastClr="000000"/>
+                </a:solidFill>
+                <a:latin typeface="Consolas" pitchFamily="49" charset="0"/>
+                <a:cs typeface="Consolas" pitchFamily="49" charset="0"/>
+              </a:rPr>
+              <a:t>);</a:t>
+            </a:r>
+          </a:p>
+          <a:p>
+            <a:pPr defTabSz="914400" fontAlgn="base">
+              <a:lnSpc>
+                <a:spcPct val="90000"/>
+              </a:lnSpc>
+              <a:spcBef>
+                <a:spcPct val="0"/>
+              </a:spcBef>
+              <a:spcAft>
+                <a:spcPts val="494"/>
+              </a:spcAft>
+            </a:pPr>
+            <a:r>
+              <a:rPr lang="en-US" dirty="0" smtClean="0">
+                <a:solidFill>
+                  <a:srgbClr val="0070C0"/>
+                </a:solidFill>
+                <a:latin typeface="Consolas" pitchFamily="49" charset="0"/>
+                <a:cs typeface="Consolas" pitchFamily="49" charset="0"/>
+              </a:rPr>
+              <a:t>    </a:t>
+            </a:r>
+            <a:r>
+              <a:rPr lang="en-US" dirty="0" err="1" smtClean="0">
+                <a:solidFill>
+                  <a:srgbClr val="0070C0"/>
+                </a:solidFill>
+                <a:latin typeface="Consolas" pitchFamily="49" charset="0"/>
+                <a:cs typeface="Consolas" pitchFamily="49" charset="0"/>
+              </a:rPr>
+              <a:t>ClientResult</a:t>
+            </a:r>
+            <a:r>
+              <a:rPr lang="en-US" dirty="0" smtClean="0">
+                <a:solidFill>
+                  <a:sysClr val="windowText" lastClr="000000"/>
+                </a:solidFill>
+                <a:latin typeface="Consolas" pitchFamily="49" charset="0"/>
+                <a:cs typeface="Consolas" pitchFamily="49" charset="0"/>
+              </a:rPr>
+              <a:t>&lt;</a:t>
+            </a:r>
+            <a:r>
+              <a:rPr lang="en-US" dirty="0" err="1" smtClean="0">
+                <a:solidFill>
+                  <a:srgbClr val="0070C0"/>
+                </a:solidFill>
+                <a:latin typeface="Consolas" pitchFamily="49" charset="0"/>
+                <a:cs typeface="Consolas" pitchFamily="49" charset="0"/>
+              </a:rPr>
+              <a:t>ResultTableCollection</a:t>
+            </a:r>
+            <a:r>
+              <a:rPr lang="en-US" dirty="0">
+                <a:solidFill>
+                  <a:sysClr val="windowText" lastClr="000000"/>
+                </a:solidFill>
+                <a:latin typeface="Consolas" pitchFamily="49" charset="0"/>
+                <a:cs typeface="Consolas" pitchFamily="49" charset="0"/>
+              </a:rPr>
+              <a:t>&gt; results = </a:t>
+            </a:r>
+            <a:r>
+              <a:rPr lang="en-US" dirty="0" err="1">
+                <a:solidFill>
+                  <a:sysClr val="windowText" lastClr="000000"/>
+                </a:solidFill>
+                <a:latin typeface="Consolas" pitchFamily="49" charset="0"/>
+                <a:cs typeface="Consolas" pitchFamily="49" charset="0"/>
+              </a:rPr>
+              <a:t>executor.ExecuteQuery</a:t>
+            </a:r>
+            <a:r>
+              <a:rPr lang="en-US" dirty="0">
+                <a:solidFill>
+                  <a:sysClr val="windowText" lastClr="000000"/>
+                </a:solidFill>
+                <a:latin typeface="Consolas" pitchFamily="49" charset="0"/>
+                <a:cs typeface="Consolas" pitchFamily="49" charset="0"/>
+              </a:rPr>
+              <a:t>(query);</a:t>
+            </a:r>
+          </a:p>
+          <a:p>
+            <a:pPr defTabSz="914400" fontAlgn="base">
+              <a:lnSpc>
+                <a:spcPct val="90000"/>
+              </a:lnSpc>
+              <a:spcBef>
+                <a:spcPct val="0"/>
+              </a:spcBef>
+              <a:spcAft>
+                <a:spcPts val="494"/>
+              </a:spcAft>
+            </a:pPr>
+            <a:r>
+              <a:rPr lang="en-US" dirty="0" smtClean="0">
+                <a:solidFill>
+                  <a:sysClr val="windowText" lastClr="000000"/>
+                </a:solidFill>
+                <a:latin typeface="Consolas" pitchFamily="49" charset="0"/>
+                <a:cs typeface="Consolas" pitchFamily="49" charset="0"/>
+              </a:rPr>
+              <a:t>    </a:t>
+            </a:r>
+            <a:r>
+              <a:rPr lang="en-US" dirty="0" err="1" smtClean="0">
+                <a:solidFill>
+                  <a:sysClr val="windowText" lastClr="000000"/>
+                </a:solidFill>
+                <a:latin typeface="Consolas" pitchFamily="49" charset="0"/>
+                <a:cs typeface="Consolas" pitchFamily="49" charset="0"/>
+              </a:rPr>
+              <a:t>cctx.ExecuteQuery</a:t>
+            </a:r>
+            <a:r>
+              <a:rPr lang="en-US" dirty="0">
+                <a:solidFill>
+                  <a:sysClr val="windowText" lastClr="000000"/>
+                </a:solidFill>
+                <a:latin typeface="Consolas" pitchFamily="49" charset="0"/>
+                <a:cs typeface="Consolas" pitchFamily="49" charset="0"/>
+              </a:rPr>
+              <a:t>();</a:t>
+            </a:r>
+          </a:p>
+          <a:p>
+            <a:pPr defTabSz="914400" fontAlgn="base">
+              <a:lnSpc>
+                <a:spcPct val="90000"/>
+              </a:lnSpc>
+              <a:spcBef>
+                <a:spcPct val="0"/>
+              </a:spcBef>
+              <a:spcAft>
+                <a:spcPts val="494"/>
+              </a:spcAft>
+            </a:pPr>
+            <a:r>
+              <a:rPr lang="en-US" dirty="0" smtClean="0">
+                <a:latin typeface="Consolas" pitchFamily="49" charset="0"/>
+                <a:cs typeface="Consolas" pitchFamily="49" charset="0"/>
+              </a:rPr>
+              <a:t>}</a:t>
+            </a:r>
+          </a:p>
+        </p:txBody>
+      </p:sp>
+    </p:spTree>
+    <p:extLst>
+      <p:ext uri="{BB962C8B-B14F-4D97-AF65-F5344CB8AC3E}">
+        <p14:creationId xmlns:p14="http://schemas.microsoft.com/office/powerpoint/2010/main" val="1208369025"/>
+      </p:ext>
+    </p:extLst>
+  </p:cSld>
+  <p:clrMapOvr>
+    <a:masterClrMapping/>
+  </p:clrMapOvr>
+  <p:transition>
+    <p:fade/>
+  </p:transition>
+</p:sld>
+</file>
+
+<file path=ppt/slides/slide24.xml><?xml version="1.0" encoding="utf-8"?>
+<p:sld xmlns:a="http://schemas.openxmlformats.org/drawingml/2006/main" xmlns:r="http://schemas.openxmlformats.org/officeDocument/2006/relationships" xmlns:p="http://schemas.openxmlformats.org/presentationml/2006/main">
+  <p:cSld>
+    <p:spTree>
+      <p:nvGrpSpPr>
+        <p:cNvPr id="1" name=""/>
+        <p:cNvGrpSpPr/>
+        <p:nvPr/>
+      </p:nvGrpSpPr>
+      <p:grpSpPr>
+        <a:xfrm>
+          <a:off x="0" y="0"/>
+          <a:ext cx="0" cy="0"/>
+          <a:chOff x="0" y="0"/>
+          <a:chExt cx="0" cy="0"/>
+        </a:xfrm>
+      </p:grpSpPr>
+      <p:sp>
+        <p:nvSpPr>
+          <p:cNvPr id="2" name="Title 1"/>
+          <p:cNvSpPr>
+            <a:spLocks noGrp="1"/>
+          </p:cNvSpPr>
+          <p:nvPr>
+            <p:ph type="title"/>
+          </p:nvPr>
+        </p:nvSpPr>
+        <p:spPr/>
+        <p:txBody>
+          <a:bodyPr/>
+          <a:lstStyle/>
+          <a:p>
+            <a:r>
+              <a:rPr lang="en-US" dirty="0" smtClean="0"/>
+              <a:t>App Permissions</a:t>
+            </a:r>
+            <a:endParaRPr lang="en-US" dirty="0"/>
+          </a:p>
+        </p:txBody>
+      </p:sp>
+      <p:sp>
+        <p:nvSpPr>
+          <p:cNvPr id="3" name="Slide Number Placeholder 2"/>
+          <p:cNvSpPr>
+            <a:spLocks noGrp="1"/>
+          </p:cNvSpPr>
+          <p:nvPr>
+            <p:ph type="sldNum" sz="quarter" idx="12"/>
+          </p:nvPr>
+        </p:nvSpPr>
+        <p:spPr/>
+        <p:txBody>
+          <a:bodyPr/>
+          <a:lstStyle/>
+          <a:p>
+            <a:fld id="{727B4C2D-45E2-4621-8491-2995EB46A674}" type="slidenum">
+              <a:rPr lang="en-US" smtClean="0"/>
+              <a:pPr/>
+              <a:t>24</a:t>
             </a:fld>
             <a:endParaRPr lang="en-US" dirty="0"/>
           </a:p>
@@ -17408,7 +17846,7 @@
 </p:sld>
 </file>
 
-<file path=ppt/slides/slide22.xml><?xml version="1.0" encoding="utf-8"?>
+<file path=ppt/slides/slide25.xml><?xml version="1.0" encoding="utf-8"?>
 <p:sld xmlns:a="http://schemas.openxmlformats.org/drawingml/2006/main" xmlns:r="http://schemas.openxmlformats.org/officeDocument/2006/relationships" xmlns:p="http://schemas.openxmlformats.org/presentationml/2006/main">
   <p:cSld>
     <p:spTree>
@@ -17497,7 +17935,7 @@
 </p:sld>
 </file>
 
-<file path=ppt/slides/slide23.xml><?xml version="1.0" encoding="utf-8"?>
+<file path=ppt/slides/slide26.xml><?xml version="1.0" encoding="utf-8"?>
 <p:sld xmlns:a="http://schemas.openxmlformats.org/drawingml/2006/main" xmlns:r="http://schemas.openxmlformats.org/officeDocument/2006/relationships" xmlns:p="http://schemas.openxmlformats.org/presentationml/2006/main">
   <p:cSld>
     <p:spTree>
@@ -17536,8 +17974,19 @@
           <a:p>
             <a:r>
               <a:rPr lang="en-US" dirty="0" smtClean="0"/>
-              <a:t>Search Building Blocks</a:t>
-            </a:r>
+              <a:t>Search Building </a:t>
+            </a:r>
+            <a:r>
+              <a:rPr lang="en-US" dirty="0" smtClean="0"/>
+              <a:t>Blocks</a:t>
+            </a:r>
+          </a:p>
+          <a:p>
+            <a:r>
+              <a:rPr lang="en-US" dirty="0" smtClean="0"/>
+              <a:t>Extending Search Center</a:t>
+            </a:r>
+            <a:endParaRPr lang="en-US" dirty="0" smtClean="0"/>
           </a:p>
           <a:p>
             <a:r>
@@ -17589,7 +18038,7 @@
             <a:fld id="{727B4C2D-45E2-4621-8491-2995EB46A674}" type="slidenum">
               <a:rPr lang="en-US" smtClean="0"/>
               <a:pPr/>
-              <a:t>23</a:t>
+              <a:t>26</a:t>
             </a:fld>
             <a:endParaRPr lang="en-US" dirty="0"/>
           </a:p>
@@ -17611,7 +18060,7 @@
 </p:sld>
 </file>
 
-<file path=ppt/slides/slide24.xml><?xml version="1.0" encoding="utf-8"?>
+<file path=ppt/slides/slide27.xml><?xml version="1.0" encoding="utf-8"?>
 <p:sld xmlns:a="http://schemas.openxmlformats.org/drawingml/2006/main" xmlns:r="http://schemas.openxmlformats.org/officeDocument/2006/relationships" xmlns:p="http://schemas.openxmlformats.org/presentationml/2006/main">
   <p:cSld>
     <p:spTree>
@@ -18143,8 +18592,19 @@
           <a:p>
             <a:r>
               <a:rPr lang="en-US" dirty="0" smtClean="0"/>
-              <a:t>Search Building Blocks</a:t>
-            </a:r>
+              <a:t>Search Building </a:t>
+            </a:r>
+            <a:r>
+              <a:rPr lang="en-US" dirty="0" smtClean="0"/>
+              <a:t>Blocks</a:t>
+            </a:r>
+          </a:p>
+          <a:p>
+            <a:r>
+              <a:rPr lang="en-US" dirty="0" smtClean="0"/>
+              <a:t>Extending Search Center</a:t>
+            </a:r>
+            <a:endParaRPr lang="en-US" dirty="0" smtClean="0"/>
           </a:p>
           <a:p>
             <a:r>
@@ -20421,6 +20881,21 @@
 </file>
 
 <file path=customXml/item1.xml><?xml version="1.0" encoding="utf-8"?>
+<?mso-contentType ?>
+<FormTemplates xmlns="http://schemas.microsoft.com/sharepoint/v3/contenttype/forms">
+  <Display>DocumentLibraryForm</Display>
+  <Edit>DocumentLibraryForm</Edit>
+  <New>DocumentLibraryForm</New>
+</FormTemplates>
+</file>
+
+<file path=customXml/item2.xml><?xml version="1.0" encoding="utf-8"?>
+<p:properties xmlns:p="http://schemas.microsoft.com/office/2006/metadata/properties" xmlns:xsi="http://www.w3.org/2001/XMLSchema-instance" xmlns:pc="http://schemas.microsoft.com/office/infopath/2007/PartnerControls">
+  <documentManagement/>
+</p:properties>
+</file>
+
+<file path=customXml/item3.xml><?xml version="1.0" encoding="utf-8"?>
 <ct:contentTypeSchema xmlns:ct="http://schemas.microsoft.com/office/2006/metadata/contentType" xmlns:ma="http://schemas.microsoft.com/office/2006/metadata/properties/metaAttributes" ct:_="" ma:_="" ma:contentTypeName="Document" ma:contentTypeID="0x010100A2E4C90AA7333249A7DBC8CC6F49919B" ma:contentTypeVersion="1" ma:contentTypeDescription="Create a new document." ma:contentTypeScope="" ma:versionID="e7b09f0f38d7ed30c7da14951e97abcc">
   <xsd:schema xmlns:xsd="http://www.w3.org/2001/XMLSchema" xmlns:xs="http://www.w3.org/2001/XMLSchema" xmlns:p="http://schemas.microsoft.com/office/2006/metadata/properties" xmlns:ns2="5fad15d0-477e-40da-a20d-40d4ca777cbd" targetNamespace="http://schemas.microsoft.com/office/2006/metadata/properties" ma:root="true" ma:fieldsID="0cee24db179c30c5ebec40b677cadf70" ns2:_="">
     <xsd:import namespace="5fad15d0-477e-40da-a20d-40d4ca777cbd"/>
@@ -20560,35 +21035,10 @@
 </ct:contentTypeSchema>
 </file>
 
-<file path=customXml/item2.xml><?xml version="1.0" encoding="utf-8"?>
-<p:properties xmlns:p="http://schemas.microsoft.com/office/2006/metadata/properties" xmlns:xsi="http://www.w3.org/2001/XMLSchema-instance" xmlns:pc="http://schemas.microsoft.com/office/infopath/2007/PartnerControls">
-  <documentManagement/>
-</p:properties>
-</file>
-
-<file path=customXml/item3.xml><?xml version="1.0" encoding="utf-8"?>
-<?mso-contentType ?>
-<FormTemplates xmlns="http://schemas.microsoft.com/sharepoint/v3/contenttype/forms">
-  <Display>DocumentLibraryForm</Display>
-  <Edit>DocumentLibraryForm</Edit>
-  <New>DocumentLibraryForm</New>
-</FormTemplates>
-</file>
-
 <file path=customXml/itemProps1.xml><?xml version="1.0" encoding="utf-8"?>
-<ds:datastoreItem xmlns:ds="http://schemas.openxmlformats.org/officeDocument/2006/customXml" ds:itemID="{F17DCE38-6787-497B-B958-75817420EB1E}">
+<ds:datastoreItem xmlns:ds="http://schemas.openxmlformats.org/officeDocument/2006/customXml" ds:itemID="{E1E0CE18-CA03-4891-9CD8-3448778E3D53}">
   <ds:schemaRefs>
-    <ds:schemaRef ds:uri="http://schemas.microsoft.com/office/2006/metadata/contentType"/>
-    <ds:schemaRef ds:uri="http://schemas.microsoft.com/office/2006/metadata/properties/metaAttributes"/>
-    <ds:schemaRef ds:uri="http://www.w3.org/2001/XMLSchema"/>
-    <ds:schemaRef ds:uri="http://schemas.microsoft.com/office/2006/metadata/properties"/>
-    <ds:schemaRef ds:uri="5fad15d0-477e-40da-a20d-40d4ca777cbd"/>
-    <ds:schemaRef ds:uri="http://schemas.microsoft.com/office/2006/documentManagement/types"/>
-    <ds:schemaRef ds:uri="http://schemas.microsoft.com/office/infopath/2007/PartnerControls"/>
-    <ds:schemaRef ds:uri="http://schemas.openxmlformats.org/package/2006/metadata/core-properties"/>
-    <ds:schemaRef ds:uri="http://purl.org/dc/elements/1.1/"/>
-    <ds:schemaRef ds:uri="http://purl.org/dc/terms/"/>
-    <ds:schemaRef ds:uri="http://schemas.microsoft.com/internal/obd"/>
+    <ds:schemaRef ds:uri="http://schemas.microsoft.com/sharepoint/v3/contenttype/forms"/>
   </ds:schemaRefs>
 </ds:datastoreItem>
 </file>
@@ -20610,9 +21060,19 @@
 </file>
 
 <file path=customXml/itemProps3.xml><?xml version="1.0" encoding="utf-8"?>
-<ds:datastoreItem xmlns:ds="http://schemas.openxmlformats.org/officeDocument/2006/customXml" ds:itemID="{E1E0CE18-CA03-4891-9CD8-3448778E3D53}">
+<ds:datastoreItem xmlns:ds="http://schemas.openxmlformats.org/officeDocument/2006/customXml" ds:itemID="{F17DCE38-6787-497B-B958-75817420EB1E}">
   <ds:schemaRefs>
-    <ds:schemaRef ds:uri="http://schemas.microsoft.com/sharepoint/v3/contenttype/forms"/>
+    <ds:schemaRef ds:uri="http://schemas.microsoft.com/office/2006/metadata/contentType"/>
+    <ds:schemaRef ds:uri="http://schemas.microsoft.com/office/2006/metadata/properties/metaAttributes"/>
+    <ds:schemaRef ds:uri="http://www.w3.org/2001/XMLSchema"/>
+    <ds:schemaRef ds:uri="http://schemas.microsoft.com/office/2006/metadata/properties"/>
+    <ds:schemaRef ds:uri="5fad15d0-477e-40da-a20d-40d4ca777cbd"/>
+    <ds:schemaRef ds:uri="http://schemas.microsoft.com/office/2006/documentManagement/types"/>
+    <ds:schemaRef ds:uri="http://schemas.microsoft.com/office/infopath/2007/PartnerControls"/>
+    <ds:schemaRef ds:uri="http://schemas.openxmlformats.org/package/2006/metadata/core-properties"/>
+    <ds:schemaRef ds:uri="http://purl.org/dc/elements/1.1/"/>
+    <ds:schemaRef ds:uri="http://purl.org/dc/terms/"/>
+    <ds:schemaRef ds:uri="http://schemas.microsoft.com/internal/obd"/>
   </ds:schemaRefs>
 </ds:datastoreItem>
 </file>